--- a/architecture/slides.pptx
+++ b/architecture/slides.pptx
@@ -5,11 +5,13 @@
     <p:sldMasterId id="2147483648" r:id="rId1"/>
   </p:sldMasterIdLst>
   <p:sldIdLst>
-    <p:sldId id="256" r:id="rId2"/>
+    <p:sldId id="261" r:id="rId2"/>
     <p:sldId id="257" r:id="rId3"/>
     <p:sldId id="258" r:id="rId4"/>
     <p:sldId id="259" r:id="rId5"/>
     <p:sldId id="260" r:id="rId6"/>
+    <p:sldId id="262" r:id="rId7"/>
+    <p:sldId id="256" r:id="rId8"/>
   </p:sldIdLst>
   <p:sldSz cx="9144000" cy="6858000" type="screen4x3"/>
   <p:notesSz cx="6858000" cy="9144000"/>
@@ -3366,6 +3368,3572 @@
 </file>
 
 <file path=ppt/slides/slide1.xml><?xml version="1.0" encoding="utf-8"?>
+<p:sld xmlns:a="http://schemas.openxmlformats.org/drawingml/2006/main" xmlns:r="http://schemas.openxmlformats.org/officeDocument/2006/relationships" xmlns:p="http://schemas.openxmlformats.org/presentationml/2006/main">
+  <p:cSld>
+    <p:spTree>
+      <p:nvGrpSpPr>
+        <p:cNvPr id="1" name=""/>
+        <p:cNvGrpSpPr/>
+        <p:nvPr/>
+      </p:nvGrpSpPr>
+      <p:grpSpPr>
+        <a:xfrm>
+          <a:off x="0" y="0"/>
+          <a:ext cx="0" cy="0"/>
+          <a:chOff x="0" y="0"/>
+          <a:chExt cx="0" cy="0"/>
+        </a:xfrm>
+      </p:grpSpPr>
+      <p:sp>
+        <p:nvSpPr>
+          <p:cNvPr id="2" name="Title 1">
+            <a:extLst>
+              <a:ext uri="{FF2B5EF4-FFF2-40B4-BE49-F238E27FC236}">
+                <a16:creationId xmlns:a16="http://schemas.microsoft.com/office/drawing/2014/main" id="{2955C35A-9051-5B49-9F45-B8BF48A63D1D}"/>
+              </a:ext>
+            </a:extLst>
+          </p:cNvPr>
+          <p:cNvSpPr>
+            <a:spLocks noGrp="1"/>
+          </p:cNvSpPr>
+          <p:nvPr>
+            <p:ph type="ctrTitle"/>
+          </p:nvPr>
+        </p:nvSpPr>
+        <p:spPr/>
+        <p:txBody>
+          <a:bodyPr/>
+          <a:lstStyle/>
+          <a:p>
+            <a:r>
+              <a:rPr lang="en-US" dirty="0"/>
+              <a:t>Label-Free pipelines analysis. </a:t>
+            </a:r>
+          </a:p>
+        </p:txBody>
+      </p:sp>
+    </p:spTree>
+    <p:extLst>
+      <p:ext uri="{BB962C8B-B14F-4D97-AF65-F5344CB8AC3E}">
+        <p14:creationId xmlns:p14="http://schemas.microsoft.com/office/powerpoint/2010/main" val="397455753"/>
+      </p:ext>
+    </p:extLst>
+  </p:cSld>
+  <p:clrMapOvr>
+    <a:masterClrMapping/>
+  </p:clrMapOvr>
+</p:sld>
+</file>
+
+<file path=ppt/slides/slide2.xml><?xml version="1.0" encoding="utf-8"?>
+<p:sld xmlns:a="http://schemas.openxmlformats.org/drawingml/2006/main" xmlns:r="http://schemas.openxmlformats.org/officeDocument/2006/relationships" xmlns:p="http://schemas.openxmlformats.org/presentationml/2006/main">
+  <p:cSld>
+    <p:spTree>
+      <p:nvGrpSpPr>
+        <p:cNvPr id="1" name=""/>
+        <p:cNvGrpSpPr/>
+        <p:nvPr/>
+      </p:nvGrpSpPr>
+      <p:grpSpPr>
+        <a:xfrm>
+          <a:off x="0" y="0"/>
+          <a:ext cx="0" cy="0"/>
+          <a:chOff x="0" y="0"/>
+          <a:chExt cx="0" cy="0"/>
+        </a:xfrm>
+      </p:grpSpPr>
+      <p:sp>
+        <p:nvSpPr>
+          <p:cNvPr id="2" name="Title 1">
+            <a:extLst>
+              <a:ext uri="{FF2B5EF4-FFF2-40B4-BE49-F238E27FC236}">
+                <a16:creationId xmlns:a16="http://schemas.microsoft.com/office/drawing/2014/main" id="{D9713B97-3B16-3441-B2D5-A54BE10516FE}"/>
+              </a:ext>
+            </a:extLst>
+          </p:cNvPr>
+          <p:cNvSpPr>
+            <a:spLocks noGrp="1"/>
+          </p:cNvSpPr>
+          <p:nvPr>
+            <p:ph type="title"/>
+          </p:nvPr>
+        </p:nvSpPr>
+        <p:spPr>
+          <a:xfrm>
+            <a:off x="528637" y="-43874"/>
+            <a:ext cx="8229600" cy="809149"/>
+          </a:xfrm>
+        </p:spPr>
+        <p:txBody>
+          <a:bodyPr/>
+          <a:lstStyle/>
+          <a:p>
+            <a:r>
+              <a:rPr lang="en-US" dirty="0"/>
+              <a:t>Label free experiment</a:t>
+            </a:r>
+          </a:p>
+        </p:txBody>
+      </p:sp>
+      <p:graphicFrame>
+        <p:nvGraphicFramePr>
+          <p:cNvPr id="4" name="Table 4">
+            <a:extLst>
+              <a:ext uri="{FF2B5EF4-FFF2-40B4-BE49-F238E27FC236}">
+                <a16:creationId xmlns:a16="http://schemas.microsoft.com/office/drawing/2014/main" id="{9C9DABCA-8F92-084B-8097-6099AFC57586}"/>
+              </a:ext>
+            </a:extLst>
+          </p:cNvPr>
+          <p:cNvGraphicFramePr>
+            <a:graphicFrameLocks noGrp="1"/>
+          </p:cNvGraphicFramePr>
+          <p:nvPr>
+            <p:extLst>
+              <p:ext uri="{D42A27DB-BD31-4B8C-83A1-F6EECF244321}">
+                <p14:modId xmlns:p14="http://schemas.microsoft.com/office/powerpoint/2010/main" val="2677904207"/>
+              </p:ext>
+            </p:extLst>
+          </p:nvPr>
+        </p:nvGraphicFramePr>
+        <p:xfrm>
+          <a:off x="309561" y="827724"/>
+          <a:ext cx="8577264" cy="1381760"/>
+        </p:xfrm>
+        <a:graphic>
+          <a:graphicData uri="http://schemas.openxmlformats.org/drawingml/2006/table">
+            <a:tbl>
+              <a:tblPr firstRow="1" bandRow="1">
+                <a:tableStyleId>{F5AB1C69-6EDB-4FF4-983F-18BD219EF322}</a:tableStyleId>
+              </a:tblPr>
+              <a:tblGrid>
+                <a:gridCol w="1429544">
+                  <a:extLst>
+                    <a:ext uri="{9D8B030D-6E8A-4147-A177-3AD203B41FA5}">
+                      <a16:colId xmlns:a16="http://schemas.microsoft.com/office/drawing/2014/main" val="3638172410"/>
+                    </a:ext>
+                  </a:extLst>
+                </a:gridCol>
+                <a:gridCol w="1232695">
+                  <a:extLst>
+                    <a:ext uri="{9D8B030D-6E8A-4147-A177-3AD203B41FA5}">
+                      <a16:colId xmlns:a16="http://schemas.microsoft.com/office/drawing/2014/main" val="1184124969"/>
+                    </a:ext>
+                  </a:extLst>
+                </a:gridCol>
+                <a:gridCol w="1200150">
+                  <a:extLst>
+                    <a:ext uri="{9D8B030D-6E8A-4147-A177-3AD203B41FA5}">
+                      <a16:colId xmlns:a16="http://schemas.microsoft.com/office/drawing/2014/main" val="1898539357"/>
+                    </a:ext>
+                  </a:extLst>
+                </a:gridCol>
+                <a:gridCol w="1985963">
+                  <a:extLst>
+                    <a:ext uri="{9D8B030D-6E8A-4147-A177-3AD203B41FA5}">
+                      <a16:colId xmlns:a16="http://schemas.microsoft.com/office/drawing/2014/main" val="57096861"/>
+                    </a:ext>
+                  </a:extLst>
+                </a:gridCol>
+                <a:gridCol w="1671637">
+                  <a:extLst>
+                    <a:ext uri="{9D8B030D-6E8A-4147-A177-3AD203B41FA5}">
+                      <a16:colId xmlns:a16="http://schemas.microsoft.com/office/drawing/2014/main" val="347314198"/>
+                    </a:ext>
+                  </a:extLst>
+                </a:gridCol>
+                <a:gridCol w="1057275">
+                  <a:extLst>
+                    <a:ext uri="{9D8B030D-6E8A-4147-A177-3AD203B41FA5}">
+                      <a16:colId xmlns:a16="http://schemas.microsoft.com/office/drawing/2014/main" val="2256422471"/>
+                    </a:ext>
+                  </a:extLst>
+                </a:gridCol>
+              </a:tblGrid>
+              <a:tr h="370840">
+                <a:tc>
+                  <a:txBody>
+                    <a:bodyPr/>
+                    <a:lstStyle/>
+                    <a:p>
+                      <a:r>
+                        <a:rPr lang="en-US" dirty="0"/>
+                        <a:t>source name</a:t>
+                      </a:r>
+                    </a:p>
+                  </a:txBody>
+                  <a:tcPr/>
+                </a:tc>
+                <a:tc>
+                  <a:txBody>
+                    <a:bodyPr/>
+                    <a:lstStyle/>
+                    <a:p>
+                      <a:r>
+                        <a:rPr lang="en-US" dirty="0"/>
+                        <a:t>property 1</a:t>
+                      </a:r>
+                    </a:p>
+                  </a:txBody>
+                  <a:tcPr/>
+                </a:tc>
+                <a:tc>
+                  <a:txBody>
+                    <a:bodyPr/>
+                    <a:lstStyle/>
+                    <a:p>
+                      <a:r>
+                        <a:rPr lang="en-US" dirty="0"/>
+                        <a:t>property 2</a:t>
+                      </a:r>
+                    </a:p>
+                  </a:txBody>
+                  <a:tcPr/>
+                </a:tc>
+                <a:tc>
+                  <a:txBody>
+                    <a:bodyPr/>
+                    <a:lstStyle/>
+                    <a:p>
+                      <a:r>
+                        <a:rPr lang="en-US" dirty="0"/>
+                        <a:t>biological replicate</a:t>
+                      </a:r>
+                    </a:p>
+                  </a:txBody>
+                  <a:tcPr/>
+                </a:tc>
+                <a:tc>
+                  <a:txBody>
+                    <a:bodyPr/>
+                    <a:lstStyle/>
+                    <a:p>
+                      <a:r>
+                        <a:rPr lang="en-US" dirty="0"/>
+                        <a:t>technical replicate</a:t>
+                      </a:r>
+                    </a:p>
+                  </a:txBody>
+                  <a:tcPr/>
+                </a:tc>
+                <a:tc>
+                  <a:txBody>
+                    <a:bodyPr/>
+                    <a:lstStyle/>
+                    <a:p>
+                      <a:r>
+                        <a:rPr lang="en-US" dirty="0"/>
+                        <a:t>fraction</a:t>
+                      </a:r>
+                    </a:p>
+                  </a:txBody>
+                  <a:tcPr/>
+                </a:tc>
+                <a:extLst>
+                  <a:ext uri="{0D108BD9-81ED-4DB2-BD59-A6C34878D82A}">
+                    <a16:rowId xmlns:a16="http://schemas.microsoft.com/office/drawing/2014/main" val="3870243517"/>
+                  </a:ext>
+                </a:extLst>
+              </a:tr>
+              <a:tr h="370840">
+                <a:tc>
+                  <a:txBody>
+                    <a:bodyPr/>
+                    <a:lstStyle/>
+                    <a:p>
+                      <a:r>
+                        <a:rPr lang="en-US" dirty="0"/>
+                        <a:t>Sample 1</a:t>
+                      </a:r>
+                    </a:p>
+                  </a:txBody>
+                  <a:tcPr/>
+                </a:tc>
+                <a:tc>
+                  <a:txBody>
+                    <a:bodyPr/>
+                    <a:lstStyle/>
+                    <a:p>
+                      <a:endParaRPr lang="en-US"/>
+                    </a:p>
+                  </a:txBody>
+                  <a:tcPr/>
+                </a:tc>
+                <a:tc>
+                  <a:txBody>
+                    <a:bodyPr/>
+                    <a:lstStyle/>
+                    <a:p>
+                      <a:endParaRPr lang="en-US" dirty="0"/>
+                    </a:p>
+                  </a:txBody>
+                  <a:tcPr/>
+                </a:tc>
+                <a:tc>
+                  <a:txBody>
+                    <a:bodyPr/>
+                    <a:lstStyle/>
+                    <a:p>
+                      <a:endParaRPr lang="en-US"/>
+                    </a:p>
+                  </a:txBody>
+                  <a:tcPr/>
+                </a:tc>
+                <a:tc>
+                  <a:txBody>
+                    <a:bodyPr/>
+                    <a:lstStyle/>
+                    <a:p>
+                      <a:endParaRPr lang="en-US"/>
+                    </a:p>
+                  </a:txBody>
+                  <a:tcPr/>
+                </a:tc>
+                <a:tc>
+                  <a:txBody>
+                    <a:bodyPr/>
+                    <a:lstStyle/>
+                    <a:p>
+                      <a:endParaRPr lang="en-US"/>
+                    </a:p>
+                  </a:txBody>
+                  <a:tcPr/>
+                </a:tc>
+                <a:extLst>
+                  <a:ext uri="{0D108BD9-81ED-4DB2-BD59-A6C34878D82A}">
+                    <a16:rowId xmlns:a16="http://schemas.microsoft.com/office/drawing/2014/main" val="3576528922"/>
+                  </a:ext>
+                </a:extLst>
+              </a:tr>
+              <a:tr h="370840">
+                <a:tc>
+                  <a:txBody>
+                    <a:bodyPr/>
+                    <a:lstStyle/>
+                    <a:p>
+                      <a:r>
+                        <a:rPr lang="en-US" dirty="0"/>
+                        <a:t>Sample 2</a:t>
+                      </a:r>
+                    </a:p>
+                  </a:txBody>
+                  <a:tcPr/>
+                </a:tc>
+                <a:tc>
+                  <a:txBody>
+                    <a:bodyPr/>
+                    <a:lstStyle/>
+                    <a:p>
+                      <a:endParaRPr lang="en-US" dirty="0"/>
+                    </a:p>
+                  </a:txBody>
+                  <a:tcPr/>
+                </a:tc>
+                <a:tc>
+                  <a:txBody>
+                    <a:bodyPr/>
+                    <a:lstStyle/>
+                    <a:p>
+                      <a:endParaRPr lang="en-US"/>
+                    </a:p>
+                  </a:txBody>
+                  <a:tcPr/>
+                </a:tc>
+                <a:tc>
+                  <a:txBody>
+                    <a:bodyPr/>
+                    <a:lstStyle/>
+                    <a:p>
+                      <a:endParaRPr lang="en-US" dirty="0"/>
+                    </a:p>
+                  </a:txBody>
+                  <a:tcPr/>
+                </a:tc>
+                <a:tc>
+                  <a:txBody>
+                    <a:bodyPr/>
+                    <a:lstStyle/>
+                    <a:p>
+                      <a:endParaRPr lang="en-US" dirty="0"/>
+                    </a:p>
+                  </a:txBody>
+                  <a:tcPr/>
+                </a:tc>
+                <a:tc>
+                  <a:txBody>
+                    <a:bodyPr/>
+                    <a:lstStyle/>
+                    <a:p>
+                      <a:endParaRPr lang="en-US" dirty="0"/>
+                    </a:p>
+                  </a:txBody>
+                  <a:tcPr/>
+                </a:tc>
+                <a:extLst>
+                  <a:ext uri="{0D108BD9-81ED-4DB2-BD59-A6C34878D82A}">
+                    <a16:rowId xmlns:a16="http://schemas.microsoft.com/office/drawing/2014/main" val="3717446347"/>
+                  </a:ext>
+                </a:extLst>
+              </a:tr>
+            </a:tbl>
+          </a:graphicData>
+        </a:graphic>
+      </p:graphicFrame>
+      <p:cxnSp>
+        <p:nvCxnSpPr>
+          <p:cNvPr id="6" name="Straight Connector 5">
+            <a:extLst>
+              <a:ext uri="{FF2B5EF4-FFF2-40B4-BE49-F238E27FC236}">
+                <a16:creationId xmlns:a16="http://schemas.microsoft.com/office/drawing/2014/main" id="{78A9EF65-81E7-144D-82DC-F12771425972}"/>
+              </a:ext>
+            </a:extLst>
+          </p:cNvPr>
+          <p:cNvCxnSpPr>
+            <a:cxnSpLocks/>
+          </p:cNvCxnSpPr>
+          <p:nvPr/>
+        </p:nvCxnSpPr>
+        <p:spPr>
+          <a:xfrm>
+            <a:off x="142875" y="1816737"/>
+            <a:ext cx="9001125" cy="0"/>
+          </a:xfrm>
+          <a:prstGeom prst="line">
+            <a:avLst/>
+          </a:prstGeom>
+          <a:ln w="63500">
+            <a:solidFill>
+              <a:srgbClr val="C00000"/>
+            </a:solidFill>
+            <a:prstDash val="dashDot"/>
+          </a:ln>
+        </p:spPr>
+        <p:style>
+          <a:lnRef idx="2">
+            <a:schemeClr val="accent1"/>
+          </a:lnRef>
+          <a:fillRef idx="0">
+            <a:schemeClr val="accent1"/>
+          </a:fillRef>
+          <a:effectRef idx="1">
+            <a:schemeClr val="accent1"/>
+          </a:effectRef>
+          <a:fontRef idx="minor">
+            <a:schemeClr val="tx1"/>
+          </a:fontRef>
+        </p:style>
+      </p:cxnSp>
+      <p:cxnSp>
+        <p:nvCxnSpPr>
+          <p:cNvPr id="12" name="Straight Arrow Connector 11">
+            <a:extLst>
+              <a:ext uri="{FF2B5EF4-FFF2-40B4-BE49-F238E27FC236}">
+                <a16:creationId xmlns:a16="http://schemas.microsoft.com/office/drawing/2014/main" id="{B5EC9802-8431-3C4D-8C07-C420DFBFF9DD}"/>
+              </a:ext>
+            </a:extLst>
+          </p:cNvPr>
+          <p:cNvCxnSpPr>
+            <a:cxnSpLocks/>
+            <a:endCxn id="13" idx="0"/>
+          </p:cNvCxnSpPr>
+          <p:nvPr/>
+        </p:nvCxnSpPr>
+        <p:spPr>
+          <a:xfrm>
+            <a:off x="734409" y="2373949"/>
+            <a:ext cx="7213" cy="870385"/>
+          </a:xfrm>
+          <a:prstGeom prst="straightConnector1">
+            <a:avLst/>
+          </a:prstGeom>
+          <a:ln w="44450">
+            <a:tailEnd type="triangle"/>
+          </a:ln>
+        </p:spPr>
+        <p:style>
+          <a:lnRef idx="2">
+            <a:schemeClr val="accent1"/>
+          </a:lnRef>
+          <a:fillRef idx="0">
+            <a:schemeClr val="accent1"/>
+          </a:fillRef>
+          <a:effectRef idx="1">
+            <a:schemeClr val="accent1"/>
+          </a:effectRef>
+          <a:fontRef idx="minor">
+            <a:schemeClr val="tx1"/>
+          </a:fontRef>
+        </p:style>
+      </p:cxnSp>
+      <p:sp>
+        <p:nvSpPr>
+          <p:cNvPr id="13" name="TextBox 12">
+            <a:extLst>
+              <a:ext uri="{FF2B5EF4-FFF2-40B4-BE49-F238E27FC236}">
+                <a16:creationId xmlns:a16="http://schemas.microsoft.com/office/drawing/2014/main" id="{F0E1A5DF-7439-1841-B9DC-D83E5F609F66}"/>
+              </a:ext>
+            </a:extLst>
+          </p:cNvPr>
+          <p:cNvSpPr txBox="1"/>
+          <p:nvPr/>
+        </p:nvSpPr>
+        <p:spPr>
+          <a:xfrm>
+            <a:off x="211669" y="3244334"/>
+            <a:ext cx="1059906" cy="369332"/>
+          </a:xfrm>
+          <a:prstGeom prst="rect">
+            <a:avLst/>
+          </a:prstGeom>
+          <a:noFill/>
+        </p:spPr>
+        <p:txBody>
+          <a:bodyPr wrap="none" rtlCol="0">
+            <a:spAutoFit/>
+          </a:bodyPr>
+          <a:lstStyle/>
+          <a:p>
+            <a:r>
+              <a:rPr lang="en-US" b="1" dirty="0"/>
+              <a:t>Sample 1</a:t>
+            </a:r>
+          </a:p>
+        </p:txBody>
+      </p:sp>
+      <p:sp>
+        <p:nvSpPr>
+          <p:cNvPr id="14" name="TextBox 13">
+            <a:extLst>
+              <a:ext uri="{FF2B5EF4-FFF2-40B4-BE49-F238E27FC236}">
+                <a16:creationId xmlns:a16="http://schemas.microsoft.com/office/drawing/2014/main" id="{BBD5D651-B578-1C4F-8778-C65E6CC8A5E0}"/>
+              </a:ext>
+            </a:extLst>
+          </p:cNvPr>
+          <p:cNvSpPr txBox="1"/>
+          <p:nvPr/>
+        </p:nvSpPr>
+        <p:spPr>
+          <a:xfrm>
+            <a:off x="874592" y="2265244"/>
+            <a:ext cx="242374" cy="923330"/>
+          </a:xfrm>
+          <a:prstGeom prst="rect">
+            <a:avLst/>
+          </a:prstGeom>
+          <a:noFill/>
+        </p:spPr>
+        <p:txBody>
+          <a:bodyPr wrap="none" rtlCol="0">
+            <a:spAutoFit/>
+          </a:bodyPr>
+          <a:lstStyle/>
+          <a:p>
+            <a:r>
+              <a:rPr lang="en-US" dirty="0"/>
+              <a:t>.</a:t>
+            </a:r>
+          </a:p>
+          <a:p>
+            <a:r>
+              <a:rPr lang="en-US" dirty="0"/>
+              <a:t>.</a:t>
+            </a:r>
+          </a:p>
+          <a:p>
+            <a:r>
+              <a:rPr lang="en-US" dirty="0"/>
+              <a:t>.</a:t>
+            </a:r>
+          </a:p>
+        </p:txBody>
+      </p:sp>
+      <p:sp>
+        <p:nvSpPr>
+          <p:cNvPr id="18" name="Rectangle 17">
+            <a:extLst>
+              <a:ext uri="{FF2B5EF4-FFF2-40B4-BE49-F238E27FC236}">
+                <a16:creationId xmlns:a16="http://schemas.microsoft.com/office/drawing/2014/main" id="{227C7488-431C-7E40-B210-78CAA8DEDD82}"/>
+              </a:ext>
+            </a:extLst>
+          </p:cNvPr>
+          <p:cNvSpPr/>
+          <p:nvPr/>
+        </p:nvSpPr>
+        <p:spPr>
+          <a:xfrm>
+            <a:off x="1985963" y="3050381"/>
+            <a:ext cx="1585912" cy="757238"/>
+          </a:xfrm>
+          <a:prstGeom prst="rect">
+            <a:avLst/>
+          </a:prstGeom>
+          <a:noFill/>
+          <a:ln>
+            <a:prstDash val="lgDash"/>
+          </a:ln>
+        </p:spPr>
+        <p:style>
+          <a:lnRef idx="1">
+            <a:schemeClr val="accent1"/>
+          </a:lnRef>
+          <a:fillRef idx="3">
+            <a:schemeClr val="accent1"/>
+          </a:fillRef>
+          <a:effectRef idx="2">
+            <a:schemeClr val="accent1"/>
+          </a:effectRef>
+          <a:fontRef idx="minor">
+            <a:schemeClr val="lt1"/>
+          </a:fontRef>
+        </p:style>
+        <p:txBody>
+          <a:bodyPr rtlCol="0" anchor="ctr"/>
+          <a:lstStyle/>
+          <a:p>
+            <a:pPr algn="ctr"/>
+            <a:r>
+              <a:rPr lang="en-US" dirty="0">
+                <a:solidFill>
+                  <a:schemeClr val="tx1"/>
+                </a:solidFill>
+              </a:rPr>
+              <a:t>proteomicslfq</a:t>
+            </a:r>
+          </a:p>
+        </p:txBody>
+      </p:sp>
+      <p:cxnSp>
+        <p:nvCxnSpPr>
+          <p:cNvPr id="20" name="Straight Arrow Connector 19">
+            <a:extLst>
+              <a:ext uri="{FF2B5EF4-FFF2-40B4-BE49-F238E27FC236}">
+                <a16:creationId xmlns:a16="http://schemas.microsoft.com/office/drawing/2014/main" id="{6809589C-5988-B745-A75A-4A280D067289}"/>
+              </a:ext>
+            </a:extLst>
+          </p:cNvPr>
+          <p:cNvCxnSpPr>
+            <a:cxnSpLocks/>
+            <a:stCxn id="13" idx="3"/>
+            <a:endCxn id="18" idx="1"/>
+          </p:cNvCxnSpPr>
+          <p:nvPr/>
+        </p:nvCxnSpPr>
+        <p:spPr>
+          <a:xfrm>
+            <a:off x="1271575" y="3429000"/>
+            <a:ext cx="714388" cy="0"/>
+          </a:xfrm>
+          <a:prstGeom prst="straightConnector1">
+            <a:avLst/>
+          </a:prstGeom>
+          <a:ln w="44450">
+            <a:tailEnd type="triangle"/>
+          </a:ln>
+        </p:spPr>
+        <p:style>
+          <a:lnRef idx="2">
+            <a:schemeClr val="accent1"/>
+          </a:lnRef>
+          <a:fillRef idx="0">
+            <a:schemeClr val="accent1"/>
+          </a:fillRef>
+          <a:effectRef idx="1">
+            <a:schemeClr val="accent1"/>
+          </a:effectRef>
+          <a:fontRef idx="minor">
+            <a:schemeClr val="tx1"/>
+          </a:fontRef>
+        </p:style>
+      </p:cxnSp>
+      <p:sp>
+        <p:nvSpPr>
+          <p:cNvPr id="23" name="Folded Corner 22">
+            <a:extLst>
+              <a:ext uri="{FF2B5EF4-FFF2-40B4-BE49-F238E27FC236}">
+                <a16:creationId xmlns:a16="http://schemas.microsoft.com/office/drawing/2014/main" id="{3CB2CF02-8FC6-3449-8646-FC20E7505D6E}"/>
+              </a:ext>
+            </a:extLst>
+          </p:cNvPr>
+          <p:cNvSpPr/>
+          <p:nvPr/>
+        </p:nvSpPr>
+        <p:spPr>
+          <a:xfrm>
+            <a:off x="6429383" y="3050381"/>
+            <a:ext cx="1400175" cy="757238"/>
+          </a:xfrm>
+          <a:prstGeom prst="foldedCorner">
+            <a:avLst/>
+          </a:prstGeom>
+          <a:noFill/>
+          <a:ln>
+            <a:prstDash val="dash"/>
+          </a:ln>
+        </p:spPr>
+        <p:style>
+          <a:lnRef idx="1">
+            <a:schemeClr val="accent1"/>
+          </a:lnRef>
+          <a:fillRef idx="3">
+            <a:schemeClr val="accent1"/>
+          </a:fillRef>
+          <a:effectRef idx="2">
+            <a:schemeClr val="accent1"/>
+          </a:effectRef>
+          <a:fontRef idx="minor">
+            <a:schemeClr val="lt1"/>
+          </a:fontRef>
+        </p:style>
+        <p:txBody>
+          <a:bodyPr rtlCol="0" anchor="ctr"/>
+          <a:lstStyle/>
+          <a:p>
+            <a:pPr algn="ctr"/>
+            <a:r>
+              <a:rPr lang="en-US" dirty="0">
+                <a:solidFill>
+                  <a:schemeClr val="tx1"/>
+                </a:solidFill>
+              </a:rPr>
+              <a:t>mzTab</a:t>
+            </a:r>
+          </a:p>
+        </p:txBody>
+      </p:sp>
+      <p:cxnSp>
+        <p:nvCxnSpPr>
+          <p:cNvPr id="24" name="Straight Arrow Connector 23">
+            <a:extLst>
+              <a:ext uri="{FF2B5EF4-FFF2-40B4-BE49-F238E27FC236}">
+                <a16:creationId xmlns:a16="http://schemas.microsoft.com/office/drawing/2014/main" id="{E7CAAAF5-2126-874C-AD27-B90CF64DD675}"/>
+              </a:ext>
+            </a:extLst>
+          </p:cNvPr>
+          <p:cNvCxnSpPr>
+            <a:cxnSpLocks/>
+            <a:stCxn id="18" idx="3"/>
+            <a:endCxn id="23" idx="1"/>
+          </p:cNvCxnSpPr>
+          <p:nvPr/>
+        </p:nvCxnSpPr>
+        <p:spPr>
+          <a:xfrm>
+            <a:off x="3571875" y="3429000"/>
+            <a:ext cx="2857508" cy="0"/>
+          </a:xfrm>
+          <a:prstGeom prst="straightConnector1">
+            <a:avLst/>
+          </a:prstGeom>
+          <a:ln w="44450">
+            <a:tailEnd type="triangle"/>
+          </a:ln>
+        </p:spPr>
+        <p:style>
+          <a:lnRef idx="2">
+            <a:schemeClr val="accent1"/>
+          </a:lnRef>
+          <a:fillRef idx="0">
+            <a:schemeClr val="accent1"/>
+          </a:fillRef>
+          <a:effectRef idx="1">
+            <a:schemeClr val="accent1"/>
+          </a:effectRef>
+          <a:fontRef idx="minor">
+            <a:schemeClr val="tx1"/>
+          </a:fontRef>
+        </p:style>
+      </p:cxnSp>
+      <p:sp>
+        <p:nvSpPr>
+          <p:cNvPr id="27" name="Multi-document 26">
+            <a:extLst>
+              <a:ext uri="{FF2B5EF4-FFF2-40B4-BE49-F238E27FC236}">
+                <a16:creationId xmlns:a16="http://schemas.microsoft.com/office/drawing/2014/main" id="{75E26680-26C7-B34E-88F0-A2D37D21E42C}"/>
+              </a:ext>
+            </a:extLst>
+          </p:cNvPr>
+          <p:cNvSpPr/>
+          <p:nvPr/>
+        </p:nvSpPr>
+        <p:spPr>
+          <a:xfrm>
+            <a:off x="6429383" y="4132898"/>
+            <a:ext cx="1400174" cy="697863"/>
+          </a:xfrm>
+          <a:prstGeom prst="flowChartMultidocument">
+            <a:avLst/>
+          </a:prstGeom>
+          <a:noFill/>
+          <a:ln>
+            <a:prstDash val="dashDot"/>
+          </a:ln>
+        </p:spPr>
+        <p:style>
+          <a:lnRef idx="1">
+            <a:schemeClr val="accent1"/>
+          </a:lnRef>
+          <a:fillRef idx="3">
+            <a:schemeClr val="accent1"/>
+          </a:fillRef>
+          <a:effectRef idx="2">
+            <a:schemeClr val="accent1"/>
+          </a:effectRef>
+          <a:fontRef idx="minor">
+            <a:schemeClr val="lt1"/>
+          </a:fontRef>
+        </p:style>
+        <p:txBody>
+          <a:bodyPr rtlCol="0" anchor="ctr"/>
+          <a:lstStyle/>
+          <a:p>
+            <a:pPr algn="ctr"/>
+            <a:r>
+              <a:rPr lang="en-US" dirty="0">
+                <a:solidFill>
+                  <a:schemeClr val="tx1"/>
+                </a:solidFill>
+              </a:rPr>
+              <a:t>mzMLs</a:t>
+            </a:r>
+          </a:p>
+        </p:txBody>
+      </p:sp>
+      <p:cxnSp>
+        <p:nvCxnSpPr>
+          <p:cNvPr id="28" name="Straight Arrow Connector 27">
+            <a:extLst>
+              <a:ext uri="{FF2B5EF4-FFF2-40B4-BE49-F238E27FC236}">
+                <a16:creationId xmlns:a16="http://schemas.microsoft.com/office/drawing/2014/main" id="{0C0326D8-C62E-0B4D-A3D7-A20AE56F630C}"/>
+              </a:ext>
+            </a:extLst>
+          </p:cNvPr>
+          <p:cNvCxnSpPr>
+            <a:cxnSpLocks/>
+            <a:stCxn id="18" idx="3"/>
+            <a:endCxn id="27" idx="1"/>
+          </p:cNvCxnSpPr>
+          <p:nvPr/>
+        </p:nvCxnSpPr>
+        <p:spPr>
+          <a:xfrm>
+            <a:off x="3571875" y="3429000"/>
+            <a:ext cx="2857508" cy="1052830"/>
+          </a:xfrm>
+          <a:prstGeom prst="bentConnector3">
+            <a:avLst>
+              <a:gd name="adj1" fmla="val 50000"/>
+            </a:avLst>
+          </a:prstGeom>
+          <a:ln w="44450">
+            <a:tailEnd type="triangle"/>
+          </a:ln>
+        </p:spPr>
+        <p:style>
+          <a:lnRef idx="2">
+            <a:schemeClr val="accent1"/>
+          </a:lnRef>
+          <a:fillRef idx="0">
+            <a:schemeClr val="accent1"/>
+          </a:fillRef>
+          <a:effectRef idx="1">
+            <a:schemeClr val="accent1"/>
+          </a:effectRef>
+          <a:fontRef idx="minor">
+            <a:schemeClr val="tx1"/>
+          </a:fontRef>
+        </p:style>
+      </p:cxnSp>
+      <p:sp>
+        <p:nvSpPr>
+          <p:cNvPr id="32" name="TextBox 31">
+            <a:extLst>
+              <a:ext uri="{FF2B5EF4-FFF2-40B4-BE49-F238E27FC236}">
+                <a16:creationId xmlns:a16="http://schemas.microsoft.com/office/drawing/2014/main" id="{BE9AFD24-41D0-2A43-AD74-7DC9A675568F}"/>
+              </a:ext>
+            </a:extLst>
+          </p:cNvPr>
+          <p:cNvSpPr txBox="1"/>
+          <p:nvPr/>
+        </p:nvSpPr>
+        <p:spPr>
+          <a:xfrm>
+            <a:off x="91540" y="4030385"/>
+            <a:ext cx="4737635" cy="2031325"/>
+          </a:xfrm>
+          <a:prstGeom prst="rect">
+            <a:avLst/>
+          </a:prstGeom>
+          <a:noFill/>
+        </p:spPr>
+        <p:txBody>
+          <a:bodyPr wrap="square" rtlCol="0">
+            <a:spAutoFit/>
+          </a:bodyPr>
+          <a:lstStyle/>
+          <a:p>
+            <a:pPr marL="285750" indent="-285750">
+              <a:buFontTx/>
+              <a:buChar char="-"/>
+            </a:pPr>
+            <a:r>
+              <a:rPr lang="en-US" dirty="0"/>
+              <a:t>UNIPROT proteomes (identification and quant of proteoforms).</a:t>
+            </a:r>
+          </a:p>
+          <a:p>
+            <a:pPr marL="285750" indent="-285750">
+              <a:buFontTx/>
+              <a:buChar char="-"/>
+            </a:pPr>
+            <a:r>
+              <a:rPr lang="en-US" dirty="0"/>
+              <a:t>Comet and MSGF+ parameters from SDRF. </a:t>
+            </a:r>
+          </a:p>
+          <a:p>
+            <a:pPr marL="285750" indent="-285750">
+              <a:buFontTx/>
+              <a:buChar char="-"/>
+            </a:pPr>
+            <a:r>
+              <a:rPr lang="en-US" dirty="0"/>
+              <a:t>Percolator + Consensus ID</a:t>
+            </a:r>
+          </a:p>
+          <a:p>
+            <a:pPr marL="285750" indent="-285750">
+              <a:buFontTx/>
+              <a:buChar char="-"/>
+            </a:pPr>
+            <a:r>
+              <a:rPr lang="en-US" dirty="0"/>
+              <a:t>Luciphor (if Phospho-proteomics)</a:t>
+            </a:r>
+          </a:p>
+          <a:p>
+            <a:pPr marL="285750" indent="-285750">
+              <a:buFontTx/>
+              <a:buChar char="-"/>
+            </a:pPr>
+            <a:r>
+              <a:rPr lang="en-US" dirty="0"/>
+              <a:t>Epifany and protein quantitation at sample level. </a:t>
+            </a:r>
+          </a:p>
+        </p:txBody>
+      </p:sp>
+    </p:spTree>
+    <p:extLst>
+      <p:ext uri="{BB962C8B-B14F-4D97-AF65-F5344CB8AC3E}">
+        <p14:creationId xmlns:p14="http://schemas.microsoft.com/office/powerpoint/2010/main" val="322387184"/>
+      </p:ext>
+    </p:extLst>
+  </p:cSld>
+  <p:clrMapOvr>
+    <a:masterClrMapping/>
+  </p:clrMapOvr>
+</p:sld>
+</file>
+
+<file path=ppt/slides/slide3.xml><?xml version="1.0" encoding="utf-8"?>
+<p:sld xmlns:a="http://schemas.openxmlformats.org/drawingml/2006/main" xmlns:r="http://schemas.openxmlformats.org/officeDocument/2006/relationships" xmlns:p="http://schemas.openxmlformats.org/presentationml/2006/main">
+  <p:cSld>
+    <p:spTree>
+      <p:nvGrpSpPr>
+        <p:cNvPr id="1" name=""/>
+        <p:cNvGrpSpPr/>
+        <p:nvPr/>
+      </p:nvGrpSpPr>
+      <p:grpSpPr>
+        <a:xfrm>
+          <a:off x="0" y="0"/>
+          <a:ext cx="0" cy="0"/>
+          <a:chOff x="0" y="0"/>
+          <a:chExt cx="0" cy="0"/>
+        </a:xfrm>
+      </p:grpSpPr>
+      <p:sp>
+        <p:nvSpPr>
+          <p:cNvPr id="2" name="Title 1">
+            <a:extLst>
+              <a:ext uri="{FF2B5EF4-FFF2-40B4-BE49-F238E27FC236}">
+                <a16:creationId xmlns:a16="http://schemas.microsoft.com/office/drawing/2014/main" id="{D9713B97-3B16-3441-B2D5-A54BE10516FE}"/>
+              </a:ext>
+            </a:extLst>
+          </p:cNvPr>
+          <p:cNvSpPr>
+            <a:spLocks noGrp="1"/>
+          </p:cNvSpPr>
+          <p:nvPr>
+            <p:ph type="title"/>
+          </p:nvPr>
+        </p:nvSpPr>
+        <p:spPr>
+          <a:xfrm>
+            <a:off x="528637" y="-43874"/>
+            <a:ext cx="7372351" cy="809149"/>
+          </a:xfrm>
+        </p:spPr>
+        <p:txBody>
+          <a:bodyPr/>
+          <a:lstStyle/>
+          <a:p>
+            <a:r>
+              <a:rPr lang="en-US" dirty="0"/>
+              <a:t>Label free experiment</a:t>
+            </a:r>
+          </a:p>
+        </p:txBody>
+      </p:sp>
+      <p:graphicFrame>
+        <p:nvGraphicFramePr>
+          <p:cNvPr id="15" name="Table 4">
+            <a:extLst>
+              <a:ext uri="{FF2B5EF4-FFF2-40B4-BE49-F238E27FC236}">
+                <a16:creationId xmlns:a16="http://schemas.microsoft.com/office/drawing/2014/main" id="{C62EEB97-19AD-9944-9DDB-30B855EB18F2}"/>
+              </a:ext>
+            </a:extLst>
+          </p:cNvPr>
+          <p:cNvGraphicFramePr>
+            <a:graphicFrameLocks noGrp="1"/>
+          </p:cNvGraphicFramePr>
+          <p:nvPr>
+            <p:extLst>
+              <p:ext uri="{D42A27DB-BD31-4B8C-83A1-F6EECF244321}">
+                <p14:modId xmlns:p14="http://schemas.microsoft.com/office/powerpoint/2010/main" val="2713594806"/>
+              </p:ext>
+            </p:extLst>
+          </p:nvPr>
+        </p:nvGraphicFramePr>
+        <p:xfrm>
+          <a:off x="361948" y="2242187"/>
+          <a:ext cx="7591427" cy="1752600"/>
+        </p:xfrm>
+        <a:graphic>
+          <a:graphicData uri="http://schemas.openxmlformats.org/drawingml/2006/table">
+            <a:tbl>
+              <a:tblPr firstRow="1" bandRow="1">
+                <a:tableStyleId>{F5AB1C69-6EDB-4FF4-983F-18BD219EF322}</a:tableStyleId>
+              </a:tblPr>
+              <a:tblGrid>
+                <a:gridCol w="1265238">
+                  <a:extLst>
+                    <a:ext uri="{9D8B030D-6E8A-4147-A177-3AD203B41FA5}">
+                      <a16:colId xmlns:a16="http://schemas.microsoft.com/office/drawing/2014/main" val="3638172410"/>
+                    </a:ext>
+                  </a:extLst>
+                </a:gridCol>
+                <a:gridCol w="1091014">
+                  <a:extLst>
+                    <a:ext uri="{9D8B030D-6E8A-4147-A177-3AD203B41FA5}">
+                      <a16:colId xmlns:a16="http://schemas.microsoft.com/office/drawing/2014/main" val="1184124969"/>
+                    </a:ext>
+                  </a:extLst>
+                </a:gridCol>
+                <a:gridCol w="1062209">
+                  <a:extLst>
+                    <a:ext uri="{9D8B030D-6E8A-4147-A177-3AD203B41FA5}">
+                      <a16:colId xmlns:a16="http://schemas.microsoft.com/office/drawing/2014/main" val="1898539357"/>
+                    </a:ext>
+                  </a:extLst>
+                </a:gridCol>
+                <a:gridCol w="1315466">
+                  <a:extLst>
+                    <a:ext uri="{9D8B030D-6E8A-4147-A177-3AD203B41FA5}">
+                      <a16:colId xmlns:a16="http://schemas.microsoft.com/office/drawing/2014/main" val="57096861"/>
+                    </a:ext>
+                  </a:extLst>
+                </a:gridCol>
+                <a:gridCol w="1585912">
+                  <a:extLst>
+                    <a:ext uri="{9D8B030D-6E8A-4147-A177-3AD203B41FA5}">
+                      <a16:colId xmlns:a16="http://schemas.microsoft.com/office/drawing/2014/main" val="347314198"/>
+                    </a:ext>
+                  </a:extLst>
+                </a:gridCol>
+                <a:gridCol w="1271588">
+                  <a:extLst>
+                    <a:ext uri="{9D8B030D-6E8A-4147-A177-3AD203B41FA5}">
+                      <a16:colId xmlns:a16="http://schemas.microsoft.com/office/drawing/2014/main" val="2256422471"/>
+                    </a:ext>
+                  </a:extLst>
+                </a:gridCol>
+              </a:tblGrid>
+              <a:tr h="370840">
+                <a:tc>
+                  <a:txBody>
+                    <a:bodyPr/>
+                    <a:lstStyle/>
+                    <a:p>
+                      <a:endParaRPr lang="en-US" dirty="0"/>
+                    </a:p>
+                  </a:txBody>
+                  <a:tcPr/>
+                </a:tc>
+                <a:tc>
+                  <a:txBody>
+                    <a:bodyPr/>
+                    <a:lstStyle/>
+                    <a:p>
+                      <a:r>
+                        <a:rPr lang="en-US" dirty="0"/>
+                        <a:t>Sample 1</a:t>
+                      </a:r>
+                    </a:p>
+                  </a:txBody>
+                  <a:tcPr/>
+                </a:tc>
+                <a:tc>
+                  <a:txBody>
+                    <a:bodyPr/>
+                    <a:lstStyle/>
+                    <a:p>
+                      <a:r>
+                        <a:rPr lang="en-US" dirty="0"/>
+                        <a:t>Sample 2</a:t>
+                      </a:r>
+                    </a:p>
+                  </a:txBody>
+                  <a:tcPr/>
+                </a:tc>
+                <a:tc>
+                  <a:txBody>
+                    <a:bodyPr/>
+                    <a:lstStyle/>
+                    <a:p>
+                      <a:r>
+                        <a:rPr lang="en-US" dirty="0"/>
+                        <a:t>Sample 3</a:t>
+                      </a:r>
+                    </a:p>
+                  </a:txBody>
+                  <a:tcPr/>
+                </a:tc>
+                <a:tc>
+                  <a:txBody>
+                    <a:bodyPr/>
+                    <a:lstStyle/>
+                    <a:p>
+                      <a:r>
+                        <a:rPr lang="en-US" dirty="0"/>
+                        <a:t>biological replicate</a:t>
+                      </a:r>
+                    </a:p>
+                  </a:txBody>
+                  <a:tcPr/>
+                </a:tc>
+                <a:tc>
+                  <a:txBody>
+                    <a:bodyPr/>
+                    <a:lstStyle/>
+                    <a:p>
+                      <a:r>
+                        <a:rPr lang="en-US" dirty="0"/>
+                        <a:t>technical replicate</a:t>
+                      </a:r>
+                    </a:p>
+                  </a:txBody>
+                  <a:tcPr/>
+                </a:tc>
+                <a:extLst>
+                  <a:ext uri="{0D108BD9-81ED-4DB2-BD59-A6C34878D82A}">
+                    <a16:rowId xmlns:a16="http://schemas.microsoft.com/office/drawing/2014/main" val="3870243517"/>
+                  </a:ext>
+                </a:extLst>
+              </a:tr>
+              <a:tr h="370840">
+                <a:tc>
+                  <a:txBody>
+                    <a:bodyPr/>
+                    <a:lstStyle/>
+                    <a:p>
+                      <a:r>
+                        <a:rPr lang="en-US" dirty="0"/>
+                        <a:t>Protein 1</a:t>
+                      </a:r>
+                    </a:p>
+                  </a:txBody>
+                  <a:tcPr/>
+                </a:tc>
+                <a:tc>
+                  <a:txBody>
+                    <a:bodyPr/>
+                    <a:lstStyle/>
+                    <a:p>
+                      <a:r>
+                        <a:rPr lang="en-US" dirty="0"/>
+                        <a:t>value1</a:t>
+                      </a:r>
+                    </a:p>
+                  </a:txBody>
+                  <a:tcPr/>
+                </a:tc>
+                <a:tc>
+                  <a:txBody>
+                    <a:bodyPr/>
+                    <a:lstStyle/>
+                    <a:p>
+                      <a:r>
+                        <a:rPr lang="en-US" dirty="0"/>
+                        <a:t>value2</a:t>
+                      </a:r>
+                    </a:p>
+                  </a:txBody>
+                  <a:tcPr/>
+                </a:tc>
+                <a:tc>
+                  <a:txBody>
+                    <a:bodyPr/>
+                    <a:lstStyle/>
+                    <a:p>
+                      <a:r>
+                        <a:rPr lang="en-US" dirty="0"/>
+                        <a:t>value3</a:t>
+                      </a:r>
+                    </a:p>
+                  </a:txBody>
+                  <a:tcPr/>
+                </a:tc>
+                <a:tc>
+                  <a:txBody>
+                    <a:bodyPr/>
+                    <a:lstStyle/>
+                    <a:p>
+                      <a:endParaRPr lang="en-US" dirty="0"/>
+                    </a:p>
+                  </a:txBody>
+                  <a:tcPr/>
+                </a:tc>
+                <a:tc>
+                  <a:txBody>
+                    <a:bodyPr/>
+                    <a:lstStyle/>
+                    <a:p>
+                      <a:endParaRPr lang="en-US" dirty="0"/>
+                    </a:p>
+                  </a:txBody>
+                  <a:tcPr/>
+                </a:tc>
+                <a:extLst>
+                  <a:ext uri="{0D108BD9-81ED-4DB2-BD59-A6C34878D82A}">
+                    <a16:rowId xmlns:a16="http://schemas.microsoft.com/office/drawing/2014/main" val="3576528922"/>
+                  </a:ext>
+                </a:extLst>
+              </a:tr>
+              <a:tr h="370840">
+                <a:tc>
+                  <a:txBody>
+                    <a:bodyPr/>
+                    <a:lstStyle/>
+                    <a:p>
+                      <a:r>
+                        <a:rPr lang="en-US" dirty="0"/>
+                        <a:t>Protein 2</a:t>
+                      </a:r>
+                    </a:p>
+                  </a:txBody>
+                  <a:tcPr/>
+                </a:tc>
+                <a:tc>
+                  <a:txBody>
+                    <a:bodyPr/>
+                    <a:lstStyle/>
+                    <a:p>
+                      <a:r>
+                        <a:rPr lang="en-US" dirty="0"/>
+                        <a:t>value4</a:t>
+                      </a:r>
+                    </a:p>
+                  </a:txBody>
+                  <a:tcPr/>
+                </a:tc>
+                <a:tc>
+                  <a:txBody>
+                    <a:bodyPr/>
+                    <a:lstStyle/>
+                    <a:p>
+                      <a:r>
+                        <a:rPr lang="en-US" dirty="0"/>
+                        <a:t>value5</a:t>
+                      </a:r>
+                    </a:p>
+                  </a:txBody>
+                  <a:tcPr/>
+                </a:tc>
+                <a:tc>
+                  <a:txBody>
+                    <a:bodyPr/>
+                    <a:lstStyle/>
+                    <a:p>
+                      <a:r>
+                        <a:rPr lang="en-US" dirty="0"/>
+                        <a:t>value6</a:t>
+                      </a:r>
+                    </a:p>
+                  </a:txBody>
+                  <a:tcPr/>
+                </a:tc>
+                <a:tc>
+                  <a:txBody>
+                    <a:bodyPr/>
+                    <a:lstStyle/>
+                    <a:p>
+                      <a:endParaRPr lang="en-US" dirty="0"/>
+                    </a:p>
+                  </a:txBody>
+                  <a:tcPr/>
+                </a:tc>
+                <a:tc>
+                  <a:txBody>
+                    <a:bodyPr/>
+                    <a:lstStyle/>
+                    <a:p>
+                      <a:endParaRPr lang="en-US" dirty="0"/>
+                    </a:p>
+                  </a:txBody>
+                  <a:tcPr/>
+                </a:tc>
+                <a:extLst>
+                  <a:ext uri="{0D108BD9-81ED-4DB2-BD59-A6C34878D82A}">
+                    <a16:rowId xmlns:a16="http://schemas.microsoft.com/office/drawing/2014/main" val="3717446347"/>
+                  </a:ext>
+                </a:extLst>
+              </a:tr>
+              <a:tr h="370840">
+                <a:tc>
+                  <a:txBody>
+                    <a:bodyPr/>
+                    <a:lstStyle/>
+                    <a:p>
+                      <a:r>
+                        <a:rPr lang="en-US" dirty="0"/>
+                        <a:t>…</a:t>
+                      </a:r>
+                    </a:p>
+                  </a:txBody>
+                  <a:tcPr/>
+                </a:tc>
+                <a:tc>
+                  <a:txBody>
+                    <a:bodyPr/>
+                    <a:lstStyle/>
+                    <a:p>
+                      <a:endParaRPr lang="en-US" dirty="0"/>
+                    </a:p>
+                  </a:txBody>
+                  <a:tcPr/>
+                </a:tc>
+                <a:tc>
+                  <a:txBody>
+                    <a:bodyPr/>
+                    <a:lstStyle/>
+                    <a:p>
+                      <a:endParaRPr lang="en-US"/>
+                    </a:p>
+                  </a:txBody>
+                  <a:tcPr/>
+                </a:tc>
+                <a:tc>
+                  <a:txBody>
+                    <a:bodyPr/>
+                    <a:lstStyle/>
+                    <a:p>
+                      <a:endParaRPr lang="en-US" dirty="0"/>
+                    </a:p>
+                  </a:txBody>
+                  <a:tcPr/>
+                </a:tc>
+                <a:tc>
+                  <a:txBody>
+                    <a:bodyPr/>
+                    <a:lstStyle/>
+                    <a:p>
+                      <a:endParaRPr lang="en-US" dirty="0"/>
+                    </a:p>
+                  </a:txBody>
+                  <a:tcPr/>
+                </a:tc>
+                <a:tc>
+                  <a:txBody>
+                    <a:bodyPr/>
+                    <a:lstStyle/>
+                    <a:p>
+                      <a:endParaRPr lang="en-US" dirty="0"/>
+                    </a:p>
+                  </a:txBody>
+                  <a:tcPr/>
+                </a:tc>
+                <a:extLst>
+                  <a:ext uri="{0D108BD9-81ED-4DB2-BD59-A6C34878D82A}">
+                    <a16:rowId xmlns:a16="http://schemas.microsoft.com/office/drawing/2014/main" val="3214142944"/>
+                  </a:ext>
+                </a:extLst>
+              </a:tr>
+            </a:tbl>
+          </a:graphicData>
+        </a:graphic>
+      </p:graphicFrame>
+      <p:graphicFrame>
+        <p:nvGraphicFramePr>
+          <p:cNvPr id="16" name="Table 4">
+            <a:extLst>
+              <a:ext uri="{FF2B5EF4-FFF2-40B4-BE49-F238E27FC236}">
+                <a16:creationId xmlns:a16="http://schemas.microsoft.com/office/drawing/2014/main" id="{C28EE277-3BF5-0345-A4F8-BE062C74CDE5}"/>
+              </a:ext>
+            </a:extLst>
+          </p:cNvPr>
+          <p:cNvGraphicFramePr>
+            <a:graphicFrameLocks noGrp="1"/>
+          </p:cNvGraphicFramePr>
+          <p:nvPr>
+            <p:extLst>
+              <p:ext uri="{D42A27DB-BD31-4B8C-83A1-F6EECF244321}">
+                <p14:modId xmlns:p14="http://schemas.microsoft.com/office/powerpoint/2010/main" val="1997362107"/>
+              </p:ext>
+            </p:extLst>
+          </p:nvPr>
+        </p:nvGraphicFramePr>
+        <p:xfrm>
+          <a:off x="361948" y="4280537"/>
+          <a:ext cx="7591427" cy="1752600"/>
+        </p:xfrm>
+        <a:graphic>
+          <a:graphicData uri="http://schemas.openxmlformats.org/drawingml/2006/table">
+            <a:tbl>
+              <a:tblPr firstRow="1" bandRow="1">
+                <a:tableStyleId>{F5AB1C69-6EDB-4FF4-983F-18BD219EF322}</a:tableStyleId>
+              </a:tblPr>
+              <a:tblGrid>
+                <a:gridCol w="1265238">
+                  <a:extLst>
+                    <a:ext uri="{9D8B030D-6E8A-4147-A177-3AD203B41FA5}">
+                      <a16:colId xmlns:a16="http://schemas.microsoft.com/office/drawing/2014/main" val="3638172410"/>
+                    </a:ext>
+                  </a:extLst>
+                </a:gridCol>
+                <a:gridCol w="1091014">
+                  <a:extLst>
+                    <a:ext uri="{9D8B030D-6E8A-4147-A177-3AD203B41FA5}">
+                      <a16:colId xmlns:a16="http://schemas.microsoft.com/office/drawing/2014/main" val="1184124969"/>
+                    </a:ext>
+                  </a:extLst>
+                </a:gridCol>
+                <a:gridCol w="1062210">
+                  <a:extLst>
+                    <a:ext uri="{9D8B030D-6E8A-4147-A177-3AD203B41FA5}">
+                      <a16:colId xmlns:a16="http://schemas.microsoft.com/office/drawing/2014/main" val="1898539357"/>
+                    </a:ext>
+                  </a:extLst>
+                </a:gridCol>
+                <a:gridCol w="1329752">
+                  <a:extLst>
+                    <a:ext uri="{9D8B030D-6E8A-4147-A177-3AD203B41FA5}">
+                      <a16:colId xmlns:a16="http://schemas.microsoft.com/office/drawing/2014/main" val="57096861"/>
+                    </a:ext>
+                  </a:extLst>
+                </a:gridCol>
+                <a:gridCol w="1585913">
+                  <a:extLst>
+                    <a:ext uri="{9D8B030D-6E8A-4147-A177-3AD203B41FA5}">
+                      <a16:colId xmlns:a16="http://schemas.microsoft.com/office/drawing/2014/main" val="347314198"/>
+                    </a:ext>
+                  </a:extLst>
+                </a:gridCol>
+                <a:gridCol w="1257300">
+                  <a:extLst>
+                    <a:ext uri="{9D8B030D-6E8A-4147-A177-3AD203B41FA5}">
+                      <a16:colId xmlns:a16="http://schemas.microsoft.com/office/drawing/2014/main" val="2256422471"/>
+                    </a:ext>
+                  </a:extLst>
+                </a:gridCol>
+              </a:tblGrid>
+              <a:tr h="370840">
+                <a:tc>
+                  <a:txBody>
+                    <a:bodyPr/>
+                    <a:lstStyle/>
+                    <a:p>
+                      <a:endParaRPr lang="en-US" dirty="0"/>
+                    </a:p>
+                  </a:txBody>
+                  <a:tcPr/>
+                </a:tc>
+                <a:tc>
+                  <a:txBody>
+                    <a:bodyPr/>
+                    <a:lstStyle/>
+                    <a:p>
+                      <a:r>
+                        <a:rPr lang="en-US" dirty="0"/>
+                        <a:t>Sample 1</a:t>
+                      </a:r>
+                    </a:p>
+                  </a:txBody>
+                  <a:tcPr/>
+                </a:tc>
+                <a:tc>
+                  <a:txBody>
+                    <a:bodyPr/>
+                    <a:lstStyle/>
+                    <a:p>
+                      <a:r>
+                        <a:rPr lang="en-US" dirty="0"/>
+                        <a:t>Sample 2</a:t>
+                      </a:r>
+                    </a:p>
+                  </a:txBody>
+                  <a:tcPr/>
+                </a:tc>
+                <a:tc>
+                  <a:txBody>
+                    <a:bodyPr/>
+                    <a:lstStyle/>
+                    <a:p>
+                      <a:r>
+                        <a:rPr lang="en-US" dirty="0"/>
+                        <a:t>Sample 3</a:t>
+                      </a:r>
+                    </a:p>
+                  </a:txBody>
+                  <a:tcPr/>
+                </a:tc>
+                <a:tc>
+                  <a:txBody>
+                    <a:bodyPr/>
+                    <a:lstStyle/>
+                    <a:p>
+                      <a:r>
+                        <a:rPr lang="en-US" dirty="0"/>
+                        <a:t>biological replicate</a:t>
+                      </a:r>
+                    </a:p>
+                  </a:txBody>
+                  <a:tcPr/>
+                </a:tc>
+                <a:tc>
+                  <a:txBody>
+                    <a:bodyPr/>
+                    <a:lstStyle/>
+                    <a:p>
+                      <a:r>
+                        <a:rPr lang="en-US" dirty="0"/>
+                        <a:t>technical replicate</a:t>
+                      </a:r>
+                    </a:p>
+                  </a:txBody>
+                  <a:tcPr/>
+                </a:tc>
+                <a:extLst>
+                  <a:ext uri="{0D108BD9-81ED-4DB2-BD59-A6C34878D82A}">
+                    <a16:rowId xmlns:a16="http://schemas.microsoft.com/office/drawing/2014/main" val="3870243517"/>
+                  </a:ext>
+                </a:extLst>
+              </a:tr>
+              <a:tr h="370840">
+                <a:tc>
+                  <a:txBody>
+                    <a:bodyPr/>
+                    <a:lstStyle/>
+                    <a:p>
+                      <a:r>
+                        <a:rPr lang="en-US" dirty="0"/>
+                        <a:t>Peptide 1</a:t>
+                      </a:r>
+                    </a:p>
+                  </a:txBody>
+                  <a:tcPr/>
+                </a:tc>
+                <a:tc>
+                  <a:txBody>
+                    <a:bodyPr/>
+                    <a:lstStyle/>
+                    <a:p>
+                      <a:r>
+                        <a:rPr lang="en-US" dirty="0"/>
+                        <a:t>value1</a:t>
+                      </a:r>
+                    </a:p>
+                  </a:txBody>
+                  <a:tcPr/>
+                </a:tc>
+                <a:tc>
+                  <a:txBody>
+                    <a:bodyPr/>
+                    <a:lstStyle/>
+                    <a:p>
+                      <a:r>
+                        <a:rPr lang="en-US" dirty="0"/>
+                        <a:t>value2</a:t>
+                      </a:r>
+                    </a:p>
+                  </a:txBody>
+                  <a:tcPr/>
+                </a:tc>
+                <a:tc>
+                  <a:txBody>
+                    <a:bodyPr/>
+                    <a:lstStyle/>
+                    <a:p>
+                      <a:r>
+                        <a:rPr lang="en-US" dirty="0"/>
+                        <a:t>value3</a:t>
+                      </a:r>
+                    </a:p>
+                  </a:txBody>
+                  <a:tcPr/>
+                </a:tc>
+                <a:tc>
+                  <a:txBody>
+                    <a:bodyPr/>
+                    <a:lstStyle/>
+                    <a:p>
+                      <a:endParaRPr lang="en-US" dirty="0"/>
+                    </a:p>
+                  </a:txBody>
+                  <a:tcPr/>
+                </a:tc>
+                <a:tc>
+                  <a:txBody>
+                    <a:bodyPr/>
+                    <a:lstStyle/>
+                    <a:p>
+                      <a:endParaRPr lang="en-US" dirty="0"/>
+                    </a:p>
+                  </a:txBody>
+                  <a:tcPr/>
+                </a:tc>
+                <a:extLst>
+                  <a:ext uri="{0D108BD9-81ED-4DB2-BD59-A6C34878D82A}">
+                    <a16:rowId xmlns:a16="http://schemas.microsoft.com/office/drawing/2014/main" val="3576528922"/>
+                  </a:ext>
+                </a:extLst>
+              </a:tr>
+              <a:tr h="370840">
+                <a:tc>
+                  <a:txBody>
+                    <a:bodyPr/>
+                    <a:lstStyle/>
+                    <a:p>
+                      <a:r>
+                        <a:rPr lang="en-US" dirty="0"/>
+                        <a:t>Peptide 1</a:t>
+                      </a:r>
+                    </a:p>
+                  </a:txBody>
+                  <a:tcPr/>
+                </a:tc>
+                <a:tc>
+                  <a:txBody>
+                    <a:bodyPr/>
+                    <a:lstStyle/>
+                    <a:p>
+                      <a:r>
+                        <a:rPr lang="en-US" dirty="0"/>
+                        <a:t>value4</a:t>
+                      </a:r>
+                    </a:p>
+                  </a:txBody>
+                  <a:tcPr/>
+                </a:tc>
+                <a:tc>
+                  <a:txBody>
+                    <a:bodyPr/>
+                    <a:lstStyle/>
+                    <a:p>
+                      <a:r>
+                        <a:rPr lang="en-US" dirty="0"/>
+                        <a:t>value5</a:t>
+                      </a:r>
+                    </a:p>
+                  </a:txBody>
+                  <a:tcPr/>
+                </a:tc>
+                <a:tc>
+                  <a:txBody>
+                    <a:bodyPr/>
+                    <a:lstStyle/>
+                    <a:p>
+                      <a:r>
+                        <a:rPr lang="en-US" dirty="0"/>
+                        <a:t>value6</a:t>
+                      </a:r>
+                    </a:p>
+                  </a:txBody>
+                  <a:tcPr/>
+                </a:tc>
+                <a:tc>
+                  <a:txBody>
+                    <a:bodyPr/>
+                    <a:lstStyle/>
+                    <a:p>
+                      <a:endParaRPr lang="en-US" dirty="0"/>
+                    </a:p>
+                  </a:txBody>
+                  <a:tcPr/>
+                </a:tc>
+                <a:tc>
+                  <a:txBody>
+                    <a:bodyPr/>
+                    <a:lstStyle/>
+                    <a:p>
+                      <a:endParaRPr lang="en-US" dirty="0"/>
+                    </a:p>
+                  </a:txBody>
+                  <a:tcPr/>
+                </a:tc>
+                <a:extLst>
+                  <a:ext uri="{0D108BD9-81ED-4DB2-BD59-A6C34878D82A}">
+                    <a16:rowId xmlns:a16="http://schemas.microsoft.com/office/drawing/2014/main" val="3717446347"/>
+                  </a:ext>
+                </a:extLst>
+              </a:tr>
+              <a:tr h="370840">
+                <a:tc>
+                  <a:txBody>
+                    <a:bodyPr/>
+                    <a:lstStyle/>
+                    <a:p>
+                      <a:r>
+                        <a:rPr lang="en-US" dirty="0"/>
+                        <a:t>…</a:t>
+                      </a:r>
+                    </a:p>
+                  </a:txBody>
+                  <a:tcPr/>
+                </a:tc>
+                <a:tc>
+                  <a:txBody>
+                    <a:bodyPr/>
+                    <a:lstStyle/>
+                    <a:p>
+                      <a:endParaRPr lang="en-US" dirty="0"/>
+                    </a:p>
+                  </a:txBody>
+                  <a:tcPr/>
+                </a:tc>
+                <a:tc>
+                  <a:txBody>
+                    <a:bodyPr/>
+                    <a:lstStyle/>
+                    <a:p>
+                      <a:endParaRPr lang="en-US"/>
+                    </a:p>
+                  </a:txBody>
+                  <a:tcPr/>
+                </a:tc>
+                <a:tc>
+                  <a:txBody>
+                    <a:bodyPr/>
+                    <a:lstStyle/>
+                    <a:p>
+                      <a:endParaRPr lang="en-US" dirty="0"/>
+                    </a:p>
+                  </a:txBody>
+                  <a:tcPr/>
+                </a:tc>
+                <a:tc>
+                  <a:txBody>
+                    <a:bodyPr/>
+                    <a:lstStyle/>
+                    <a:p>
+                      <a:endParaRPr lang="en-US" dirty="0"/>
+                    </a:p>
+                  </a:txBody>
+                  <a:tcPr/>
+                </a:tc>
+                <a:tc>
+                  <a:txBody>
+                    <a:bodyPr/>
+                    <a:lstStyle/>
+                    <a:p>
+                      <a:endParaRPr lang="en-US" dirty="0"/>
+                    </a:p>
+                  </a:txBody>
+                  <a:tcPr/>
+                </a:tc>
+                <a:extLst>
+                  <a:ext uri="{0D108BD9-81ED-4DB2-BD59-A6C34878D82A}">
+                    <a16:rowId xmlns:a16="http://schemas.microsoft.com/office/drawing/2014/main" val="3214142944"/>
+                  </a:ext>
+                </a:extLst>
+              </a:tr>
+            </a:tbl>
+          </a:graphicData>
+        </a:graphic>
+      </p:graphicFrame>
+      <p:cxnSp>
+        <p:nvCxnSpPr>
+          <p:cNvPr id="5" name="Straight Connector 4">
+            <a:extLst>
+              <a:ext uri="{FF2B5EF4-FFF2-40B4-BE49-F238E27FC236}">
+                <a16:creationId xmlns:a16="http://schemas.microsoft.com/office/drawing/2014/main" id="{8ADBFE5B-647D-C548-B807-1B74DA7FBD06}"/>
+              </a:ext>
+            </a:extLst>
+          </p:cNvPr>
+          <p:cNvCxnSpPr/>
+          <p:nvPr/>
+        </p:nvCxnSpPr>
+        <p:spPr>
+          <a:xfrm flipV="1">
+            <a:off x="361948" y="1143000"/>
+            <a:ext cx="2466977" cy="1099187"/>
+          </a:xfrm>
+          <a:prstGeom prst="line">
+            <a:avLst/>
+          </a:prstGeom>
+          <a:ln>
+            <a:solidFill>
+              <a:schemeClr val="accent3"/>
+            </a:solidFill>
+            <a:prstDash val="lgDash"/>
+          </a:ln>
+        </p:spPr>
+        <p:style>
+          <a:lnRef idx="2">
+            <a:schemeClr val="accent1"/>
+          </a:lnRef>
+          <a:fillRef idx="0">
+            <a:schemeClr val="accent1"/>
+          </a:fillRef>
+          <a:effectRef idx="1">
+            <a:schemeClr val="accent1"/>
+          </a:effectRef>
+          <a:fontRef idx="minor">
+            <a:schemeClr val="tx1"/>
+          </a:fontRef>
+        </p:style>
+      </p:cxnSp>
+      <p:cxnSp>
+        <p:nvCxnSpPr>
+          <p:cNvPr id="19" name="Straight Connector 18">
+            <a:extLst>
+              <a:ext uri="{FF2B5EF4-FFF2-40B4-BE49-F238E27FC236}">
+                <a16:creationId xmlns:a16="http://schemas.microsoft.com/office/drawing/2014/main" id="{9BB6C5E1-C034-0C44-8534-77E0A1EA995F}"/>
+              </a:ext>
+            </a:extLst>
+          </p:cNvPr>
+          <p:cNvCxnSpPr>
+            <a:cxnSpLocks/>
+          </p:cNvCxnSpPr>
+          <p:nvPr/>
+        </p:nvCxnSpPr>
+        <p:spPr>
+          <a:xfrm flipV="1">
+            <a:off x="7953375" y="1692593"/>
+            <a:ext cx="1190625" cy="549595"/>
+          </a:xfrm>
+          <a:prstGeom prst="line">
+            <a:avLst/>
+          </a:prstGeom>
+          <a:ln>
+            <a:solidFill>
+              <a:schemeClr val="accent3"/>
+            </a:solidFill>
+            <a:prstDash val="lgDash"/>
+          </a:ln>
+        </p:spPr>
+        <p:style>
+          <a:lnRef idx="2">
+            <a:schemeClr val="accent1"/>
+          </a:lnRef>
+          <a:fillRef idx="0">
+            <a:schemeClr val="accent1"/>
+          </a:fillRef>
+          <a:effectRef idx="1">
+            <a:schemeClr val="accent1"/>
+          </a:effectRef>
+          <a:fontRef idx="minor">
+            <a:schemeClr val="tx1"/>
+          </a:fontRef>
+        </p:style>
+      </p:cxnSp>
+      <p:sp>
+        <p:nvSpPr>
+          <p:cNvPr id="8" name="TextBox 7">
+            <a:extLst>
+              <a:ext uri="{FF2B5EF4-FFF2-40B4-BE49-F238E27FC236}">
+                <a16:creationId xmlns:a16="http://schemas.microsoft.com/office/drawing/2014/main" id="{DBFCF6F7-30F4-4543-829B-D0833D1A28AF}"/>
+              </a:ext>
+            </a:extLst>
+          </p:cNvPr>
+          <p:cNvSpPr txBox="1"/>
+          <p:nvPr/>
+        </p:nvSpPr>
+        <p:spPr>
+          <a:xfrm>
+            <a:off x="3067048" y="1180565"/>
+            <a:ext cx="5481639" cy="646331"/>
+          </a:xfrm>
+          <a:prstGeom prst="rect">
+            <a:avLst/>
+          </a:prstGeom>
+          <a:noFill/>
+        </p:spPr>
+        <p:txBody>
+          <a:bodyPr wrap="square" rtlCol="0">
+            <a:spAutoFit/>
+          </a:bodyPr>
+          <a:lstStyle/>
+          <a:p>
+            <a:r>
+              <a:rPr lang="en-US" dirty="0"/>
+              <a:t>characteristics[organism]  characteristics[organism part]</a:t>
+            </a:r>
+          </a:p>
+          <a:p>
+            <a:r>
+              <a:rPr lang="en-US" dirty="0"/>
+              <a:t>characteristics[disease]  characteristics[phenotype]</a:t>
+            </a:r>
+          </a:p>
+        </p:txBody>
+      </p:sp>
+    </p:spTree>
+    <p:extLst>
+      <p:ext uri="{BB962C8B-B14F-4D97-AF65-F5344CB8AC3E}">
+        <p14:creationId xmlns:p14="http://schemas.microsoft.com/office/powerpoint/2010/main" val="221142738"/>
+      </p:ext>
+    </p:extLst>
+  </p:cSld>
+  <p:clrMapOvr>
+    <a:masterClrMapping/>
+  </p:clrMapOvr>
+</p:sld>
+</file>
+
+<file path=ppt/slides/slide4.xml><?xml version="1.0" encoding="utf-8"?>
+<p:sld xmlns:a="http://schemas.openxmlformats.org/drawingml/2006/main" xmlns:r="http://schemas.openxmlformats.org/officeDocument/2006/relationships" xmlns:p="http://schemas.openxmlformats.org/presentationml/2006/main">
+  <p:cSld>
+    <p:spTree>
+      <p:nvGrpSpPr>
+        <p:cNvPr id="1" name=""/>
+        <p:cNvGrpSpPr/>
+        <p:nvPr/>
+      </p:nvGrpSpPr>
+      <p:grpSpPr>
+        <a:xfrm>
+          <a:off x="0" y="0"/>
+          <a:ext cx="0" cy="0"/>
+          <a:chOff x="0" y="0"/>
+          <a:chExt cx="0" cy="0"/>
+        </a:xfrm>
+      </p:grpSpPr>
+      <p:sp>
+        <p:nvSpPr>
+          <p:cNvPr id="2" name="Title 1">
+            <a:extLst>
+              <a:ext uri="{FF2B5EF4-FFF2-40B4-BE49-F238E27FC236}">
+                <a16:creationId xmlns:a16="http://schemas.microsoft.com/office/drawing/2014/main" id="{B49C2928-3CCE-1A47-BD8F-D2F683222979}"/>
+              </a:ext>
+            </a:extLst>
+          </p:cNvPr>
+          <p:cNvSpPr>
+            <a:spLocks noGrp="1"/>
+          </p:cNvSpPr>
+          <p:nvPr>
+            <p:ph type="title"/>
+          </p:nvPr>
+        </p:nvSpPr>
+        <p:spPr/>
+        <p:txBody>
+          <a:bodyPr/>
+          <a:lstStyle/>
+          <a:p>
+            <a:r>
+              <a:rPr lang="en-US" dirty="0" err="1"/>
+              <a:t>MSstats</a:t>
+            </a:r>
+            <a:r>
+              <a:rPr lang="en-US" dirty="0"/>
+              <a:t> (Differential expression)</a:t>
+            </a:r>
+          </a:p>
+        </p:txBody>
+      </p:sp>
+      <p:graphicFrame>
+        <p:nvGraphicFramePr>
+          <p:cNvPr id="4" name="Table 4">
+            <a:extLst>
+              <a:ext uri="{FF2B5EF4-FFF2-40B4-BE49-F238E27FC236}">
+                <a16:creationId xmlns:a16="http://schemas.microsoft.com/office/drawing/2014/main" id="{A78172DF-8474-DE4F-AE74-47E190715434}"/>
+              </a:ext>
+            </a:extLst>
+          </p:cNvPr>
+          <p:cNvGraphicFramePr>
+            <a:graphicFrameLocks noGrp="1"/>
+          </p:cNvGraphicFramePr>
+          <p:nvPr>
+            <p:extLst>
+              <p:ext uri="{D42A27DB-BD31-4B8C-83A1-F6EECF244321}">
+                <p14:modId xmlns:p14="http://schemas.microsoft.com/office/powerpoint/2010/main" val="321253612"/>
+              </p:ext>
+            </p:extLst>
+          </p:nvPr>
+        </p:nvGraphicFramePr>
+        <p:xfrm>
+          <a:off x="676273" y="1676400"/>
+          <a:ext cx="8010527" cy="2026920"/>
+        </p:xfrm>
+        <a:graphic>
+          <a:graphicData uri="http://schemas.openxmlformats.org/drawingml/2006/table">
+            <a:tbl>
+              <a:tblPr firstRow="1" bandRow="1">
+                <a:tableStyleId>{F5AB1C69-6EDB-4FF4-983F-18BD219EF322}</a:tableStyleId>
+              </a:tblPr>
+              <a:tblGrid>
+                <a:gridCol w="1143541">
+                  <a:extLst>
+                    <a:ext uri="{9D8B030D-6E8A-4147-A177-3AD203B41FA5}">
+                      <a16:colId xmlns:a16="http://schemas.microsoft.com/office/drawing/2014/main" val="3638172410"/>
+                    </a:ext>
+                  </a:extLst>
+                </a:gridCol>
+                <a:gridCol w="986075">
+                  <a:extLst>
+                    <a:ext uri="{9D8B030D-6E8A-4147-A177-3AD203B41FA5}">
+                      <a16:colId xmlns:a16="http://schemas.microsoft.com/office/drawing/2014/main" val="1184124969"/>
+                    </a:ext>
+                  </a:extLst>
+                </a:gridCol>
+                <a:gridCol w="960041">
+                  <a:extLst>
+                    <a:ext uri="{9D8B030D-6E8A-4147-A177-3AD203B41FA5}">
+                      <a16:colId xmlns:a16="http://schemas.microsoft.com/office/drawing/2014/main" val="1898539357"/>
+                    </a:ext>
+                  </a:extLst>
+                </a:gridCol>
+                <a:gridCol w="1188937">
+                  <a:extLst>
+                    <a:ext uri="{9D8B030D-6E8A-4147-A177-3AD203B41FA5}">
+                      <a16:colId xmlns:a16="http://schemas.microsoft.com/office/drawing/2014/main" val="57096861"/>
+                    </a:ext>
+                  </a:extLst>
+                </a:gridCol>
+                <a:gridCol w="1433371">
+                  <a:extLst>
+                    <a:ext uri="{9D8B030D-6E8A-4147-A177-3AD203B41FA5}">
+                      <a16:colId xmlns:a16="http://schemas.microsoft.com/office/drawing/2014/main" val="347314198"/>
+                    </a:ext>
+                  </a:extLst>
+                </a:gridCol>
+                <a:gridCol w="1149281">
+                  <a:extLst>
+                    <a:ext uri="{9D8B030D-6E8A-4147-A177-3AD203B41FA5}">
+                      <a16:colId xmlns:a16="http://schemas.microsoft.com/office/drawing/2014/main" val="1154465589"/>
+                    </a:ext>
+                  </a:extLst>
+                </a:gridCol>
+                <a:gridCol w="1149281">
+                  <a:extLst>
+                    <a:ext uri="{9D8B030D-6E8A-4147-A177-3AD203B41FA5}">
+                      <a16:colId xmlns:a16="http://schemas.microsoft.com/office/drawing/2014/main" val="2256422471"/>
+                    </a:ext>
+                  </a:extLst>
+                </a:gridCol>
+              </a:tblGrid>
+              <a:tr h="204153">
+                <a:tc>
+                  <a:txBody>
+                    <a:bodyPr/>
+                    <a:lstStyle/>
+                    <a:p>
+                      <a:endParaRPr lang="en-US" dirty="0"/>
+                    </a:p>
+                  </a:txBody>
+                  <a:tcPr/>
+                </a:tc>
+                <a:tc>
+                  <a:txBody>
+                    <a:bodyPr/>
+                    <a:lstStyle/>
+                    <a:p>
+                      <a:r>
+                        <a:rPr lang="en-US" dirty="0"/>
+                        <a:t>Sample 1</a:t>
+                      </a:r>
+                    </a:p>
+                  </a:txBody>
+                  <a:tcPr/>
+                </a:tc>
+                <a:tc>
+                  <a:txBody>
+                    <a:bodyPr/>
+                    <a:lstStyle/>
+                    <a:p>
+                      <a:r>
+                        <a:rPr lang="en-US" dirty="0"/>
+                        <a:t>Sample 2</a:t>
+                      </a:r>
+                    </a:p>
+                  </a:txBody>
+                  <a:tcPr/>
+                </a:tc>
+                <a:tc>
+                  <a:txBody>
+                    <a:bodyPr/>
+                    <a:lstStyle/>
+                    <a:p>
+                      <a:r>
+                        <a:rPr lang="en-US" dirty="0"/>
+                        <a:t>Sample 3</a:t>
+                      </a:r>
+                    </a:p>
+                  </a:txBody>
+                  <a:tcPr/>
+                </a:tc>
+                <a:tc>
+                  <a:txBody>
+                    <a:bodyPr/>
+                    <a:lstStyle/>
+                    <a:p>
+                      <a:r>
+                        <a:rPr lang="en-US" dirty="0"/>
+                        <a:t>biological replicate</a:t>
+                      </a:r>
+                    </a:p>
+                  </a:txBody>
+                  <a:tcPr/>
+                </a:tc>
+                <a:tc>
+                  <a:txBody>
+                    <a:bodyPr/>
+                    <a:lstStyle/>
+                    <a:p>
+                      <a:pPr marL="0" marR="0" lvl="0" indent="0" algn="l" defTabSz="457200" rtl="0" eaLnBrk="1" fontAlgn="auto" latinLnBrk="0" hangingPunct="1">
+                        <a:lnSpc>
+                          <a:spcPct val="100000"/>
+                        </a:lnSpc>
+                        <a:spcBef>
+                          <a:spcPts val="0"/>
+                        </a:spcBef>
+                        <a:spcAft>
+                          <a:spcPts val="0"/>
+                        </a:spcAft>
+                        <a:buClrTx/>
+                        <a:buSzTx/>
+                        <a:buFontTx/>
+                        <a:buNone/>
+                        <a:tabLst/>
+                        <a:defRPr/>
+                      </a:pPr>
+                      <a:r>
+                        <a:rPr lang="en-US" dirty="0"/>
+                        <a:t>technical replicate</a:t>
+                      </a:r>
+                    </a:p>
+                    <a:p>
+                      <a:endParaRPr lang="en-US" dirty="0"/>
+                    </a:p>
+                  </a:txBody>
+                  <a:tcPr/>
+                </a:tc>
+                <a:tc>
+                  <a:txBody>
+                    <a:bodyPr/>
+                    <a:lstStyle/>
+                    <a:p>
+                      <a:r>
+                        <a:rPr lang="en-US" dirty="0"/>
+                        <a:t>Condition</a:t>
+                      </a:r>
+                    </a:p>
+                  </a:txBody>
+                  <a:tcPr/>
+                </a:tc>
+                <a:extLst>
+                  <a:ext uri="{0D108BD9-81ED-4DB2-BD59-A6C34878D82A}">
+                    <a16:rowId xmlns:a16="http://schemas.microsoft.com/office/drawing/2014/main" val="3870243517"/>
+                  </a:ext>
+                </a:extLst>
+              </a:tr>
+              <a:tr h="370840">
+                <a:tc>
+                  <a:txBody>
+                    <a:bodyPr/>
+                    <a:lstStyle/>
+                    <a:p>
+                      <a:r>
+                        <a:rPr lang="en-US" dirty="0"/>
+                        <a:t>Protein 1</a:t>
+                      </a:r>
+                    </a:p>
+                  </a:txBody>
+                  <a:tcPr/>
+                </a:tc>
+                <a:tc>
+                  <a:txBody>
+                    <a:bodyPr/>
+                    <a:lstStyle/>
+                    <a:p>
+                      <a:r>
+                        <a:rPr lang="en-US" dirty="0"/>
+                        <a:t>value1</a:t>
+                      </a:r>
+                    </a:p>
+                  </a:txBody>
+                  <a:tcPr/>
+                </a:tc>
+                <a:tc>
+                  <a:txBody>
+                    <a:bodyPr/>
+                    <a:lstStyle/>
+                    <a:p>
+                      <a:r>
+                        <a:rPr lang="en-US" dirty="0"/>
+                        <a:t>value2</a:t>
+                      </a:r>
+                    </a:p>
+                  </a:txBody>
+                  <a:tcPr/>
+                </a:tc>
+                <a:tc>
+                  <a:txBody>
+                    <a:bodyPr/>
+                    <a:lstStyle/>
+                    <a:p>
+                      <a:r>
+                        <a:rPr lang="en-US" dirty="0"/>
+                        <a:t>value3</a:t>
+                      </a:r>
+                    </a:p>
+                  </a:txBody>
+                  <a:tcPr/>
+                </a:tc>
+                <a:tc>
+                  <a:txBody>
+                    <a:bodyPr/>
+                    <a:lstStyle/>
+                    <a:p>
+                      <a:endParaRPr lang="en-US" dirty="0"/>
+                    </a:p>
+                  </a:txBody>
+                  <a:tcPr/>
+                </a:tc>
+                <a:tc>
+                  <a:txBody>
+                    <a:bodyPr/>
+                    <a:lstStyle/>
+                    <a:p>
+                      <a:endParaRPr lang="en-US" dirty="0"/>
+                    </a:p>
+                  </a:txBody>
+                  <a:tcPr/>
+                </a:tc>
+                <a:tc>
+                  <a:txBody>
+                    <a:bodyPr/>
+                    <a:lstStyle/>
+                    <a:p>
+                      <a:endParaRPr lang="en-US" dirty="0"/>
+                    </a:p>
+                  </a:txBody>
+                  <a:tcPr/>
+                </a:tc>
+                <a:extLst>
+                  <a:ext uri="{0D108BD9-81ED-4DB2-BD59-A6C34878D82A}">
+                    <a16:rowId xmlns:a16="http://schemas.microsoft.com/office/drawing/2014/main" val="3576528922"/>
+                  </a:ext>
+                </a:extLst>
+              </a:tr>
+              <a:tr h="370840">
+                <a:tc>
+                  <a:txBody>
+                    <a:bodyPr/>
+                    <a:lstStyle/>
+                    <a:p>
+                      <a:r>
+                        <a:rPr lang="en-US" dirty="0"/>
+                        <a:t>Protein 2</a:t>
+                      </a:r>
+                    </a:p>
+                  </a:txBody>
+                  <a:tcPr/>
+                </a:tc>
+                <a:tc>
+                  <a:txBody>
+                    <a:bodyPr/>
+                    <a:lstStyle/>
+                    <a:p>
+                      <a:r>
+                        <a:rPr lang="en-US" dirty="0"/>
+                        <a:t>value4</a:t>
+                      </a:r>
+                    </a:p>
+                  </a:txBody>
+                  <a:tcPr/>
+                </a:tc>
+                <a:tc>
+                  <a:txBody>
+                    <a:bodyPr/>
+                    <a:lstStyle/>
+                    <a:p>
+                      <a:r>
+                        <a:rPr lang="en-US" dirty="0"/>
+                        <a:t>value5</a:t>
+                      </a:r>
+                    </a:p>
+                  </a:txBody>
+                  <a:tcPr/>
+                </a:tc>
+                <a:tc>
+                  <a:txBody>
+                    <a:bodyPr/>
+                    <a:lstStyle/>
+                    <a:p>
+                      <a:r>
+                        <a:rPr lang="en-US" dirty="0"/>
+                        <a:t>value6</a:t>
+                      </a:r>
+                    </a:p>
+                  </a:txBody>
+                  <a:tcPr/>
+                </a:tc>
+                <a:tc>
+                  <a:txBody>
+                    <a:bodyPr/>
+                    <a:lstStyle/>
+                    <a:p>
+                      <a:endParaRPr lang="en-US" dirty="0"/>
+                    </a:p>
+                  </a:txBody>
+                  <a:tcPr/>
+                </a:tc>
+                <a:tc>
+                  <a:txBody>
+                    <a:bodyPr/>
+                    <a:lstStyle/>
+                    <a:p>
+                      <a:endParaRPr lang="en-US" dirty="0"/>
+                    </a:p>
+                  </a:txBody>
+                  <a:tcPr/>
+                </a:tc>
+                <a:tc>
+                  <a:txBody>
+                    <a:bodyPr/>
+                    <a:lstStyle/>
+                    <a:p>
+                      <a:endParaRPr lang="en-US" dirty="0"/>
+                    </a:p>
+                  </a:txBody>
+                  <a:tcPr/>
+                </a:tc>
+                <a:extLst>
+                  <a:ext uri="{0D108BD9-81ED-4DB2-BD59-A6C34878D82A}">
+                    <a16:rowId xmlns:a16="http://schemas.microsoft.com/office/drawing/2014/main" val="3717446347"/>
+                  </a:ext>
+                </a:extLst>
+              </a:tr>
+              <a:tr h="370840">
+                <a:tc>
+                  <a:txBody>
+                    <a:bodyPr/>
+                    <a:lstStyle/>
+                    <a:p>
+                      <a:r>
+                        <a:rPr lang="en-US" dirty="0"/>
+                        <a:t>…</a:t>
+                      </a:r>
+                    </a:p>
+                  </a:txBody>
+                  <a:tcPr/>
+                </a:tc>
+                <a:tc>
+                  <a:txBody>
+                    <a:bodyPr/>
+                    <a:lstStyle/>
+                    <a:p>
+                      <a:endParaRPr lang="en-US" dirty="0"/>
+                    </a:p>
+                  </a:txBody>
+                  <a:tcPr/>
+                </a:tc>
+                <a:tc>
+                  <a:txBody>
+                    <a:bodyPr/>
+                    <a:lstStyle/>
+                    <a:p>
+                      <a:endParaRPr lang="en-US" dirty="0"/>
+                    </a:p>
+                  </a:txBody>
+                  <a:tcPr/>
+                </a:tc>
+                <a:tc>
+                  <a:txBody>
+                    <a:bodyPr/>
+                    <a:lstStyle/>
+                    <a:p>
+                      <a:endParaRPr lang="en-US" dirty="0"/>
+                    </a:p>
+                  </a:txBody>
+                  <a:tcPr/>
+                </a:tc>
+                <a:tc>
+                  <a:txBody>
+                    <a:bodyPr/>
+                    <a:lstStyle/>
+                    <a:p>
+                      <a:endParaRPr lang="en-US" dirty="0"/>
+                    </a:p>
+                  </a:txBody>
+                  <a:tcPr/>
+                </a:tc>
+                <a:tc>
+                  <a:txBody>
+                    <a:bodyPr/>
+                    <a:lstStyle/>
+                    <a:p>
+                      <a:endParaRPr lang="en-US" dirty="0"/>
+                    </a:p>
+                  </a:txBody>
+                  <a:tcPr/>
+                </a:tc>
+                <a:tc>
+                  <a:txBody>
+                    <a:bodyPr/>
+                    <a:lstStyle/>
+                    <a:p>
+                      <a:endParaRPr lang="en-US" dirty="0"/>
+                    </a:p>
+                  </a:txBody>
+                  <a:tcPr/>
+                </a:tc>
+                <a:extLst>
+                  <a:ext uri="{0D108BD9-81ED-4DB2-BD59-A6C34878D82A}">
+                    <a16:rowId xmlns:a16="http://schemas.microsoft.com/office/drawing/2014/main" val="3214142944"/>
+                  </a:ext>
+                </a:extLst>
+              </a:tr>
+            </a:tbl>
+          </a:graphicData>
+        </a:graphic>
+      </p:graphicFrame>
+      <p:sp>
+        <p:nvSpPr>
+          <p:cNvPr id="5" name="Rectangle 4">
+            <a:extLst>
+              <a:ext uri="{FF2B5EF4-FFF2-40B4-BE49-F238E27FC236}">
+                <a16:creationId xmlns:a16="http://schemas.microsoft.com/office/drawing/2014/main" id="{696ED629-4838-8141-BEA8-85E01D0C8296}"/>
+              </a:ext>
+            </a:extLst>
+          </p:cNvPr>
+          <p:cNvSpPr/>
+          <p:nvPr/>
+        </p:nvSpPr>
+        <p:spPr>
+          <a:xfrm>
+            <a:off x="3888580" y="3939221"/>
+            <a:ext cx="1585912" cy="757238"/>
+          </a:xfrm>
+          <a:prstGeom prst="rect">
+            <a:avLst/>
+          </a:prstGeom>
+          <a:noFill/>
+          <a:ln>
+            <a:prstDash val="lgDash"/>
+          </a:ln>
+        </p:spPr>
+        <p:style>
+          <a:lnRef idx="1">
+            <a:schemeClr val="accent1"/>
+          </a:lnRef>
+          <a:fillRef idx="3">
+            <a:schemeClr val="accent1"/>
+          </a:fillRef>
+          <a:effectRef idx="2">
+            <a:schemeClr val="accent1"/>
+          </a:effectRef>
+          <a:fontRef idx="minor">
+            <a:schemeClr val="lt1"/>
+          </a:fontRef>
+        </p:style>
+        <p:txBody>
+          <a:bodyPr rtlCol="0" anchor="ctr"/>
+          <a:lstStyle/>
+          <a:p>
+            <a:pPr algn="ctr"/>
+            <a:r>
+              <a:rPr lang="en-US" sz="3200" dirty="0" err="1">
+                <a:solidFill>
+                  <a:schemeClr val="tx1"/>
+                </a:solidFill>
+              </a:rPr>
+              <a:t>MSsTats</a:t>
+            </a:r>
+            <a:endParaRPr lang="en-US" sz="3200" dirty="0">
+              <a:solidFill>
+                <a:schemeClr val="tx1"/>
+              </a:solidFill>
+            </a:endParaRPr>
+          </a:p>
+        </p:txBody>
+      </p:sp>
+      <p:graphicFrame>
+        <p:nvGraphicFramePr>
+          <p:cNvPr id="6" name="Table 4">
+            <a:extLst>
+              <a:ext uri="{FF2B5EF4-FFF2-40B4-BE49-F238E27FC236}">
+                <a16:creationId xmlns:a16="http://schemas.microsoft.com/office/drawing/2014/main" id="{C9E3C17E-7DB2-0E49-8F10-DDA04A01C500}"/>
+              </a:ext>
+            </a:extLst>
+          </p:cNvPr>
+          <p:cNvGraphicFramePr>
+            <a:graphicFrameLocks noGrp="1"/>
+          </p:cNvGraphicFramePr>
+          <p:nvPr>
+            <p:extLst>
+              <p:ext uri="{D42A27DB-BD31-4B8C-83A1-F6EECF244321}">
+                <p14:modId xmlns:p14="http://schemas.microsoft.com/office/powerpoint/2010/main" val="291966069"/>
+              </p:ext>
+            </p:extLst>
+          </p:nvPr>
+        </p:nvGraphicFramePr>
+        <p:xfrm>
+          <a:off x="1433511" y="4946649"/>
+          <a:ext cx="6276977" cy="1478280"/>
+        </p:xfrm>
+        <a:graphic>
+          <a:graphicData uri="http://schemas.openxmlformats.org/drawingml/2006/table">
+            <a:tbl>
+              <a:tblPr firstRow="1" bandRow="1">
+                <a:tableStyleId>{F5AB1C69-6EDB-4FF4-983F-18BD219EF322}</a:tableStyleId>
+              </a:tblPr>
+              <a:tblGrid>
+                <a:gridCol w="3370552">
+                  <a:extLst>
+                    <a:ext uri="{9D8B030D-6E8A-4147-A177-3AD203B41FA5}">
+                      <a16:colId xmlns:a16="http://schemas.microsoft.com/office/drawing/2014/main" val="3638172410"/>
+                    </a:ext>
+                  </a:extLst>
+                </a:gridCol>
+                <a:gridCol w="2906425">
+                  <a:extLst>
+                    <a:ext uri="{9D8B030D-6E8A-4147-A177-3AD203B41FA5}">
+                      <a16:colId xmlns:a16="http://schemas.microsoft.com/office/drawing/2014/main" val="1184124969"/>
+                    </a:ext>
+                  </a:extLst>
+                </a:gridCol>
+              </a:tblGrid>
+              <a:tr h="204153">
+                <a:tc>
+                  <a:txBody>
+                    <a:bodyPr/>
+                    <a:lstStyle/>
+                    <a:p>
+                      <a:endParaRPr lang="en-US" dirty="0"/>
+                    </a:p>
+                  </a:txBody>
+                  <a:tcPr/>
+                </a:tc>
+                <a:tc>
+                  <a:txBody>
+                    <a:bodyPr/>
+                    <a:lstStyle/>
+                    <a:p>
+                      <a:r>
+                        <a:rPr lang="en-US" dirty="0"/>
+                        <a:t>condition 1 vs </a:t>
+                      </a:r>
+                      <a:r>
+                        <a:rPr lang="en-US" dirty="0" err="1"/>
+                        <a:t>doncdition</a:t>
+                      </a:r>
+                      <a:r>
+                        <a:rPr lang="en-US" dirty="0"/>
+                        <a:t> 2</a:t>
+                      </a:r>
+                    </a:p>
+                  </a:txBody>
+                  <a:tcPr/>
+                </a:tc>
+                <a:extLst>
+                  <a:ext uri="{0D108BD9-81ED-4DB2-BD59-A6C34878D82A}">
+                    <a16:rowId xmlns:a16="http://schemas.microsoft.com/office/drawing/2014/main" val="3870243517"/>
+                  </a:ext>
+                </a:extLst>
+              </a:tr>
+              <a:tr h="370840">
+                <a:tc>
+                  <a:txBody>
+                    <a:bodyPr/>
+                    <a:lstStyle/>
+                    <a:p>
+                      <a:r>
+                        <a:rPr lang="en-US" dirty="0"/>
+                        <a:t>Protein 1</a:t>
+                      </a:r>
+                    </a:p>
+                  </a:txBody>
+                  <a:tcPr/>
+                </a:tc>
+                <a:tc>
+                  <a:txBody>
+                    <a:bodyPr/>
+                    <a:lstStyle/>
+                    <a:p>
+                      <a:r>
+                        <a:rPr lang="en-US" dirty="0"/>
+                        <a:t>value1</a:t>
+                      </a:r>
+                    </a:p>
+                  </a:txBody>
+                  <a:tcPr/>
+                </a:tc>
+                <a:extLst>
+                  <a:ext uri="{0D108BD9-81ED-4DB2-BD59-A6C34878D82A}">
+                    <a16:rowId xmlns:a16="http://schemas.microsoft.com/office/drawing/2014/main" val="3576528922"/>
+                  </a:ext>
+                </a:extLst>
+              </a:tr>
+              <a:tr h="370840">
+                <a:tc>
+                  <a:txBody>
+                    <a:bodyPr/>
+                    <a:lstStyle/>
+                    <a:p>
+                      <a:r>
+                        <a:rPr lang="en-US" dirty="0"/>
+                        <a:t>Protein 2</a:t>
+                      </a:r>
+                    </a:p>
+                  </a:txBody>
+                  <a:tcPr/>
+                </a:tc>
+                <a:tc>
+                  <a:txBody>
+                    <a:bodyPr/>
+                    <a:lstStyle/>
+                    <a:p>
+                      <a:r>
+                        <a:rPr lang="en-US" dirty="0"/>
+                        <a:t>value4</a:t>
+                      </a:r>
+                    </a:p>
+                  </a:txBody>
+                  <a:tcPr/>
+                </a:tc>
+                <a:extLst>
+                  <a:ext uri="{0D108BD9-81ED-4DB2-BD59-A6C34878D82A}">
+                    <a16:rowId xmlns:a16="http://schemas.microsoft.com/office/drawing/2014/main" val="3717446347"/>
+                  </a:ext>
+                </a:extLst>
+              </a:tr>
+              <a:tr h="370840">
+                <a:tc>
+                  <a:txBody>
+                    <a:bodyPr/>
+                    <a:lstStyle/>
+                    <a:p>
+                      <a:r>
+                        <a:rPr lang="en-US" dirty="0"/>
+                        <a:t>…</a:t>
+                      </a:r>
+                    </a:p>
+                  </a:txBody>
+                  <a:tcPr/>
+                </a:tc>
+                <a:tc>
+                  <a:txBody>
+                    <a:bodyPr/>
+                    <a:lstStyle/>
+                    <a:p>
+                      <a:endParaRPr lang="en-US" dirty="0"/>
+                    </a:p>
+                  </a:txBody>
+                  <a:tcPr/>
+                </a:tc>
+                <a:extLst>
+                  <a:ext uri="{0D108BD9-81ED-4DB2-BD59-A6C34878D82A}">
+                    <a16:rowId xmlns:a16="http://schemas.microsoft.com/office/drawing/2014/main" val="3214142944"/>
+                  </a:ext>
+                </a:extLst>
+              </a:tr>
+            </a:tbl>
+          </a:graphicData>
+        </a:graphic>
+      </p:graphicFrame>
+    </p:spTree>
+    <p:extLst>
+      <p:ext uri="{BB962C8B-B14F-4D97-AF65-F5344CB8AC3E}">
+        <p14:creationId xmlns:p14="http://schemas.microsoft.com/office/powerpoint/2010/main" val="1614591921"/>
+      </p:ext>
+    </p:extLst>
+  </p:cSld>
+  <p:clrMapOvr>
+    <a:masterClrMapping/>
+  </p:clrMapOvr>
+</p:sld>
+</file>
+
+<file path=ppt/slides/slide5.xml><?xml version="1.0" encoding="utf-8"?>
+<p:sld xmlns:a="http://schemas.openxmlformats.org/drawingml/2006/main" xmlns:r="http://schemas.openxmlformats.org/officeDocument/2006/relationships" xmlns:p="http://schemas.openxmlformats.org/presentationml/2006/main">
+  <p:cSld>
+    <p:spTree>
+      <p:nvGrpSpPr>
+        <p:cNvPr id="1" name=""/>
+        <p:cNvGrpSpPr/>
+        <p:nvPr/>
+      </p:nvGrpSpPr>
+      <p:grpSpPr>
+        <a:xfrm>
+          <a:off x="0" y="0"/>
+          <a:ext cx="0" cy="0"/>
+          <a:chOff x="0" y="0"/>
+          <a:chExt cx="0" cy="0"/>
+        </a:xfrm>
+      </p:grpSpPr>
+      <p:sp>
+        <p:nvSpPr>
+          <p:cNvPr id="2" name="Title 1">
+            <a:extLst>
+              <a:ext uri="{FF2B5EF4-FFF2-40B4-BE49-F238E27FC236}">
+                <a16:creationId xmlns:a16="http://schemas.microsoft.com/office/drawing/2014/main" id="{B49C2928-3CCE-1A47-BD8F-D2F683222979}"/>
+              </a:ext>
+            </a:extLst>
+          </p:cNvPr>
+          <p:cNvSpPr>
+            <a:spLocks noGrp="1"/>
+          </p:cNvSpPr>
+          <p:nvPr>
+            <p:ph type="title"/>
+          </p:nvPr>
+        </p:nvSpPr>
+        <p:spPr/>
+        <p:txBody>
+          <a:bodyPr/>
+          <a:lstStyle/>
+          <a:p>
+            <a:r>
+              <a:rPr lang="en-US" dirty="0" err="1"/>
+              <a:t>MSstats</a:t>
+            </a:r>
+            <a:r>
+              <a:rPr lang="en-US" dirty="0"/>
+              <a:t> (absolute quant)</a:t>
+            </a:r>
+          </a:p>
+        </p:txBody>
+      </p:sp>
+      <p:graphicFrame>
+        <p:nvGraphicFramePr>
+          <p:cNvPr id="4" name="Table 4">
+            <a:extLst>
+              <a:ext uri="{FF2B5EF4-FFF2-40B4-BE49-F238E27FC236}">
+                <a16:creationId xmlns:a16="http://schemas.microsoft.com/office/drawing/2014/main" id="{A78172DF-8474-DE4F-AE74-47E190715434}"/>
+              </a:ext>
+            </a:extLst>
+          </p:cNvPr>
+          <p:cNvGraphicFramePr>
+            <a:graphicFrameLocks noGrp="1"/>
+          </p:cNvGraphicFramePr>
+          <p:nvPr/>
+        </p:nvGraphicFramePr>
+        <p:xfrm>
+          <a:off x="676273" y="1676400"/>
+          <a:ext cx="8010527" cy="2026920"/>
+        </p:xfrm>
+        <a:graphic>
+          <a:graphicData uri="http://schemas.openxmlformats.org/drawingml/2006/table">
+            <a:tbl>
+              <a:tblPr firstRow="1" bandRow="1">
+                <a:tableStyleId>{F5AB1C69-6EDB-4FF4-983F-18BD219EF322}</a:tableStyleId>
+              </a:tblPr>
+              <a:tblGrid>
+                <a:gridCol w="1143541">
+                  <a:extLst>
+                    <a:ext uri="{9D8B030D-6E8A-4147-A177-3AD203B41FA5}">
+                      <a16:colId xmlns:a16="http://schemas.microsoft.com/office/drawing/2014/main" val="3638172410"/>
+                    </a:ext>
+                  </a:extLst>
+                </a:gridCol>
+                <a:gridCol w="986075">
+                  <a:extLst>
+                    <a:ext uri="{9D8B030D-6E8A-4147-A177-3AD203B41FA5}">
+                      <a16:colId xmlns:a16="http://schemas.microsoft.com/office/drawing/2014/main" val="1184124969"/>
+                    </a:ext>
+                  </a:extLst>
+                </a:gridCol>
+                <a:gridCol w="960041">
+                  <a:extLst>
+                    <a:ext uri="{9D8B030D-6E8A-4147-A177-3AD203B41FA5}">
+                      <a16:colId xmlns:a16="http://schemas.microsoft.com/office/drawing/2014/main" val="1898539357"/>
+                    </a:ext>
+                  </a:extLst>
+                </a:gridCol>
+                <a:gridCol w="1188937">
+                  <a:extLst>
+                    <a:ext uri="{9D8B030D-6E8A-4147-A177-3AD203B41FA5}">
+                      <a16:colId xmlns:a16="http://schemas.microsoft.com/office/drawing/2014/main" val="57096861"/>
+                    </a:ext>
+                  </a:extLst>
+                </a:gridCol>
+                <a:gridCol w="1433371">
+                  <a:extLst>
+                    <a:ext uri="{9D8B030D-6E8A-4147-A177-3AD203B41FA5}">
+                      <a16:colId xmlns:a16="http://schemas.microsoft.com/office/drawing/2014/main" val="347314198"/>
+                    </a:ext>
+                  </a:extLst>
+                </a:gridCol>
+                <a:gridCol w="1149281">
+                  <a:extLst>
+                    <a:ext uri="{9D8B030D-6E8A-4147-A177-3AD203B41FA5}">
+                      <a16:colId xmlns:a16="http://schemas.microsoft.com/office/drawing/2014/main" val="1154465589"/>
+                    </a:ext>
+                  </a:extLst>
+                </a:gridCol>
+                <a:gridCol w="1149281">
+                  <a:extLst>
+                    <a:ext uri="{9D8B030D-6E8A-4147-A177-3AD203B41FA5}">
+                      <a16:colId xmlns:a16="http://schemas.microsoft.com/office/drawing/2014/main" val="2256422471"/>
+                    </a:ext>
+                  </a:extLst>
+                </a:gridCol>
+              </a:tblGrid>
+              <a:tr h="204153">
+                <a:tc>
+                  <a:txBody>
+                    <a:bodyPr/>
+                    <a:lstStyle/>
+                    <a:p>
+                      <a:endParaRPr lang="en-US" dirty="0"/>
+                    </a:p>
+                  </a:txBody>
+                  <a:tcPr/>
+                </a:tc>
+                <a:tc>
+                  <a:txBody>
+                    <a:bodyPr/>
+                    <a:lstStyle/>
+                    <a:p>
+                      <a:r>
+                        <a:rPr lang="en-US" dirty="0"/>
+                        <a:t>Sample 1</a:t>
+                      </a:r>
+                    </a:p>
+                  </a:txBody>
+                  <a:tcPr/>
+                </a:tc>
+                <a:tc>
+                  <a:txBody>
+                    <a:bodyPr/>
+                    <a:lstStyle/>
+                    <a:p>
+                      <a:r>
+                        <a:rPr lang="en-US" dirty="0"/>
+                        <a:t>Sample 2</a:t>
+                      </a:r>
+                    </a:p>
+                  </a:txBody>
+                  <a:tcPr/>
+                </a:tc>
+                <a:tc>
+                  <a:txBody>
+                    <a:bodyPr/>
+                    <a:lstStyle/>
+                    <a:p>
+                      <a:r>
+                        <a:rPr lang="en-US" dirty="0"/>
+                        <a:t>Sample 3</a:t>
+                      </a:r>
+                    </a:p>
+                  </a:txBody>
+                  <a:tcPr/>
+                </a:tc>
+                <a:tc>
+                  <a:txBody>
+                    <a:bodyPr/>
+                    <a:lstStyle/>
+                    <a:p>
+                      <a:r>
+                        <a:rPr lang="en-US" dirty="0"/>
+                        <a:t>biological replicate</a:t>
+                      </a:r>
+                    </a:p>
+                  </a:txBody>
+                  <a:tcPr/>
+                </a:tc>
+                <a:tc>
+                  <a:txBody>
+                    <a:bodyPr/>
+                    <a:lstStyle/>
+                    <a:p>
+                      <a:pPr marL="0" marR="0" lvl="0" indent="0" algn="l" defTabSz="457200" rtl="0" eaLnBrk="1" fontAlgn="auto" latinLnBrk="0" hangingPunct="1">
+                        <a:lnSpc>
+                          <a:spcPct val="100000"/>
+                        </a:lnSpc>
+                        <a:spcBef>
+                          <a:spcPts val="0"/>
+                        </a:spcBef>
+                        <a:spcAft>
+                          <a:spcPts val="0"/>
+                        </a:spcAft>
+                        <a:buClrTx/>
+                        <a:buSzTx/>
+                        <a:buFontTx/>
+                        <a:buNone/>
+                        <a:tabLst/>
+                        <a:defRPr/>
+                      </a:pPr>
+                      <a:r>
+                        <a:rPr lang="en-US" dirty="0"/>
+                        <a:t>technical replicate</a:t>
+                      </a:r>
+                    </a:p>
+                    <a:p>
+                      <a:endParaRPr lang="en-US" dirty="0"/>
+                    </a:p>
+                  </a:txBody>
+                  <a:tcPr/>
+                </a:tc>
+                <a:tc>
+                  <a:txBody>
+                    <a:bodyPr/>
+                    <a:lstStyle/>
+                    <a:p>
+                      <a:r>
+                        <a:rPr lang="en-US" dirty="0"/>
+                        <a:t>Condition</a:t>
+                      </a:r>
+                    </a:p>
+                  </a:txBody>
+                  <a:tcPr/>
+                </a:tc>
+                <a:extLst>
+                  <a:ext uri="{0D108BD9-81ED-4DB2-BD59-A6C34878D82A}">
+                    <a16:rowId xmlns:a16="http://schemas.microsoft.com/office/drawing/2014/main" val="3870243517"/>
+                  </a:ext>
+                </a:extLst>
+              </a:tr>
+              <a:tr h="370840">
+                <a:tc>
+                  <a:txBody>
+                    <a:bodyPr/>
+                    <a:lstStyle/>
+                    <a:p>
+                      <a:r>
+                        <a:rPr lang="en-US" dirty="0"/>
+                        <a:t>Protein 1</a:t>
+                      </a:r>
+                    </a:p>
+                  </a:txBody>
+                  <a:tcPr/>
+                </a:tc>
+                <a:tc>
+                  <a:txBody>
+                    <a:bodyPr/>
+                    <a:lstStyle/>
+                    <a:p>
+                      <a:r>
+                        <a:rPr lang="en-US" dirty="0"/>
+                        <a:t>value1</a:t>
+                      </a:r>
+                    </a:p>
+                  </a:txBody>
+                  <a:tcPr/>
+                </a:tc>
+                <a:tc>
+                  <a:txBody>
+                    <a:bodyPr/>
+                    <a:lstStyle/>
+                    <a:p>
+                      <a:r>
+                        <a:rPr lang="en-US" dirty="0"/>
+                        <a:t>value2</a:t>
+                      </a:r>
+                    </a:p>
+                  </a:txBody>
+                  <a:tcPr/>
+                </a:tc>
+                <a:tc>
+                  <a:txBody>
+                    <a:bodyPr/>
+                    <a:lstStyle/>
+                    <a:p>
+                      <a:r>
+                        <a:rPr lang="en-US" dirty="0"/>
+                        <a:t>value3</a:t>
+                      </a:r>
+                    </a:p>
+                  </a:txBody>
+                  <a:tcPr/>
+                </a:tc>
+                <a:tc>
+                  <a:txBody>
+                    <a:bodyPr/>
+                    <a:lstStyle/>
+                    <a:p>
+                      <a:endParaRPr lang="en-US" dirty="0"/>
+                    </a:p>
+                  </a:txBody>
+                  <a:tcPr/>
+                </a:tc>
+                <a:tc>
+                  <a:txBody>
+                    <a:bodyPr/>
+                    <a:lstStyle/>
+                    <a:p>
+                      <a:endParaRPr lang="en-US" dirty="0"/>
+                    </a:p>
+                  </a:txBody>
+                  <a:tcPr/>
+                </a:tc>
+                <a:tc>
+                  <a:txBody>
+                    <a:bodyPr/>
+                    <a:lstStyle/>
+                    <a:p>
+                      <a:endParaRPr lang="en-US" dirty="0"/>
+                    </a:p>
+                  </a:txBody>
+                  <a:tcPr/>
+                </a:tc>
+                <a:extLst>
+                  <a:ext uri="{0D108BD9-81ED-4DB2-BD59-A6C34878D82A}">
+                    <a16:rowId xmlns:a16="http://schemas.microsoft.com/office/drawing/2014/main" val="3576528922"/>
+                  </a:ext>
+                </a:extLst>
+              </a:tr>
+              <a:tr h="370840">
+                <a:tc>
+                  <a:txBody>
+                    <a:bodyPr/>
+                    <a:lstStyle/>
+                    <a:p>
+                      <a:r>
+                        <a:rPr lang="en-US" dirty="0"/>
+                        <a:t>Protein 2</a:t>
+                      </a:r>
+                    </a:p>
+                  </a:txBody>
+                  <a:tcPr/>
+                </a:tc>
+                <a:tc>
+                  <a:txBody>
+                    <a:bodyPr/>
+                    <a:lstStyle/>
+                    <a:p>
+                      <a:r>
+                        <a:rPr lang="en-US" dirty="0"/>
+                        <a:t>value4</a:t>
+                      </a:r>
+                    </a:p>
+                  </a:txBody>
+                  <a:tcPr/>
+                </a:tc>
+                <a:tc>
+                  <a:txBody>
+                    <a:bodyPr/>
+                    <a:lstStyle/>
+                    <a:p>
+                      <a:r>
+                        <a:rPr lang="en-US" dirty="0"/>
+                        <a:t>value5</a:t>
+                      </a:r>
+                    </a:p>
+                  </a:txBody>
+                  <a:tcPr/>
+                </a:tc>
+                <a:tc>
+                  <a:txBody>
+                    <a:bodyPr/>
+                    <a:lstStyle/>
+                    <a:p>
+                      <a:r>
+                        <a:rPr lang="en-US" dirty="0"/>
+                        <a:t>value6</a:t>
+                      </a:r>
+                    </a:p>
+                  </a:txBody>
+                  <a:tcPr/>
+                </a:tc>
+                <a:tc>
+                  <a:txBody>
+                    <a:bodyPr/>
+                    <a:lstStyle/>
+                    <a:p>
+                      <a:endParaRPr lang="en-US" dirty="0"/>
+                    </a:p>
+                  </a:txBody>
+                  <a:tcPr/>
+                </a:tc>
+                <a:tc>
+                  <a:txBody>
+                    <a:bodyPr/>
+                    <a:lstStyle/>
+                    <a:p>
+                      <a:endParaRPr lang="en-US" dirty="0"/>
+                    </a:p>
+                  </a:txBody>
+                  <a:tcPr/>
+                </a:tc>
+                <a:tc>
+                  <a:txBody>
+                    <a:bodyPr/>
+                    <a:lstStyle/>
+                    <a:p>
+                      <a:endParaRPr lang="en-US" dirty="0"/>
+                    </a:p>
+                  </a:txBody>
+                  <a:tcPr/>
+                </a:tc>
+                <a:extLst>
+                  <a:ext uri="{0D108BD9-81ED-4DB2-BD59-A6C34878D82A}">
+                    <a16:rowId xmlns:a16="http://schemas.microsoft.com/office/drawing/2014/main" val="3717446347"/>
+                  </a:ext>
+                </a:extLst>
+              </a:tr>
+              <a:tr h="370840">
+                <a:tc>
+                  <a:txBody>
+                    <a:bodyPr/>
+                    <a:lstStyle/>
+                    <a:p>
+                      <a:r>
+                        <a:rPr lang="en-US" dirty="0"/>
+                        <a:t>…</a:t>
+                      </a:r>
+                    </a:p>
+                  </a:txBody>
+                  <a:tcPr/>
+                </a:tc>
+                <a:tc>
+                  <a:txBody>
+                    <a:bodyPr/>
+                    <a:lstStyle/>
+                    <a:p>
+                      <a:endParaRPr lang="en-US" dirty="0"/>
+                    </a:p>
+                  </a:txBody>
+                  <a:tcPr/>
+                </a:tc>
+                <a:tc>
+                  <a:txBody>
+                    <a:bodyPr/>
+                    <a:lstStyle/>
+                    <a:p>
+                      <a:endParaRPr lang="en-US" dirty="0"/>
+                    </a:p>
+                  </a:txBody>
+                  <a:tcPr/>
+                </a:tc>
+                <a:tc>
+                  <a:txBody>
+                    <a:bodyPr/>
+                    <a:lstStyle/>
+                    <a:p>
+                      <a:endParaRPr lang="en-US" dirty="0"/>
+                    </a:p>
+                  </a:txBody>
+                  <a:tcPr/>
+                </a:tc>
+                <a:tc>
+                  <a:txBody>
+                    <a:bodyPr/>
+                    <a:lstStyle/>
+                    <a:p>
+                      <a:endParaRPr lang="en-US" dirty="0"/>
+                    </a:p>
+                  </a:txBody>
+                  <a:tcPr/>
+                </a:tc>
+                <a:tc>
+                  <a:txBody>
+                    <a:bodyPr/>
+                    <a:lstStyle/>
+                    <a:p>
+                      <a:endParaRPr lang="en-US" dirty="0"/>
+                    </a:p>
+                  </a:txBody>
+                  <a:tcPr/>
+                </a:tc>
+                <a:tc>
+                  <a:txBody>
+                    <a:bodyPr/>
+                    <a:lstStyle/>
+                    <a:p>
+                      <a:endParaRPr lang="en-US" dirty="0"/>
+                    </a:p>
+                  </a:txBody>
+                  <a:tcPr/>
+                </a:tc>
+                <a:extLst>
+                  <a:ext uri="{0D108BD9-81ED-4DB2-BD59-A6C34878D82A}">
+                    <a16:rowId xmlns:a16="http://schemas.microsoft.com/office/drawing/2014/main" val="3214142944"/>
+                  </a:ext>
+                </a:extLst>
+              </a:tr>
+            </a:tbl>
+          </a:graphicData>
+        </a:graphic>
+      </p:graphicFrame>
+      <p:sp>
+        <p:nvSpPr>
+          <p:cNvPr id="5" name="Rectangle 4">
+            <a:extLst>
+              <a:ext uri="{FF2B5EF4-FFF2-40B4-BE49-F238E27FC236}">
+                <a16:creationId xmlns:a16="http://schemas.microsoft.com/office/drawing/2014/main" id="{696ED629-4838-8141-BEA8-85E01D0C8296}"/>
+              </a:ext>
+            </a:extLst>
+          </p:cNvPr>
+          <p:cNvSpPr/>
+          <p:nvPr/>
+        </p:nvSpPr>
+        <p:spPr>
+          <a:xfrm>
+            <a:off x="3888580" y="3939221"/>
+            <a:ext cx="1585912" cy="757238"/>
+          </a:xfrm>
+          <a:prstGeom prst="rect">
+            <a:avLst/>
+          </a:prstGeom>
+          <a:noFill/>
+          <a:ln>
+            <a:prstDash val="lgDash"/>
+          </a:ln>
+        </p:spPr>
+        <p:style>
+          <a:lnRef idx="1">
+            <a:schemeClr val="accent1"/>
+          </a:lnRef>
+          <a:fillRef idx="3">
+            <a:schemeClr val="accent1"/>
+          </a:fillRef>
+          <a:effectRef idx="2">
+            <a:schemeClr val="accent1"/>
+          </a:effectRef>
+          <a:fontRef idx="minor">
+            <a:schemeClr val="lt1"/>
+          </a:fontRef>
+        </p:style>
+        <p:txBody>
+          <a:bodyPr rtlCol="0" anchor="ctr"/>
+          <a:lstStyle/>
+          <a:p>
+            <a:pPr algn="ctr"/>
+            <a:r>
+              <a:rPr lang="en-US" sz="3200" dirty="0" err="1">
+                <a:solidFill>
+                  <a:schemeClr val="tx1"/>
+                </a:solidFill>
+              </a:rPr>
+              <a:t>MSsTats</a:t>
+            </a:r>
+            <a:endParaRPr lang="en-US" sz="3200" dirty="0">
+              <a:solidFill>
+                <a:schemeClr val="tx1"/>
+              </a:solidFill>
+            </a:endParaRPr>
+          </a:p>
+        </p:txBody>
+      </p:sp>
+      <p:graphicFrame>
+        <p:nvGraphicFramePr>
+          <p:cNvPr id="6" name="Table 4">
+            <a:extLst>
+              <a:ext uri="{FF2B5EF4-FFF2-40B4-BE49-F238E27FC236}">
+                <a16:creationId xmlns:a16="http://schemas.microsoft.com/office/drawing/2014/main" id="{C9E3C17E-7DB2-0E49-8F10-DDA04A01C500}"/>
+              </a:ext>
+            </a:extLst>
+          </p:cNvPr>
+          <p:cNvGraphicFramePr>
+            <a:graphicFrameLocks noGrp="1"/>
+          </p:cNvGraphicFramePr>
+          <p:nvPr>
+            <p:extLst>
+              <p:ext uri="{D42A27DB-BD31-4B8C-83A1-F6EECF244321}">
+                <p14:modId xmlns:p14="http://schemas.microsoft.com/office/powerpoint/2010/main" val="662369133"/>
+              </p:ext>
+            </p:extLst>
+          </p:nvPr>
+        </p:nvGraphicFramePr>
+        <p:xfrm>
+          <a:off x="2116930" y="5105082"/>
+          <a:ext cx="4910139" cy="1478280"/>
+        </p:xfrm>
+        <a:graphic>
+          <a:graphicData uri="http://schemas.openxmlformats.org/drawingml/2006/table">
+            <a:tbl>
+              <a:tblPr firstRow="1" bandRow="1">
+                <a:tableStyleId>{F5AB1C69-6EDB-4FF4-983F-18BD219EF322}</a:tableStyleId>
+              </a:tblPr>
+              <a:tblGrid>
+                <a:gridCol w="1802151">
+                  <a:extLst>
+                    <a:ext uri="{9D8B030D-6E8A-4147-A177-3AD203B41FA5}">
+                      <a16:colId xmlns:a16="http://schemas.microsoft.com/office/drawing/2014/main" val="3638172410"/>
+                    </a:ext>
+                  </a:extLst>
+                </a:gridCol>
+                <a:gridCol w="1553994">
+                  <a:extLst>
+                    <a:ext uri="{9D8B030D-6E8A-4147-A177-3AD203B41FA5}">
+                      <a16:colId xmlns:a16="http://schemas.microsoft.com/office/drawing/2014/main" val="1184124969"/>
+                    </a:ext>
+                  </a:extLst>
+                </a:gridCol>
+                <a:gridCol w="1553994">
+                  <a:extLst>
+                    <a:ext uri="{9D8B030D-6E8A-4147-A177-3AD203B41FA5}">
+                      <a16:colId xmlns:a16="http://schemas.microsoft.com/office/drawing/2014/main" val="167841531"/>
+                    </a:ext>
+                  </a:extLst>
+                </a:gridCol>
+              </a:tblGrid>
+              <a:tr h="204153">
+                <a:tc>
+                  <a:txBody>
+                    <a:bodyPr/>
+                    <a:lstStyle/>
+                    <a:p>
+                      <a:endParaRPr lang="en-US" dirty="0"/>
+                    </a:p>
+                  </a:txBody>
+                  <a:tcPr/>
+                </a:tc>
+                <a:tc>
+                  <a:txBody>
+                    <a:bodyPr/>
+                    <a:lstStyle/>
+                    <a:p>
+                      <a:r>
+                        <a:rPr lang="en-US" dirty="0"/>
+                        <a:t>condition 1</a:t>
+                      </a:r>
+                    </a:p>
+                  </a:txBody>
+                  <a:tcPr/>
+                </a:tc>
+                <a:tc>
+                  <a:txBody>
+                    <a:bodyPr/>
+                    <a:lstStyle/>
+                    <a:p>
+                      <a:r>
+                        <a:rPr lang="en-US" dirty="0"/>
+                        <a:t>condition 2</a:t>
+                      </a:r>
+                    </a:p>
+                  </a:txBody>
+                  <a:tcPr/>
+                </a:tc>
+                <a:extLst>
+                  <a:ext uri="{0D108BD9-81ED-4DB2-BD59-A6C34878D82A}">
+                    <a16:rowId xmlns:a16="http://schemas.microsoft.com/office/drawing/2014/main" val="3870243517"/>
+                  </a:ext>
+                </a:extLst>
+              </a:tr>
+              <a:tr h="370840">
+                <a:tc>
+                  <a:txBody>
+                    <a:bodyPr/>
+                    <a:lstStyle/>
+                    <a:p>
+                      <a:r>
+                        <a:rPr lang="en-US" dirty="0"/>
+                        <a:t>Protein 1</a:t>
+                      </a:r>
+                    </a:p>
+                  </a:txBody>
+                  <a:tcPr/>
+                </a:tc>
+                <a:tc>
+                  <a:txBody>
+                    <a:bodyPr/>
+                    <a:lstStyle/>
+                    <a:p>
+                      <a:r>
+                        <a:rPr lang="en-US" dirty="0"/>
+                        <a:t>value1</a:t>
+                      </a:r>
+                    </a:p>
+                  </a:txBody>
+                  <a:tcPr/>
+                </a:tc>
+                <a:tc>
+                  <a:txBody>
+                    <a:bodyPr/>
+                    <a:lstStyle/>
+                    <a:p>
+                      <a:r>
+                        <a:rPr lang="en-US" dirty="0"/>
+                        <a:t>value 5</a:t>
+                      </a:r>
+                    </a:p>
+                  </a:txBody>
+                  <a:tcPr/>
+                </a:tc>
+                <a:extLst>
+                  <a:ext uri="{0D108BD9-81ED-4DB2-BD59-A6C34878D82A}">
+                    <a16:rowId xmlns:a16="http://schemas.microsoft.com/office/drawing/2014/main" val="3576528922"/>
+                  </a:ext>
+                </a:extLst>
+              </a:tr>
+              <a:tr h="370840">
+                <a:tc>
+                  <a:txBody>
+                    <a:bodyPr/>
+                    <a:lstStyle/>
+                    <a:p>
+                      <a:r>
+                        <a:rPr lang="en-US" dirty="0"/>
+                        <a:t>Protein 2</a:t>
+                      </a:r>
+                    </a:p>
+                  </a:txBody>
+                  <a:tcPr/>
+                </a:tc>
+                <a:tc>
+                  <a:txBody>
+                    <a:bodyPr/>
+                    <a:lstStyle/>
+                    <a:p>
+                      <a:r>
+                        <a:rPr lang="en-US" dirty="0"/>
+                        <a:t>value4</a:t>
+                      </a:r>
+                    </a:p>
+                  </a:txBody>
+                  <a:tcPr/>
+                </a:tc>
+                <a:tc>
+                  <a:txBody>
+                    <a:bodyPr/>
+                    <a:lstStyle/>
+                    <a:p>
+                      <a:r>
+                        <a:rPr lang="en-US" dirty="0"/>
+                        <a:t>value 6</a:t>
+                      </a:r>
+                    </a:p>
+                  </a:txBody>
+                  <a:tcPr/>
+                </a:tc>
+                <a:extLst>
+                  <a:ext uri="{0D108BD9-81ED-4DB2-BD59-A6C34878D82A}">
+                    <a16:rowId xmlns:a16="http://schemas.microsoft.com/office/drawing/2014/main" val="3717446347"/>
+                  </a:ext>
+                </a:extLst>
+              </a:tr>
+              <a:tr h="370840">
+                <a:tc>
+                  <a:txBody>
+                    <a:bodyPr/>
+                    <a:lstStyle/>
+                    <a:p>
+                      <a:r>
+                        <a:rPr lang="en-US" dirty="0"/>
+                        <a:t>…</a:t>
+                      </a:r>
+                    </a:p>
+                  </a:txBody>
+                  <a:tcPr/>
+                </a:tc>
+                <a:tc>
+                  <a:txBody>
+                    <a:bodyPr/>
+                    <a:lstStyle/>
+                    <a:p>
+                      <a:endParaRPr lang="en-US" dirty="0"/>
+                    </a:p>
+                  </a:txBody>
+                  <a:tcPr/>
+                </a:tc>
+                <a:tc>
+                  <a:txBody>
+                    <a:bodyPr/>
+                    <a:lstStyle/>
+                    <a:p>
+                      <a:endParaRPr lang="en-US" dirty="0"/>
+                    </a:p>
+                  </a:txBody>
+                  <a:tcPr/>
+                </a:tc>
+                <a:extLst>
+                  <a:ext uri="{0D108BD9-81ED-4DB2-BD59-A6C34878D82A}">
+                    <a16:rowId xmlns:a16="http://schemas.microsoft.com/office/drawing/2014/main" val="3214142944"/>
+                  </a:ext>
+                </a:extLst>
+              </a:tr>
+            </a:tbl>
+          </a:graphicData>
+        </a:graphic>
+      </p:graphicFrame>
+    </p:spTree>
+    <p:extLst>
+      <p:ext uri="{BB962C8B-B14F-4D97-AF65-F5344CB8AC3E}">
+        <p14:creationId xmlns:p14="http://schemas.microsoft.com/office/powerpoint/2010/main" val="4270736769"/>
+      </p:ext>
+    </p:extLst>
+  </p:cSld>
+  <p:clrMapOvr>
+    <a:masterClrMapping/>
+  </p:clrMapOvr>
+</p:sld>
+</file>
+
+<file path=ppt/slides/slide6.xml><?xml version="1.0" encoding="utf-8"?>
+<p:sld xmlns:a="http://schemas.openxmlformats.org/drawingml/2006/main" xmlns:r="http://schemas.openxmlformats.org/officeDocument/2006/relationships" xmlns:p="http://schemas.openxmlformats.org/presentationml/2006/main">
+  <p:cSld>
+    <p:spTree>
+      <p:nvGrpSpPr>
+        <p:cNvPr id="1" name=""/>
+        <p:cNvGrpSpPr/>
+        <p:nvPr/>
+      </p:nvGrpSpPr>
+      <p:grpSpPr>
+        <a:xfrm>
+          <a:off x="0" y="0"/>
+          <a:ext cx="0" cy="0"/>
+          <a:chOff x="0" y="0"/>
+          <a:chExt cx="0" cy="0"/>
+        </a:xfrm>
+      </p:grpSpPr>
+      <p:sp>
+        <p:nvSpPr>
+          <p:cNvPr id="2" name="Title 1">
+            <a:extLst>
+              <a:ext uri="{FF2B5EF4-FFF2-40B4-BE49-F238E27FC236}">
+                <a16:creationId xmlns:a16="http://schemas.microsoft.com/office/drawing/2014/main" id="{BD9C7FA3-6460-3947-B906-DF51CF8707EA}"/>
+              </a:ext>
+            </a:extLst>
+          </p:cNvPr>
+          <p:cNvSpPr>
+            <a:spLocks noGrp="1"/>
+          </p:cNvSpPr>
+          <p:nvPr>
+            <p:ph type="title"/>
+          </p:nvPr>
+        </p:nvSpPr>
+        <p:spPr>
+          <a:xfrm>
+            <a:off x="457200" y="2417763"/>
+            <a:ext cx="8229600" cy="1143000"/>
+          </a:xfrm>
+        </p:spPr>
+        <p:txBody>
+          <a:bodyPr/>
+          <a:lstStyle/>
+          <a:p>
+            <a:r>
+              <a:rPr lang="en-US" dirty="0"/>
+              <a:t>Spectral libraries indexing </a:t>
+            </a:r>
+          </a:p>
+        </p:txBody>
+      </p:sp>
+    </p:spTree>
+    <p:extLst>
+      <p:ext uri="{BB962C8B-B14F-4D97-AF65-F5344CB8AC3E}">
+        <p14:creationId xmlns:p14="http://schemas.microsoft.com/office/powerpoint/2010/main" val="500350591"/>
+      </p:ext>
+    </p:extLst>
+  </p:cSld>
+  <p:clrMapOvr>
+    <a:masterClrMapping/>
+  </p:clrMapOvr>
+</p:sld>
+</file>
+
+<file path=ppt/slides/slide7.xml><?xml version="1.0" encoding="utf-8"?>
 <p:sld xmlns:a="http://schemas.openxmlformats.org/drawingml/2006/main" xmlns:r="http://schemas.openxmlformats.org/officeDocument/2006/relationships" xmlns:p="http://schemas.openxmlformats.org/presentationml/2006/main">
   <p:cSld>
     <p:spTree>
@@ -4288,3451 +7856,6 @@
 </p:sld>
 </file>
 
-<file path=ppt/slides/slide2.xml><?xml version="1.0" encoding="utf-8"?>
-<p:sld xmlns:a="http://schemas.openxmlformats.org/drawingml/2006/main" xmlns:r="http://schemas.openxmlformats.org/officeDocument/2006/relationships" xmlns:p="http://schemas.openxmlformats.org/presentationml/2006/main">
-  <p:cSld>
-    <p:spTree>
-      <p:nvGrpSpPr>
-        <p:cNvPr id="1" name=""/>
-        <p:cNvGrpSpPr/>
-        <p:nvPr/>
-      </p:nvGrpSpPr>
-      <p:grpSpPr>
-        <a:xfrm>
-          <a:off x="0" y="0"/>
-          <a:ext cx="0" cy="0"/>
-          <a:chOff x="0" y="0"/>
-          <a:chExt cx="0" cy="0"/>
-        </a:xfrm>
-      </p:grpSpPr>
-      <p:sp>
-        <p:nvSpPr>
-          <p:cNvPr id="2" name="Title 1">
-            <a:extLst>
-              <a:ext uri="{FF2B5EF4-FFF2-40B4-BE49-F238E27FC236}">
-                <a16:creationId xmlns:a16="http://schemas.microsoft.com/office/drawing/2014/main" id="{D9713B97-3B16-3441-B2D5-A54BE10516FE}"/>
-              </a:ext>
-            </a:extLst>
-          </p:cNvPr>
-          <p:cNvSpPr>
-            <a:spLocks noGrp="1"/>
-          </p:cNvSpPr>
-          <p:nvPr>
-            <p:ph type="title"/>
-          </p:nvPr>
-        </p:nvSpPr>
-        <p:spPr>
-          <a:xfrm>
-            <a:off x="528637" y="-43874"/>
-            <a:ext cx="8229600" cy="809149"/>
-          </a:xfrm>
-        </p:spPr>
-        <p:txBody>
-          <a:bodyPr/>
-          <a:lstStyle/>
-          <a:p>
-            <a:r>
-              <a:rPr lang="en-US" dirty="0"/>
-              <a:t>Label free experiment</a:t>
-            </a:r>
-          </a:p>
-        </p:txBody>
-      </p:sp>
-      <p:graphicFrame>
-        <p:nvGraphicFramePr>
-          <p:cNvPr id="4" name="Table 4">
-            <a:extLst>
-              <a:ext uri="{FF2B5EF4-FFF2-40B4-BE49-F238E27FC236}">
-                <a16:creationId xmlns:a16="http://schemas.microsoft.com/office/drawing/2014/main" id="{9C9DABCA-8F92-084B-8097-6099AFC57586}"/>
-              </a:ext>
-            </a:extLst>
-          </p:cNvPr>
-          <p:cNvGraphicFramePr>
-            <a:graphicFrameLocks noGrp="1"/>
-          </p:cNvGraphicFramePr>
-          <p:nvPr>
-            <p:extLst>
-              <p:ext uri="{D42A27DB-BD31-4B8C-83A1-F6EECF244321}">
-                <p14:modId xmlns:p14="http://schemas.microsoft.com/office/powerpoint/2010/main" val="2677904207"/>
-              </p:ext>
-            </p:extLst>
-          </p:nvPr>
-        </p:nvGraphicFramePr>
-        <p:xfrm>
-          <a:off x="309561" y="827724"/>
-          <a:ext cx="8577264" cy="1381760"/>
-        </p:xfrm>
-        <a:graphic>
-          <a:graphicData uri="http://schemas.openxmlformats.org/drawingml/2006/table">
-            <a:tbl>
-              <a:tblPr firstRow="1" bandRow="1">
-                <a:tableStyleId>{F5AB1C69-6EDB-4FF4-983F-18BD219EF322}</a:tableStyleId>
-              </a:tblPr>
-              <a:tblGrid>
-                <a:gridCol w="1429544">
-                  <a:extLst>
-                    <a:ext uri="{9D8B030D-6E8A-4147-A177-3AD203B41FA5}">
-                      <a16:colId xmlns:a16="http://schemas.microsoft.com/office/drawing/2014/main" val="3638172410"/>
-                    </a:ext>
-                  </a:extLst>
-                </a:gridCol>
-                <a:gridCol w="1232695">
-                  <a:extLst>
-                    <a:ext uri="{9D8B030D-6E8A-4147-A177-3AD203B41FA5}">
-                      <a16:colId xmlns:a16="http://schemas.microsoft.com/office/drawing/2014/main" val="1184124969"/>
-                    </a:ext>
-                  </a:extLst>
-                </a:gridCol>
-                <a:gridCol w="1200150">
-                  <a:extLst>
-                    <a:ext uri="{9D8B030D-6E8A-4147-A177-3AD203B41FA5}">
-                      <a16:colId xmlns:a16="http://schemas.microsoft.com/office/drawing/2014/main" val="1898539357"/>
-                    </a:ext>
-                  </a:extLst>
-                </a:gridCol>
-                <a:gridCol w="1985963">
-                  <a:extLst>
-                    <a:ext uri="{9D8B030D-6E8A-4147-A177-3AD203B41FA5}">
-                      <a16:colId xmlns:a16="http://schemas.microsoft.com/office/drawing/2014/main" val="57096861"/>
-                    </a:ext>
-                  </a:extLst>
-                </a:gridCol>
-                <a:gridCol w="1671637">
-                  <a:extLst>
-                    <a:ext uri="{9D8B030D-6E8A-4147-A177-3AD203B41FA5}">
-                      <a16:colId xmlns:a16="http://schemas.microsoft.com/office/drawing/2014/main" val="347314198"/>
-                    </a:ext>
-                  </a:extLst>
-                </a:gridCol>
-                <a:gridCol w="1057275">
-                  <a:extLst>
-                    <a:ext uri="{9D8B030D-6E8A-4147-A177-3AD203B41FA5}">
-                      <a16:colId xmlns:a16="http://schemas.microsoft.com/office/drawing/2014/main" val="2256422471"/>
-                    </a:ext>
-                  </a:extLst>
-                </a:gridCol>
-              </a:tblGrid>
-              <a:tr h="370840">
-                <a:tc>
-                  <a:txBody>
-                    <a:bodyPr/>
-                    <a:lstStyle/>
-                    <a:p>
-                      <a:r>
-                        <a:rPr lang="en-US" dirty="0"/>
-                        <a:t>source name</a:t>
-                      </a:r>
-                    </a:p>
-                  </a:txBody>
-                  <a:tcPr/>
-                </a:tc>
-                <a:tc>
-                  <a:txBody>
-                    <a:bodyPr/>
-                    <a:lstStyle/>
-                    <a:p>
-                      <a:r>
-                        <a:rPr lang="en-US" dirty="0"/>
-                        <a:t>property 1</a:t>
-                      </a:r>
-                    </a:p>
-                  </a:txBody>
-                  <a:tcPr/>
-                </a:tc>
-                <a:tc>
-                  <a:txBody>
-                    <a:bodyPr/>
-                    <a:lstStyle/>
-                    <a:p>
-                      <a:r>
-                        <a:rPr lang="en-US" dirty="0"/>
-                        <a:t>property 2</a:t>
-                      </a:r>
-                    </a:p>
-                  </a:txBody>
-                  <a:tcPr/>
-                </a:tc>
-                <a:tc>
-                  <a:txBody>
-                    <a:bodyPr/>
-                    <a:lstStyle/>
-                    <a:p>
-                      <a:r>
-                        <a:rPr lang="en-US" dirty="0"/>
-                        <a:t>biological replicate</a:t>
-                      </a:r>
-                    </a:p>
-                  </a:txBody>
-                  <a:tcPr/>
-                </a:tc>
-                <a:tc>
-                  <a:txBody>
-                    <a:bodyPr/>
-                    <a:lstStyle/>
-                    <a:p>
-                      <a:r>
-                        <a:rPr lang="en-US" dirty="0"/>
-                        <a:t>technical replicate</a:t>
-                      </a:r>
-                    </a:p>
-                  </a:txBody>
-                  <a:tcPr/>
-                </a:tc>
-                <a:tc>
-                  <a:txBody>
-                    <a:bodyPr/>
-                    <a:lstStyle/>
-                    <a:p>
-                      <a:r>
-                        <a:rPr lang="en-US" dirty="0"/>
-                        <a:t>fraction</a:t>
-                      </a:r>
-                    </a:p>
-                  </a:txBody>
-                  <a:tcPr/>
-                </a:tc>
-                <a:extLst>
-                  <a:ext uri="{0D108BD9-81ED-4DB2-BD59-A6C34878D82A}">
-                    <a16:rowId xmlns:a16="http://schemas.microsoft.com/office/drawing/2014/main" val="3870243517"/>
-                  </a:ext>
-                </a:extLst>
-              </a:tr>
-              <a:tr h="370840">
-                <a:tc>
-                  <a:txBody>
-                    <a:bodyPr/>
-                    <a:lstStyle/>
-                    <a:p>
-                      <a:r>
-                        <a:rPr lang="en-US" dirty="0"/>
-                        <a:t>Sample 1</a:t>
-                      </a:r>
-                    </a:p>
-                  </a:txBody>
-                  <a:tcPr/>
-                </a:tc>
-                <a:tc>
-                  <a:txBody>
-                    <a:bodyPr/>
-                    <a:lstStyle/>
-                    <a:p>
-                      <a:endParaRPr lang="en-US"/>
-                    </a:p>
-                  </a:txBody>
-                  <a:tcPr/>
-                </a:tc>
-                <a:tc>
-                  <a:txBody>
-                    <a:bodyPr/>
-                    <a:lstStyle/>
-                    <a:p>
-                      <a:endParaRPr lang="en-US" dirty="0"/>
-                    </a:p>
-                  </a:txBody>
-                  <a:tcPr/>
-                </a:tc>
-                <a:tc>
-                  <a:txBody>
-                    <a:bodyPr/>
-                    <a:lstStyle/>
-                    <a:p>
-                      <a:endParaRPr lang="en-US"/>
-                    </a:p>
-                  </a:txBody>
-                  <a:tcPr/>
-                </a:tc>
-                <a:tc>
-                  <a:txBody>
-                    <a:bodyPr/>
-                    <a:lstStyle/>
-                    <a:p>
-                      <a:endParaRPr lang="en-US"/>
-                    </a:p>
-                  </a:txBody>
-                  <a:tcPr/>
-                </a:tc>
-                <a:tc>
-                  <a:txBody>
-                    <a:bodyPr/>
-                    <a:lstStyle/>
-                    <a:p>
-                      <a:endParaRPr lang="en-US"/>
-                    </a:p>
-                  </a:txBody>
-                  <a:tcPr/>
-                </a:tc>
-                <a:extLst>
-                  <a:ext uri="{0D108BD9-81ED-4DB2-BD59-A6C34878D82A}">
-                    <a16:rowId xmlns:a16="http://schemas.microsoft.com/office/drawing/2014/main" val="3576528922"/>
-                  </a:ext>
-                </a:extLst>
-              </a:tr>
-              <a:tr h="370840">
-                <a:tc>
-                  <a:txBody>
-                    <a:bodyPr/>
-                    <a:lstStyle/>
-                    <a:p>
-                      <a:r>
-                        <a:rPr lang="en-US" dirty="0"/>
-                        <a:t>Sample 2</a:t>
-                      </a:r>
-                    </a:p>
-                  </a:txBody>
-                  <a:tcPr/>
-                </a:tc>
-                <a:tc>
-                  <a:txBody>
-                    <a:bodyPr/>
-                    <a:lstStyle/>
-                    <a:p>
-                      <a:endParaRPr lang="en-US" dirty="0"/>
-                    </a:p>
-                  </a:txBody>
-                  <a:tcPr/>
-                </a:tc>
-                <a:tc>
-                  <a:txBody>
-                    <a:bodyPr/>
-                    <a:lstStyle/>
-                    <a:p>
-                      <a:endParaRPr lang="en-US"/>
-                    </a:p>
-                  </a:txBody>
-                  <a:tcPr/>
-                </a:tc>
-                <a:tc>
-                  <a:txBody>
-                    <a:bodyPr/>
-                    <a:lstStyle/>
-                    <a:p>
-                      <a:endParaRPr lang="en-US" dirty="0"/>
-                    </a:p>
-                  </a:txBody>
-                  <a:tcPr/>
-                </a:tc>
-                <a:tc>
-                  <a:txBody>
-                    <a:bodyPr/>
-                    <a:lstStyle/>
-                    <a:p>
-                      <a:endParaRPr lang="en-US" dirty="0"/>
-                    </a:p>
-                  </a:txBody>
-                  <a:tcPr/>
-                </a:tc>
-                <a:tc>
-                  <a:txBody>
-                    <a:bodyPr/>
-                    <a:lstStyle/>
-                    <a:p>
-                      <a:endParaRPr lang="en-US" dirty="0"/>
-                    </a:p>
-                  </a:txBody>
-                  <a:tcPr/>
-                </a:tc>
-                <a:extLst>
-                  <a:ext uri="{0D108BD9-81ED-4DB2-BD59-A6C34878D82A}">
-                    <a16:rowId xmlns:a16="http://schemas.microsoft.com/office/drawing/2014/main" val="3717446347"/>
-                  </a:ext>
-                </a:extLst>
-              </a:tr>
-            </a:tbl>
-          </a:graphicData>
-        </a:graphic>
-      </p:graphicFrame>
-      <p:cxnSp>
-        <p:nvCxnSpPr>
-          <p:cNvPr id="6" name="Straight Connector 5">
-            <a:extLst>
-              <a:ext uri="{FF2B5EF4-FFF2-40B4-BE49-F238E27FC236}">
-                <a16:creationId xmlns:a16="http://schemas.microsoft.com/office/drawing/2014/main" id="{78A9EF65-81E7-144D-82DC-F12771425972}"/>
-              </a:ext>
-            </a:extLst>
-          </p:cNvPr>
-          <p:cNvCxnSpPr>
-            <a:cxnSpLocks/>
-          </p:cNvCxnSpPr>
-          <p:nvPr/>
-        </p:nvCxnSpPr>
-        <p:spPr>
-          <a:xfrm>
-            <a:off x="142875" y="1816737"/>
-            <a:ext cx="9001125" cy="0"/>
-          </a:xfrm>
-          <a:prstGeom prst="line">
-            <a:avLst/>
-          </a:prstGeom>
-          <a:ln w="63500">
-            <a:solidFill>
-              <a:srgbClr val="C00000"/>
-            </a:solidFill>
-            <a:prstDash val="dashDot"/>
-          </a:ln>
-        </p:spPr>
-        <p:style>
-          <a:lnRef idx="2">
-            <a:schemeClr val="accent1"/>
-          </a:lnRef>
-          <a:fillRef idx="0">
-            <a:schemeClr val="accent1"/>
-          </a:fillRef>
-          <a:effectRef idx="1">
-            <a:schemeClr val="accent1"/>
-          </a:effectRef>
-          <a:fontRef idx="minor">
-            <a:schemeClr val="tx1"/>
-          </a:fontRef>
-        </p:style>
-      </p:cxnSp>
-      <p:cxnSp>
-        <p:nvCxnSpPr>
-          <p:cNvPr id="12" name="Straight Arrow Connector 11">
-            <a:extLst>
-              <a:ext uri="{FF2B5EF4-FFF2-40B4-BE49-F238E27FC236}">
-                <a16:creationId xmlns:a16="http://schemas.microsoft.com/office/drawing/2014/main" id="{B5EC9802-8431-3C4D-8C07-C420DFBFF9DD}"/>
-              </a:ext>
-            </a:extLst>
-          </p:cNvPr>
-          <p:cNvCxnSpPr>
-            <a:cxnSpLocks/>
-            <a:endCxn id="13" idx="0"/>
-          </p:cNvCxnSpPr>
-          <p:nvPr/>
-        </p:nvCxnSpPr>
-        <p:spPr>
-          <a:xfrm>
-            <a:off x="734409" y="2373949"/>
-            <a:ext cx="7213" cy="870385"/>
-          </a:xfrm>
-          <a:prstGeom prst="straightConnector1">
-            <a:avLst/>
-          </a:prstGeom>
-          <a:ln w="44450">
-            <a:tailEnd type="triangle"/>
-          </a:ln>
-        </p:spPr>
-        <p:style>
-          <a:lnRef idx="2">
-            <a:schemeClr val="accent1"/>
-          </a:lnRef>
-          <a:fillRef idx="0">
-            <a:schemeClr val="accent1"/>
-          </a:fillRef>
-          <a:effectRef idx="1">
-            <a:schemeClr val="accent1"/>
-          </a:effectRef>
-          <a:fontRef idx="minor">
-            <a:schemeClr val="tx1"/>
-          </a:fontRef>
-        </p:style>
-      </p:cxnSp>
-      <p:sp>
-        <p:nvSpPr>
-          <p:cNvPr id="13" name="TextBox 12">
-            <a:extLst>
-              <a:ext uri="{FF2B5EF4-FFF2-40B4-BE49-F238E27FC236}">
-                <a16:creationId xmlns:a16="http://schemas.microsoft.com/office/drawing/2014/main" id="{F0E1A5DF-7439-1841-B9DC-D83E5F609F66}"/>
-              </a:ext>
-            </a:extLst>
-          </p:cNvPr>
-          <p:cNvSpPr txBox="1"/>
-          <p:nvPr/>
-        </p:nvSpPr>
-        <p:spPr>
-          <a:xfrm>
-            <a:off x="211669" y="3244334"/>
-            <a:ext cx="1059906" cy="369332"/>
-          </a:xfrm>
-          <a:prstGeom prst="rect">
-            <a:avLst/>
-          </a:prstGeom>
-          <a:noFill/>
-        </p:spPr>
-        <p:txBody>
-          <a:bodyPr wrap="none" rtlCol="0">
-            <a:spAutoFit/>
-          </a:bodyPr>
-          <a:lstStyle/>
-          <a:p>
-            <a:r>
-              <a:rPr lang="en-US" b="1" dirty="0"/>
-              <a:t>Sample 1</a:t>
-            </a:r>
-          </a:p>
-        </p:txBody>
-      </p:sp>
-      <p:sp>
-        <p:nvSpPr>
-          <p:cNvPr id="14" name="TextBox 13">
-            <a:extLst>
-              <a:ext uri="{FF2B5EF4-FFF2-40B4-BE49-F238E27FC236}">
-                <a16:creationId xmlns:a16="http://schemas.microsoft.com/office/drawing/2014/main" id="{BBD5D651-B578-1C4F-8778-C65E6CC8A5E0}"/>
-              </a:ext>
-            </a:extLst>
-          </p:cNvPr>
-          <p:cNvSpPr txBox="1"/>
-          <p:nvPr/>
-        </p:nvSpPr>
-        <p:spPr>
-          <a:xfrm>
-            <a:off x="874592" y="2265244"/>
-            <a:ext cx="242374" cy="923330"/>
-          </a:xfrm>
-          <a:prstGeom prst="rect">
-            <a:avLst/>
-          </a:prstGeom>
-          <a:noFill/>
-        </p:spPr>
-        <p:txBody>
-          <a:bodyPr wrap="none" rtlCol="0">
-            <a:spAutoFit/>
-          </a:bodyPr>
-          <a:lstStyle/>
-          <a:p>
-            <a:r>
-              <a:rPr lang="en-US" dirty="0"/>
-              <a:t>.</a:t>
-            </a:r>
-          </a:p>
-          <a:p>
-            <a:r>
-              <a:rPr lang="en-US" dirty="0"/>
-              <a:t>.</a:t>
-            </a:r>
-          </a:p>
-          <a:p>
-            <a:r>
-              <a:rPr lang="en-US" dirty="0"/>
-              <a:t>.</a:t>
-            </a:r>
-          </a:p>
-        </p:txBody>
-      </p:sp>
-      <p:sp>
-        <p:nvSpPr>
-          <p:cNvPr id="18" name="Rectangle 17">
-            <a:extLst>
-              <a:ext uri="{FF2B5EF4-FFF2-40B4-BE49-F238E27FC236}">
-                <a16:creationId xmlns:a16="http://schemas.microsoft.com/office/drawing/2014/main" id="{227C7488-431C-7E40-B210-78CAA8DEDD82}"/>
-              </a:ext>
-            </a:extLst>
-          </p:cNvPr>
-          <p:cNvSpPr/>
-          <p:nvPr/>
-        </p:nvSpPr>
-        <p:spPr>
-          <a:xfrm>
-            <a:off x="1985963" y="3050381"/>
-            <a:ext cx="1585912" cy="757238"/>
-          </a:xfrm>
-          <a:prstGeom prst="rect">
-            <a:avLst/>
-          </a:prstGeom>
-          <a:noFill/>
-          <a:ln>
-            <a:prstDash val="lgDash"/>
-          </a:ln>
-        </p:spPr>
-        <p:style>
-          <a:lnRef idx="1">
-            <a:schemeClr val="accent1"/>
-          </a:lnRef>
-          <a:fillRef idx="3">
-            <a:schemeClr val="accent1"/>
-          </a:fillRef>
-          <a:effectRef idx="2">
-            <a:schemeClr val="accent1"/>
-          </a:effectRef>
-          <a:fontRef idx="minor">
-            <a:schemeClr val="lt1"/>
-          </a:fontRef>
-        </p:style>
-        <p:txBody>
-          <a:bodyPr rtlCol="0" anchor="ctr"/>
-          <a:lstStyle/>
-          <a:p>
-            <a:pPr algn="ctr"/>
-            <a:r>
-              <a:rPr lang="en-US" dirty="0">
-                <a:solidFill>
-                  <a:schemeClr val="tx1"/>
-                </a:solidFill>
-              </a:rPr>
-              <a:t>proteomicslfq</a:t>
-            </a:r>
-          </a:p>
-        </p:txBody>
-      </p:sp>
-      <p:cxnSp>
-        <p:nvCxnSpPr>
-          <p:cNvPr id="20" name="Straight Arrow Connector 19">
-            <a:extLst>
-              <a:ext uri="{FF2B5EF4-FFF2-40B4-BE49-F238E27FC236}">
-                <a16:creationId xmlns:a16="http://schemas.microsoft.com/office/drawing/2014/main" id="{6809589C-5988-B745-A75A-4A280D067289}"/>
-              </a:ext>
-            </a:extLst>
-          </p:cNvPr>
-          <p:cNvCxnSpPr>
-            <a:cxnSpLocks/>
-            <a:stCxn id="13" idx="3"/>
-            <a:endCxn id="18" idx="1"/>
-          </p:cNvCxnSpPr>
-          <p:nvPr/>
-        </p:nvCxnSpPr>
-        <p:spPr>
-          <a:xfrm>
-            <a:off x="1271575" y="3429000"/>
-            <a:ext cx="714388" cy="0"/>
-          </a:xfrm>
-          <a:prstGeom prst="straightConnector1">
-            <a:avLst/>
-          </a:prstGeom>
-          <a:ln w="44450">
-            <a:tailEnd type="triangle"/>
-          </a:ln>
-        </p:spPr>
-        <p:style>
-          <a:lnRef idx="2">
-            <a:schemeClr val="accent1"/>
-          </a:lnRef>
-          <a:fillRef idx="0">
-            <a:schemeClr val="accent1"/>
-          </a:fillRef>
-          <a:effectRef idx="1">
-            <a:schemeClr val="accent1"/>
-          </a:effectRef>
-          <a:fontRef idx="minor">
-            <a:schemeClr val="tx1"/>
-          </a:fontRef>
-        </p:style>
-      </p:cxnSp>
-      <p:sp>
-        <p:nvSpPr>
-          <p:cNvPr id="23" name="Folded Corner 22">
-            <a:extLst>
-              <a:ext uri="{FF2B5EF4-FFF2-40B4-BE49-F238E27FC236}">
-                <a16:creationId xmlns:a16="http://schemas.microsoft.com/office/drawing/2014/main" id="{3CB2CF02-8FC6-3449-8646-FC20E7505D6E}"/>
-              </a:ext>
-            </a:extLst>
-          </p:cNvPr>
-          <p:cNvSpPr/>
-          <p:nvPr/>
-        </p:nvSpPr>
-        <p:spPr>
-          <a:xfrm>
-            <a:off x="6429383" y="3050381"/>
-            <a:ext cx="1400175" cy="757238"/>
-          </a:xfrm>
-          <a:prstGeom prst="foldedCorner">
-            <a:avLst/>
-          </a:prstGeom>
-          <a:noFill/>
-          <a:ln>
-            <a:prstDash val="dash"/>
-          </a:ln>
-        </p:spPr>
-        <p:style>
-          <a:lnRef idx="1">
-            <a:schemeClr val="accent1"/>
-          </a:lnRef>
-          <a:fillRef idx="3">
-            <a:schemeClr val="accent1"/>
-          </a:fillRef>
-          <a:effectRef idx="2">
-            <a:schemeClr val="accent1"/>
-          </a:effectRef>
-          <a:fontRef idx="minor">
-            <a:schemeClr val="lt1"/>
-          </a:fontRef>
-        </p:style>
-        <p:txBody>
-          <a:bodyPr rtlCol="0" anchor="ctr"/>
-          <a:lstStyle/>
-          <a:p>
-            <a:pPr algn="ctr"/>
-            <a:r>
-              <a:rPr lang="en-US" dirty="0">
-                <a:solidFill>
-                  <a:schemeClr val="tx1"/>
-                </a:solidFill>
-              </a:rPr>
-              <a:t>mzTab</a:t>
-            </a:r>
-          </a:p>
-        </p:txBody>
-      </p:sp>
-      <p:cxnSp>
-        <p:nvCxnSpPr>
-          <p:cNvPr id="24" name="Straight Arrow Connector 23">
-            <a:extLst>
-              <a:ext uri="{FF2B5EF4-FFF2-40B4-BE49-F238E27FC236}">
-                <a16:creationId xmlns:a16="http://schemas.microsoft.com/office/drawing/2014/main" id="{E7CAAAF5-2126-874C-AD27-B90CF64DD675}"/>
-              </a:ext>
-            </a:extLst>
-          </p:cNvPr>
-          <p:cNvCxnSpPr>
-            <a:cxnSpLocks/>
-            <a:stCxn id="18" idx="3"/>
-            <a:endCxn id="23" idx="1"/>
-          </p:cNvCxnSpPr>
-          <p:nvPr/>
-        </p:nvCxnSpPr>
-        <p:spPr>
-          <a:xfrm>
-            <a:off x="3571875" y="3429000"/>
-            <a:ext cx="2857508" cy="0"/>
-          </a:xfrm>
-          <a:prstGeom prst="straightConnector1">
-            <a:avLst/>
-          </a:prstGeom>
-          <a:ln w="44450">
-            <a:tailEnd type="triangle"/>
-          </a:ln>
-        </p:spPr>
-        <p:style>
-          <a:lnRef idx="2">
-            <a:schemeClr val="accent1"/>
-          </a:lnRef>
-          <a:fillRef idx="0">
-            <a:schemeClr val="accent1"/>
-          </a:fillRef>
-          <a:effectRef idx="1">
-            <a:schemeClr val="accent1"/>
-          </a:effectRef>
-          <a:fontRef idx="minor">
-            <a:schemeClr val="tx1"/>
-          </a:fontRef>
-        </p:style>
-      </p:cxnSp>
-      <p:sp>
-        <p:nvSpPr>
-          <p:cNvPr id="27" name="Multi-document 26">
-            <a:extLst>
-              <a:ext uri="{FF2B5EF4-FFF2-40B4-BE49-F238E27FC236}">
-                <a16:creationId xmlns:a16="http://schemas.microsoft.com/office/drawing/2014/main" id="{75E26680-26C7-B34E-88F0-A2D37D21E42C}"/>
-              </a:ext>
-            </a:extLst>
-          </p:cNvPr>
-          <p:cNvSpPr/>
-          <p:nvPr/>
-        </p:nvSpPr>
-        <p:spPr>
-          <a:xfrm>
-            <a:off x="6429383" y="4132898"/>
-            <a:ext cx="1400174" cy="697863"/>
-          </a:xfrm>
-          <a:prstGeom prst="flowChartMultidocument">
-            <a:avLst/>
-          </a:prstGeom>
-          <a:noFill/>
-          <a:ln>
-            <a:prstDash val="dashDot"/>
-          </a:ln>
-        </p:spPr>
-        <p:style>
-          <a:lnRef idx="1">
-            <a:schemeClr val="accent1"/>
-          </a:lnRef>
-          <a:fillRef idx="3">
-            <a:schemeClr val="accent1"/>
-          </a:fillRef>
-          <a:effectRef idx="2">
-            <a:schemeClr val="accent1"/>
-          </a:effectRef>
-          <a:fontRef idx="minor">
-            <a:schemeClr val="lt1"/>
-          </a:fontRef>
-        </p:style>
-        <p:txBody>
-          <a:bodyPr rtlCol="0" anchor="ctr"/>
-          <a:lstStyle/>
-          <a:p>
-            <a:pPr algn="ctr"/>
-            <a:r>
-              <a:rPr lang="en-US" dirty="0">
-                <a:solidFill>
-                  <a:schemeClr val="tx1"/>
-                </a:solidFill>
-              </a:rPr>
-              <a:t>mzMLs</a:t>
-            </a:r>
-          </a:p>
-        </p:txBody>
-      </p:sp>
-      <p:cxnSp>
-        <p:nvCxnSpPr>
-          <p:cNvPr id="28" name="Straight Arrow Connector 27">
-            <a:extLst>
-              <a:ext uri="{FF2B5EF4-FFF2-40B4-BE49-F238E27FC236}">
-                <a16:creationId xmlns:a16="http://schemas.microsoft.com/office/drawing/2014/main" id="{0C0326D8-C62E-0B4D-A3D7-A20AE56F630C}"/>
-              </a:ext>
-            </a:extLst>
-          </p:cNvPr>
-          <p:cNvCxnSpPr>
-            <a:cxnSpLocks/>
-            <a:stCxn id="18" idx="3"/>
-            <a:endCxn id="27" idx="1"/>
-          </p:cNvCxnSpPr>
-          <p:nvPr/>
-        </p:nvCxnSpPr>
-        <p:spPr>
-          <a:xfrm>
-            <a:off x="3571875" y="3429000"/>
-            <a:ext cx="2857508" cy="1052830"/>
-          </a:xfrm>
-          <a:prstGeom prst="bentConnector3">
-            <a:avLst>
-              <a:gd name="adj1" fmla="val 50000"/>
-            </a:avLst>
-          </a:prstGeom>
-          <a:ln w="44450">
-            <a:tailEnd type="triangle"/>
-          </a:ln>
-        </p:spPr>
-        <p:style>
-          <a:lnRef idx="2">
-            <a:schemeClr val="accent1"/>
-          </a:lnRef>
-          <a:fillRef idx="0">
-            <a:schemeClr val="accent1"/>
-          </a:fillRef>
-          <a:effectRef idx="1">
-            <a:schemeClr val="accent1"/>
-          </a:effectRef>
-          <a:fontRef idx="minor">
-            <a:schemeClr val="tx1"/>
-          </a:fontRef>
-        </p:style>
-      </p:cxnSp>
-      <p:sp>
-        <p:nvSpPr>
-          <p:cNvPr id="32" name="TextBox 31">
-            <a:extLst>
-              <a:ext uri="{FF2B5EF4-FFF2-40B4-BE49-F238E27FC236}">
-                <a16:creationId xmlns:a16="http://schemas.microsoft.com/office/drawing/2014/main" id="{BE9AFD24-41D0-2A43-AD74-7DC9A675568F}"/>
-              </a:ext>
-            </a:extLst>
-          </p:cNvPr>
-          <p:cNvSpPr txBox="1"/>
-          <p:nvPr/>
-        </p:nvSpPr>
-        <p:spPr>
-          <a:xfrm>
-            <a:off x="91540" y="4030385"/>
-            <a:ext cx="4737635" cy="2031325"/>
-          </a:xfrm>
-          <a:prstGeom prst="rect">
-            <a:avLst/>
-          </a:prstGeom>
-          <a:noFill/>
-        </p:spPr>
-        <p:txBody>
-          <a:bodyPr wrap="square" rtlCol="0">
-            <a:spAutoFit/>
-          </a:bodyPr>
-          <a:lstStyle/>
-          <a:p>
-            <a:pPr marL="285750" indent="-285750">
-              <a:buFontTx/>
-              <a:buChar char="-"/>
-            </a:pPr>
-            <a:r>
-              <a:rPr lang="en-US" dirty="0"/>
-              <a:t>UNIPROT proteomes (identification and quant of proteoforms).</a:t>
-            </a:r>
-          </a:p>
-          <a:p>
-            <a:pPr marL="285750" indent="-285750">
-              <a:buFontTx/>
-              <a:buChar char="-"/>
-            </a:pPr>
-            <a:r>
-              <a:rPr lang="en-US" dirty="0"/>
-              <a:t>Comet and MSGF+ parameters from SDRF. </a:t>
-            </a:r>
-          </a:p>
-          <a:p>
-            <a:pPr marL="285750" indent="-285750">
-              <a:buFontTx/>
-              <a:buChar char="-"/>
-            </a:pPr>
-            <a:r>
-              <a:rPr lang="en-US" dirty="0"/>
-              <a:t>Percolator + Consensus ID</a:t>
-            </a:r>
-          </a:p>
-          <a:p>
-            <a:pPr marL="285750" indent="-285750">
-              <a:buFontTx/>
-              <a:buChar char="-"/>
-            </a:pPr>
-            <a:r>
-              <a:rPr lang="en-US" dirty="0"/>
-              <a:t>Luciphor (if Phospho-proteomics)</a:t>
-            </a:r>
-          </a:p>
-          <a:p>
-            <a:pPr marL="285750" indent="-285750">
-              <a:buFontTx/>
-              <a:buChar char="-"/>
-            </a:pPr>
-            <a:r>
-              <a:rPr lang="en-US" dirty="0"/>
-              <a:t>Epifany and protein quantitation at sample level. </a:t>
-            </a:r>
-          </a:p>
-        </p:txBody>
-      </p:sp>
-    </p:spTree>
-    <p:extLst>
-      <p:ext uri="{BB962C8B-B14F-4D97-AF65-F5344CB8AC3E}">
-        <p14:creationId xmlns:p14="http://schemas.microsoft.com/office/powerpoint/2010/main" val="322387184"/>
-      </p:ext>
-    </p:extLst>
-  </p:cSld>
-  <p:clrMapOvr>
-    <a:masterClrMapping/>
-  </p:clrMapOvr>
-</p:sld>
-</file>
-
-<file path=ppt/slides/slide3.xml><?xml version="1.0" encoding="utf-8"?>
-<p:sld xmlns:a="http://schemas.openxmlformats.org/drawingml/2006/main" xmlns:r="http://schemas.openxmlformats.org/officeDocument/2006/relationships" xmlns:p="http://schemas.openxmlformats.org/presentationml/2006/main">
-  <p:cSld>
-    <p:spTree>
-      <p:nvGrpSpPr>
-        <p:cNvPr id="1" name=""/>
-        <p:cNvGrpSpPr/>
-        <p:nvPr/>
-      </p:nvGrpSpPr>
-      <p:grpSpPr>
-        <a:xfrm>
-          <a:off x="0" y="0"/>
-          <a:ext cx="0" cy="0"/>
-          <a:chOff x="0" y="0"/>
-          <a:chExt cx="0" cy="0"/>
-        </a:xfrm>
-      </p:grpSpPr>
-      <p:sp>
-        <p:nvSpPr>
-          <p:cNvPr id="2" name="Title 1">
-            <a:extLst>
-              <a:ext uri="{FF2B5EF4-FFF2-40B4-BE49-F238E27FC236}">
-                <a16:creationId xmlns:a16="http://schemas.microsoft.com/office/drawing/2014/main" id="{D9713B97-3B16-3441-B2D5-A54BE10516FE}"/>
-              </a:ext>
-            </a:extLst>
-          </p:cNvPr>
-          <p:cNvSpPr>
-            <a:spLocks noGrp="1"/>
-          </p:cNvSpPr>
-          <p:nvPr>
-            <p:ph type="title"/>
-          </p:nvPr>
-        </p:nvSpPr>
-        <p:spPr>
-          <a:xfrm>
-            <a:off x="528637" y="-43874"/>
-            <a:ext cx="7372351" cy="809149"/>
-          </a:xfrm>
-        </p:spPr>
-        <p:txBody>
-          <a:bodyPr/>
-          <a:lstStyle/>
-          <a:p>
-            <a:r>
-              <a:rPr lang="en-US" dirty="0"/>
-              <a:t>Label free experiment</a:t>
-            </a:r>
-          </a:p>
-        </p:txBody>
-      </p:sp>
-      <p:graphicFrame>
-        <p:nvGraphicFramePr>
-          <p:cNvPr id="15" name="Table 4">
-            <a:extLst>
-              <a:ext uri="{FF2B5EF4-FFF2-40B4-BE49-F238E27FC236}">
-                <a16:creationId xmlns:a16="http://schemas.microsoft.com/office/drawing/2014/main" id="{C62EEB97-19AD-9944-9DDB-30B855EB18F2}"/>
-              </a:ext>
-            </a:extLst>
-          </p:cNvPr>
-          <p:cNvGraphicFramePr>
-            <a:graphicFrameLocks noGrp="1"/>
-          </p:cNvGraphicFramePr>
-          <p:nvPr>
-            <p:extLst>
-              <p:ext uri="{D42A27DB-BD31-4B8C-83A1-F6EECF244321}">
-                <p14:modId xmlns:p14="http://schemas.microsoft.com/office/powerpoint/2010/main" val="2713594806"/>
-              </p:ext>
-            </p:extLst>
-          </p:nvPr>
-        </p:nvGraphicFramePr>
-        <p:xfrm>
-          <a:off x="361948" y="2242187"/>
-          <a:ext cx="7591427" cy="1752600"/>
-        </p:xfrm>
-        <a:graphic>
-          <a:graphicData uri="http://schemas.openxmlformats.org/drawingml/2006/table">
-            <a:tbl>
-              <a:tblPr firstRow="1" bandRow="1">
-                <a:tableStyleId>{F5AB1C69-6EDB-4FF4-983F-18BD219EF322}</a:tableStyleId>
-              </a:tblPr>
-              <a:tblGrid>
-                <a:gridCol w="1265238">
-                  <a:extLst>
-                    <a:ext uri="{9D8B030D-6E8A-4147-A177-3AD203B41FA5}">
-                      <a16:colId xmlns:a16="http://schemas.microsoft.com/office/drawing/2014/main" val="3638172410"/>
-                    </a:ext>
-                  </a:extLst>
-                </a:gridCol>
-                <a:gridCol w="1091014">
-                  <a:extLst>
-                    <a:ext uri="{9D8B030D-6E8A-4147-A177-3AD203B41FA5}">
-                      <a16:colId xmlns:a16="http://schemas.microsoft.com/office/drawing/2014/main" val="1184124969"/>
-                    </a:ext>
-                  </a:extLst>
-                </a:gridCol>
-                <a:gridCol w="1062209">
-                  <a:extLst>
-                    <a:ext uri="{9D8B030D-6E8A-4147-A177-3AD203B41FA5}">
-                      <a16:colId xmlns:a16="http://schemas.microsoft.com/office/drawing/2014/main" val="1898539357"/>
-                    </a:ext>
-                  </a:extLst>
-                </a:gridCol>
-                <a:gridCol w="1315466">
-                  <a:extLst>
-                    <a:ext uri="{9D8B030D-6E8A-4147-A177-3AD203B41FA5}">
-                      <a16:colId xmlns:a16="http://schemas.microsoft.com/office/drawing/2014/main" val="57096861"/>
-                    </a:ext>
-                  </a:extLst>
-                </a:gridCol>
-                <a:gridCol w="1585912">
-                  <a:extLst>
-                    <a:ext uri="{9D8B030D-6E8A-4147-A177-3AD203B41FA5}">
-                      <a16:colId xmlns:a16="http://schemas.microsoft.com/office/drawing/2014/main" val="347314198"/>
-                    </a:ext>
-                  </a:extLst>
-                </a:gridCol>
-                <a:gridCol w="1271588">
-                  <a:extLst>
-                    <a:ext uri="{9D8B030D-6E8A-4147-A177-3AD203B41FA5}">
-                      <a16:colId xmlns:a16="http://schemas.microsoft.com/office/drawing/2014/main" val="2256422471"/>
-                    </a:ext>
-                  </a:extLst>
-                </a:gridCol>
-              </a:tblGrid>
-              <a:tr h="370840">
-                <a:tc>
-                  <a:txBody>
-                    <a:bodyPr/>
-                    <a:lstStyle/>
-                    <a:p>
-                      <a:endParaRPr lang="en-US" dirty="0"/>
-                    </a:p>
-                  </a:txBody>
-                  <a:tcPr/>
-                </a:tc>
-                <a:tc>
-                  <a:txBody>
-                    <a:bodyPr/>
-                    <a:lstStyle/>
-                    <a:p>
-                      <a:r>
-                        <a:rPr lang="en-US" dirty="0"/>
-                        <a:t>Sample 1</a:t>
-                      </a:r>
-                    </a:p>
-                  </a:txBody>
-                  <a:tcPr/>
-                </a:tc>
-                <a:tc>
-                  <a:txBody>
-                    <a:bodyPr/>
-                    <a:lstStyle/>
-                    <a:p>
-                      <a:r>
-                        <a:rPr lang="en-US" dirty="0"/>
-                        <a:t>Sample 2</a:t>
-                      </a:r>
-                    </a:p>
-                  </a:txBody>
-                  <a:tcPr/>
-                </a:tc>
-                <a:tc>
-                  <a:txBody>
-                    <a:bodyPr/>
-                    <a:lstStyle/>
-                    <a:p>
-                      <a:r>
-                        <a:rPr lang="en-US" dirty="0"/>
-                        <a:t>Sample 3</a:t>
-                      </a:r>
-                    </a:p>
-                  </a:txBody>
-                  <a:tcPr/>
-                </a:tc>
-                <a:tc>
-                  <a:txBody>
-                    <a:bodyPr/>
-                    <a:lstStyle/>
-                    <a:p>
-                      <a:r>
-                        <a:rPr lang="en-US" dirty="0"/>
-                        <a:t>biological replicate</a:t>
-                      </a:r>
-                    </a:p>
-                  </a:txBody>
-                  <a:tcPr/>
-                </a:tc>
-                <a:tc>
-                  <a:txBody>
-                    <a:bodyPr/>
-                    <a:lstStyle/>
-                    <a:p>
-                      <a:r>
-                        <a:rPr lang="en-US" dirty="0"/>
-                        <a:t>technical replicate</a:t>
-                      </a:r>
-                    </a:p>
-                  </a:txBody>
-                  <a:tcPr/>
-                </a:tc>
-                <a:extLst>
-                  <a:ext uri="{0D108BD9-81ED-4DB2-BD59-A6C34878D82A}">
-                    <a16:rowId xmlns:a16="http://schemas.microsoft.com/office/drawing/2014/main" val="3870243517"/>
-                  </a:ext>
-                </a:extLst>
-              </a:tr>
-              <a:tr h="370840">
-                <a:tc>
-                  <a:txBody>
-                    <a:bodyPr/>
-                    <a:lstStyle/>
-                    <a:p>
-                      <a:r>
-                        <a:rPr lang="en-US" dirty="0"/>
-                        <a:t>Protein 1</a:t>
-                      </a:r>
-                    </a:p>
-                  </a:txBody>
-                  <a:tcPr/>
-                </a:tc>
-                <a:tc>
-                  <a:txBody>
-                    <a:bodyPr/>
-                    <a:lstStyle/>
-                    <a:p>
-                      <a:r>
-                        <a:rPr lang="en-US" dirty="0"/>
-                        <a:t>value1</a:t>
-                      </a:r>
-                    </a:p>
-                  </a:txBody>
-                  <a:tcPr/>
-                </a:tc>
-                <a:tc>
-                  <a:txBody>
-                    <a:bodyPr/>
-                    <a:lstStyle/>
-                    <a:p>
-                      <a:r>
-                        <a:rPr lang="en-US" dirty="0"/>
-                        <a:t>value2</a:t>
-                      </a:r>
-                    </a:p>
-                  </a:txBody>
-                  <a:tcPr/>
-                </a:tc>
-                <a:tc>
-                  <a:txBody>
-                    <a:bodyPr/>
-                    <a:lstStyle/>
-                    <a:p>
-                      <a:r>
-                        <a:rPr lang="en-US" dirty="0"/>
-                        <a:t>value3</a:t>
-                      </a:r>
-                    </a:p>
-                  </a:txBody>
-                  <a:tcPr/>
-                </a:tc>
-                <a:tc>
-                  <a:txBody>
-                    <a:bodyPr/>
-                    <a:lstStyle/>
-                    <a:p>
-                      <a:endParaRPr lang="en-US" dirty="0"/>
-                    </a:p>
-                  </a:txBody>
-                  <a:tcPr/>
-                </a:tc>
-                <a:tc>
-                  <a:txBody>
-                    <a:bodyPr/>
-                    <a:lstStyle/>
-                    <a:p>
-                      <a:endParaRPr lang="en-US" dirty="0"/>
-                    </a:p>
-                  </a:txBody>
-                  <a:tcPr/>
-                </a:tc>
-                <a:extLst>
-                  <a:ext uri="{0D108BD9-81ED-4DB2-BD59-A6C34878D82A}">
-                    <a16:rowId xmlns:a16="http://schemas.microsoft.com/office/drawing/2014/main" val="3576528922"/>
-                  </a:ext>
-                </a:extLst>
-              </a:tr>
-              <a:tr h="370840">
-                <a:tc>
-                  <a:txBody>
-                    <a:bodyPr/>
-                    <a:lstStyle/>
-                    <a:p>
-                      <a:r>
-                        <a:rPr lang="en-US" dirty="0"/>
-                        <a:t>Protein 2</a:t>
-                      </a:r>
-                    </a:p>
-                  </a:txBody>
-                  <a:tcPr/>
-                </a:tc>
-                <a:tc>
-                  <a:txBody>
-                    <a:bodyPr/>
-                    <a:lstStyle/>
-                    <a:p>
-                      <a:r>
-                        <a:rPr lang="en-US" dirty="0"/>
-                        <a:t>value4</a:t>
-                      </a:r>
-                    </a:p>
-                  </a:txBody>
-                  <a:tcPr/>
-                </a:tc>
-                <a:tc>
-                  <a:txBody>
-                    <a:bodyPr/>
-                    <a:lstStyle/>
-                    <a:p>
-                      <a:r>
-                        <a:rPr lang="en-US" dirty="0"/>
-                        <a:t>value5</a:t>
-                      </a:r>
-                    </a:p>
-                  </a:txBody>
-                  <a:tcPr/>
-                </a:tc>
-                <a:tc>
-                  <a:txBody>
-                    <a:bodyPr/>
-                    <a:lstStyle/>
-                    <a:p>
-                      <a:r>
-                        <a:rPr lang="en-US" dirty="0"/>
-                        <a:t>value6</a:t>
-                      </a:r>
-                    </a:p>
-                  </a:txBody>
-                  <a:tcPr/>
-                </a:tc>
-                <a:tc>
-                  <a:txBody>
-                    <a:bodyPr/>
-                    <a:lstStyle/>
-                    <a:p>
-                      <a:endParaRPr lang="en-US" dirty="0"/>
-                    </a:p>
-                  </a:txBody>
-                  <a:tcPr/>
-                </a:tc>
-                <a:tc>
-                  <a:txBody>
-                    <a:bodyPr/>
-                    <a:lstStyle/>
-                    <a:p>
-                      <a:endParaRPr lang="en-US" dirty="0"/>
-                    </a:p>
-                  </a:txBody>
-                  <a:tcPr/>
-                </a:tc>
-                <a:extLst>
-                  <a:ext uri="{0D108BD9-81ED-4DB2-BD59-A6C34878D82A}">
-                    <a16:rowId xmlns:a16="http://schemas.microsoft.com/office/drawing/2014/main" val="3717446347"/>
-                  </a:ext>
-                </a:extLst>
-              </a:tr>
-              <a:tr h="370840">
-                <a:tc>
-                  <a:txBody>
-                    <a:bodyPr/>
-                    <a:lstStyle/>
-                    <a:p>
-                      <a:r>
-                        <a:rPr lang="en-US" dirty="0"/>
-                        <a:t>…</a:t>
-                      </a:r>
-                    </a:p>
-                  </a:txBody>
-                  <a:tcPr/>
-                </a:tc>
-                <a:tc>
-                  <a:txBody>
-                    <a:bodyPr/>
-                    <a:lstStyle/>
-                    <a:p>
-                      <a:endParaRPr lang="en-US" dirty="0"/>
-                    </a:p>
-                  </a:txBody>
-                  <a:tcPr/>
-                </a:tc>
-                <a:tc>
-                  <a:txBody>
-                    <a:bodyPr/>
-                    <a:lstStyle/>
-                    <a:p>
-                      <a:endParaRPr lang="en-US"/>
-                    </a:p>
-                  </a:txBody>
-                  <a:tcPr/>
-                </a:tc>
-                <a:tc>
-                  <a:txBody>
-                    <a:bodyPr/>
-                    <a:lstStyle/>
-                    <a:p>
-                      <a:endParaRPr lang="en-US" dirty="0"/>
-                    </a:p>
-                  </a:txBody>
-                  <a:tcPr/>
-                </a:tc>
-                <a:tc>
-                  <a:txBody>
-                    <a:bodyPr/>
-                    <a:lstStyle/>
-                    <a:p>
-                      <a:endParaRPr lang="en-US" dirty="0"/>
-                    </a:p>
-                  </a:txBody>
-                  <a:tcPr/>
-                </a:tc>
-                <a:tc>
-                  <a:txBody>
-                    <a:bodyPr/>
-                    <a:lstStyle/>
-                    <a:p>
-                      <a:endParaRPr lang="en-US" dirty="0"/>
-                    </a:p>
-                  </a:txBody>
-                  <a:tcPr/>
-                </a:tc>
-                <a:extLst>
-                  <a:ext uri="{0D108BD9-81ED-4DB2-BD59-A6C34878D82A}">
-                    <a16:rowId xmlns:a16="http://schemas.microsoft.com/office/drawing/2014/main" val="3214142944"/>
-                  </a:ext>
-                </a:extLst>
-              </a:tr>
-            </a:tbl>
-          </a:graphicData>
-        </a:graphic>
-      </p:graphicFrame>
-      <p:graphicFrame>
-        <p:nvGraphicFramePr>
-          <p:cNvPr id="16" name="Table 4">
-            <a:extLst>
-              <a:ext uri="{FF2B5EF4-FFF2-40B4-BE49-F238E27FC236}">
-                <a16:creationId xmlns:a16="http://schemas.microsoft.com/office/drawing/2014/main" id="{C28EE277-3BF5-0345-A4F8-BE062C74CDE5}"/>
-              </a:ext>
-            </a:extLst>
-          </p:cNvPr>
-          <p:cNvGraphicFramePr>
-            <a:graphicFrameLocks noGrp="1"/>
-          </p:cNvGraphicFramePr>
-          <p:nvPr>
-            <p:extLst>
-              <p:ext uri="{D42A27DB-BD31-4B8C-83A1-F6EECF244321}">
-                <p14:modId xmlns:p14="http://schemas.microsoft.com/office/powerpoint/2010/main" val="1997362107"/>
-              </p:ext>
-            </p:extLst>
-          </p:nvPr>
-        </p:nvGraphicFramePr>
-        <p:xfrm>
-          <a:off x="361948" y="4280537"/>
-          <a:ext cx="7591427" cy="1752600"/>
-        </p:xfrm>
-        <a:graphic>
-          <a:graphicData uri="http://schemas.openxmlformats.org/drawingml/2006/table">
-            <a:tbl>
-              <a:tblPr firstRow="1" bandRow="1">
-                <a:tableStyleId>{F5AB1C69-6EDB-4FF4-983F-18BD219EF322}</a:tableStyleId>
-              </a:tblPr>
-              <a:tblGrid>
-                <a:gridCol w="1265238">
-                  <a:extLst>
-                    <a:ext uri="{9D8B030D-6E8A-4147-A177-3AD203B41FA5}">
-                      <a16:colId xmlns:a16="http://schemas.microsoft.com/office/drawing/2014/main" val="3638172410"/>
-                    </a:ext>
-                  </a:extLst>
-                </a:gridCol>
-                <a:gridCol w="1091014">
-                  <a:extLst>
-                    <a:ext uri="{9D8B030D-6E8A-4147-A177-3AD203B41FA5}">
-                      <a16:colId xmlns:a16="http://schemas.microsoft.com/office/drawing/2014/main" val="1184124969"/>
-                    </a:ext>
-                  </a:extLst>
-                </a:gridCol>
-                <a:gridCol w="1062210">
-                  <a:extLst>
-                    <a:ext uri="{9D8B030D-6E8A-4147-A177-3AD203B41FA5}">
-                      <a16:colId xmlns:a16="http://schemas.microsoft.com/office/drawing/2014/main" val="1898539357"/>
-                    </a:ext>
-                  </a:extLst>
-                </a:gridCol>
-                <a:gridCol w="1329752">
-                  <a:extLst>
-                    <a:ext uri="{9D8B030D-6E8A-4147-A177-3AD203B41FA5}">
-                      <a16:colId xmlns:a16="http://schemas.microsoft.com/office/drawing/2014/main" val="57096861"/>
-                    </a:ext>
-                  </a:extLst>
-                </a:gridCol>
-                <a:gridCol w="1585913">
-                  <a:extLst>
-                    <a:ext uri="{9D8B030D-6E8A-4147-A177-3AD203B41FA5}">
-                      <a16:colId xmlns:a16="http://schemas.microsoft.com/office/drawing/2014/main" val="347314198"/>
-                    </a:ext>
-                  </a:extLst>
-                </a:gridCol>
-                <a:gridCol w="1257300">
-                  <a:extLst>
-                    <a:ext uri="{9D8B030D-6E8A-4147-A177-3AD203B41FA5}">
-                      <a16:colId xmlns:a16="http://schemas.microsoft.com/office/drawing/2014/main" val="2256422471"/>
-                    </a:ext>
-                  </a:extLst>
-                </a:gridCol>
-              </a:tblGrid>
-              <a:tr h="370840">
-                <a:tc>
-                  <a:txBody>
-                    <a:bodyPr/>
-                    <a:lstStyle/>
-                    <a:p>
-                      <a:endParaRPr lang="en-US" dirty="0"/>
-                    </a:p>
-                  </a:txBody>
-                  <a:tcPr/>
-                </a:tc>
-                <a:tc>
-                  <a:txBody>
-                    <a:bodyPr/>
-                    <a:lstStyle/>
-                    <a:p>
-                      <a:r>
-                        <a:rPr lang="en-US" dirty="0"/>
-                        <a:t>Sample 1</a:t>
-                      </a:r>
-                    </a:p>
-                  </a:txBody>
-                  <a:tcPr/>
-                </a:tc>
-                <a:tc>
-                  <a:txBody>
-                    <a:bodyPr/>
-                    <a:lstStyle/>
-                    <a:p>
-                      <a:r>
-                        <a:rPr lang="en-US" dirty="0"/>
-                        <a:t>Sample 2</a:t>
-                      </a:r>
-                    </a:p>
-                  </a:txBody>
-                  <a:tcPr/>
-                </a:tc>
-                <a:tc>
-                  <a:txBody>
-                    <a:bodyPr/>
-                    <a:lstStyle/>
-                    <a:p>
-                      <a:r>
-                        <a:rPr lang="en-US" dirty="0"/>
-                        <a:t>Sample 3</a:t>
-                      </a:r>
-                    </a:p>
-                  </a:txBody>
-                  <a:tcPr/>
-                </a:tc>
-                <a:tc>
-                  <a:txBody>
-                    <a:bodyPr/>
-                    <a:lstStyle/>
-                    <a:p>
-                      <a:r>
-                        <a:rPr lang="en-US" dirty="0"/>
-                        <a:t>biological replicate</a:t>
-                      </a:r>
-                    </a:p>
-                  </a:txBody>
-                  <a:tcPr/>
-                </a:tc>
-                <a:tc>
-                  <a:txBody>
-                    <a:bodyPr/>
-                    <a:lstStyle/>
-                    <a:p>
-                      <a:r>
-                        <a:rPr lang="en-US" dirty="0"/>
-                        <a:t>technical replicate</a:t>
-                      </a:r>
-                    </a:p>
-                  </a:txBody>
-                  <a:tcPr/>
-                </a:tc>
-                <a:extLst>
-                  <a:ext uri="{0D108BD9-81ED-4DB2-BD59-A6C34878D82A}">
-                    <a16:rowId xmlns:a16="http://schemas.microsoft.com/office/drawing/2014/main" val="3870243517"/>
-                  </a:ext>
-                </a:extLst>
-              </a:tr>
-              <a:tr h="370840">
-                <a:tc>
-                  <a:txBody>
-                    <a:bodyPr/>
-                    <a:lstStyle/>
-                    <a:p>
-                      <a:r>
-                        <a:rPr lang="en-US" dirty="0"/>
-                        <a:t>Peptide 1</a:t>
-                      </a:r>
-                    </a:p>
-                  </a:txBody>
-                  <a:tcPr/>
-                </a:tc>
-                <a:tc>
-                  <a:txBody>
-                    <a:bodyPr/>
-                    <a:lstStyle/>
-                    <a:p>
-                      <a:r>
-                        <a:rPr lang="en-US" dirty="0"/>
-                        <a:t>value1</a:t>
-                      </a:r>
-                    </a:p>
-                  </a:txBody>
-                  <a:tcPr/>
-                </a:tc>
-                <a:tc>
-                  <a:txBody>
-                    <a:bodyPr/>
-                    <a:lstStyle/>
-                    <a:p>
-                      <a:r>
-                        <a:rPr lang="en-US" dirty="0"/>
-                        <a:t>value2</a:t>
-                      </a:r>
-                    </a:p>
-                  </a:txBody>
-                  <a:tcPr/>
-                </a:tc>
-                <a:tc>
-                  <a:txBody>
-                    <a:bodyPr/>
-                    <a:lstStyle/>
-                    <a:p>
-                      <a:r>
-                        <a:rPr lang="en-US" dirty="0"/>
-                        <a:t>value3</a:t>
-                      </a:r>
-                    </a:p>
-                  </a:txBody>
-                  <a:tcPr/>
-                </a:tc>
-                <a:tc>
-                  <a:txBody>
-                    <a:bodyPr/>
-                    <a:lstStyle/>
-                    <a:p>
-                      <a:endParaRPr lang="en-US" dirty="0"/>
-                    </a:p>
-                  </a:txBody>
-                  <a:tcPr/>
-                </a:tc>
-                <a:tc>
-                  <a:txBody>
-                    <a:bodyPr/>
-                    <a:lstStyle/>
-                    <a:p>
-                      <a:endParaRPr lang="en-US" dirty="0"/>
-                    </a:p>
-                  </a:txBody>
-                  <a:tcPr/>
-                </a:tc>
-                <a:extLst>
-                  <a:ext uri="{0D108BD9-81ED-4DB2-BD59-A6C34878D82A}">
-                    <a16:rowId xmlns:a16="http://schemas.microsoft.com/office/drawing/2014/main" val="3576528922"/>
-                  </a:ext>
-                </a:extLst>
-              </a:tr>
-              <a:tr h="370840">
-                <a:tc>
-                  <a:txBody>
-                    <a:bodyPr/>
-                    <a:lstStyle/>
-                    <a:p>
-                      <a:r>
-                        <a:rPr lang="en-US" dirty="0"/>
-                        <a:t>Peptide 1</a:t>
-                      </a:r>
-                    </a:p>
-                  </a:txBody>
-                  <a:tcPr/>
-                </a:tc>
-                <a:tc>
-                  <a:txBody>
-                    <a:bodyPr/>
-                    <a:lstStyle/>
-                    <a:p>
-                      <a:r>
-                        <a:rPr lang="en-US" dirty="0"/>
-                        <a:t>value4</a:t>
-                      </a:r>
-                    </a:p>
-                  </a:txBody>
-                  <a:tcPr/>
-                </a:tc>
-                <a:tc>
-                  <a:txBody>
-                    <a:bodyPr/>
-                    <a:lstStyle/>
-                    <a:p>
-                      <a:r>
-                        <a:rPr lang="en-US" dirty="0"/>
-                        <a:t>value5</a:t>
-                      </a:r>
-                    </a:p>
-                  </a:txBody>
-                  <a:tcPr/>
-                </a:tc>
-                <a:tc>
-                  <a:txBody>
-                    <a:bodyPr/>
-                    <a:lstStyle/>
-                    <a:p>
-                      <a:r>
-                        <a:rPr lang="en-US" dirty="0"/>
-                        <a:t>value6</a:t>
-                      </a:r>
-                    </a:p>
-                  </a:txBody>
-                  <a:tcPr/>
-                </a:tc>
-                <a:tc>
-                  <a:txBody>
-                    <a:bodyPr/>
-                    <a:lstStyle/>
-                    <a:p>
-                      <a:endParaRPr lang="en-US" dirty="0"/>
-                    </a:p>
-                  </a:txBody>
-                  <a:tcPr/>
-                </a:tc>
-                <a:tc>
-                  <a:txBody>
-                    <a:bodyPr/>
-                    <a:lstStyle/>
-                    <a:p>
-                      <a:endParaRPr lang="en-US" dirty="0"/>
-                    </a:p>
-                  </a:txBody>
-                  <a:tcPr/>
-                </a:tc>
-                <a:extLst>
-                  <a:ext uri="{0D108BD9-81ED-4DB2-BD59-A6C34878D82A}">
-                    <a16:rowId xmlns:a16="http://schemas.microsoft.com/office/drawing/2014/main" val="3717446347"/>
-                  </a:ext>
-                </a:extLst>
-              </a:tr>
-              <a:tr h="370840">
-                <a:tc>
-                  <a:txBody>
-                    <a:bodyPr/>
-                    <a:lstStyle/>
-                    <a:p>
-                      <a:r>
-                        <a:rPr lang="en-US" dirty="0"/>
-                        <a:t>…</a:t>
-                      </a:r>
-                    </a:p>
-                  </a:txBody>
-                  <a:tcPr/>
-                </a:tc>
-                <a:tc>
-                  <a:txBody>
-                    <a:bodyPr/>
-                    <a:lstStyle/>
-                    <a:p>
-                      <a:endParaRPr lang="en-US" dirty="0"/>
-                    </a:p>
-                  </a:txBody>
-                  <a:tcPr/>
-                </a:tc>
-                <a:tc>
-                  <a:txBody>
-                    <a:bodyPr/>
-                    <a:lstStyle/>
-                    <a:p>
-                      <a:endParaRPr lang="en-US"/>
-                    </a:p>
-                  </a:txBody>
-                  <a:tcPr/>
-                </a:tc>
-                <a:tc>
-                  <a:txBody>
-                    <a:bodyPr/>
-                    <a:lstStyle/>
-                    <a:p>
-                      <a:endParaRPr lang="en-US" dirty="0"/>
-                    </a:p>
-                  </a:txBody>
-                  <a:tcPr/>
-                </a:tc>
-                <a:tc>
-                  <a:txBody>
-                    <a:bodyPr/>
-                    <a:lstStyle/>
-                    <a:p>
-                      <a:endParaRPr lang="en-US" dirty="0"/>
-                    </a:p>
-                  </a:txBody>
-                  <a:tcPr/>
-                </a:tc>
-                <a:tc>
-                  <a:txBody>
-                    <a:bodyPr/>
-                    <a:lstStyle/>
-                    <a:p>
-                      <a:endParaRPr lang="en-US" dirty="0"/>
-                    </a:p>
-                  </a:txBody>
-                  <a:tcPr/>
-                </a:tc>
-                <a:extLst>
-                  <a:ext uri="{0D108BD9-81ED-4DB2-BD59-A6C34878D82A}">
-                    <a16:rowId xmlns:a16="http://schemas.microsoft.com/office/drawing/2014/main" val="3214142944"/>
-                  </a:ext>
-                </a:extLst>
-              </a:tr>
-            </a:tbl>
-          </a:graphicData>
-        </a:graphic>
-      </p:graphicFrame>
-      <p:cxnSp>
-        <p:nvCxnSpPr>
-          <p:cNvPr id="5" name="Straight Connector 4">
-            <a:extLst>
-              <a:ext uri="{FF2B5EF4-FFF2-40B4-BE49-F238E27FC236}">
-                <a16:creationId xmlns:a16="http://schemas.microsoft.com/office/drawing/2014/main" id="{8ADBFE5B-647D-C548-B807-1B74DA7FBD06}"/>
-              </a:ext>
-            </a:extLst>
-          </p:cNvPr>
-          <p:cNvCxnSpPr/>
-          <p:nvPr/>
-        </p:nvCxnSpPr>
-        <p:spPr>
-          <a:xfrm flipV="1">
-            <a:off x="361948" y="1143000"/>
-            <a:ext cx="2466977" cy="1099187"/>
-          </a:xfrm>
-          <a:prstGeom prst="line">
-            <a:avLst/>
-          </a:prstGeom>
-          <a:ln>
-            <a:solidFill>
-              <a:schemeClr val="accent3"/>
-            </a:solidFill>
-            <a:prstDash val="lgDash"/>
-          </a:ln>
-        </p:spPr>
-        <p:style>
-          <a:lnRef idx="2">
-            <a:schemeClr val="accent1"/>
-          </a:lnRef>
-          <a:fillRef idx="0">
-            <a:schemeClr val="accent1"/>
-          </a:fillRef>
-          <a:effectRef idx="1">
-            <a:schemeClr val="accent1"/>
-          </a:effectRef>
-          <a:fontRef idx="minor">
-            <a:schemeClr val="tx1"/>
-          </a:fontRef>
-        </p:style>
-      </p:cxnSp>
-      <p:cxnSp>
-        <p:nvCxnSpPr>
-          <p:cNvPr id="19" name="Straight Connector 18">
-            <a:extLst>
-              <a:ext uri="{FF2B5EF4-FFF2-40B4-BE49-F238E27FC236}">
-                <a16:creationId xmlns:a16="http://schemas.microsoft.com/office/drawing/2014/main" id="{9BB6C5E1-C034-0C44-8534-77E0A1EA995F}"/>
-              </a:ext>
-            </a:extLst>
-          </p:cNvPr>
-          <p:cNvCxnSpPr>
-            <a:cxnSpLocks/>
-          </p:cNvCxnSpPr>
-          <p:nvPr/>
-        </p:nvCxnSpPr>
-        <p:spPr>
-          <a:xfrm flipV="1">
-            <a:off x="7953375" y="1692593"/>
-            <a:ext cx="1190625" cy="549595"/>
-          </a:xfrm>
-          <a:prstGeom prst="line">
-            <a:avLst/>
-          </a:prstGeom>
-          <a:ln>
-            <a:solidFill>
-              <a:schemeClr val="accent3"/>
-            </a:solidFill>
-            <a:prstDash val="lgDash"/>
-          </a:ln>
-        </p:spPr>
-        <p:style>
-          <a:lnRef idx="2">
-            <a:schemeClr val="accent1"/>
-          </a:lnRef>
-          <a:fillRef idx="0">
-            <a:schemeClr val="accent1"/>
-          </a:fillRef>
-          <a:effectRef idx="1">
-            <a:schemeClr val="accent1"/>
-          </a:effectRef>
-          <a:fontRef idx="minor">
-            <a:schemeClr val="tx1"/>
-          </a:fontRef>
-        </p:style>
-      </p:cxnSp>
-      <p:sp>
-        <p:nvSpPr>
-          <p:cNvPr id="8" name="TextBox 7">
-            <a:extLst>
-              <a:ext uri="{FF2B5EF4-FFF2-40B4-BE49-F238E27FC236}">
-                <a16:creationId xmlns:a16="http://schemas.microsoft.com/office/drawing/2014/main" id="{DBFCF6F7-30F4-4543-829B-D0833D1A28AF}"/>
-              </a:ext>
-            </a:extLst>
-          </p:cNvPr>
-          <p:cNvSpPr txBox="1"/>
-          <p:nvPr/>
-        </p:nvSpPr>
-        <p:spPr>
-          <a:xfrm>
-            <a:off x="3067048" y="1180565"/>
-            <a:ext cx="5481639" cy="646331"/>
-          </a:xfrm>
-          <a:prstGeom prst="rect">
-            <a:avLst/>
-          </a:prstGeom>
-          <a:noFill/>
-        </p:spPr>
-        <p:txBody>
-          <a:bodyPr wrap="square" rtlCol="0">
-            <a:spAutoFit/>
-          </a:bodyPr>
-          <a:lstStyle/>
-          <a:p>
-            <a:r>
-              <a:rPr lang="en-US" dirty="0"/>
-              <a:t>characteristics[organism]  characteristics[organism part]</a:t>
-            </a:r>
-          </a:p>
-          <a:p>
-            <a:r>
-              <a:rPr lang="en-US" dirty="0"/>
-              <a:t>characteristics[disease]  characteristics[phenotype]</a:t>
-            </a:r>
-          </a:p>
-        </p:txBody>
-      </p:sp>
-    </p:spTree>
-    <p:extLst>
-      <p:ext uri="{BB962C8B-B14F-4D97-AF65-F5344CB8AC3E}">
-        <p14:creationId xmlns:p14="http://schemas.microsoft.com/office/powerpoint/2010/main" val="221142738"/>
-      </p:ext>
-    </p:extLst>
-  </p:cSld>
-  <p:clrMapOvr>
-    <a:masterClrMapping/>
-  </p:clrMapOvr>
-</p:sld>
-</file>
-
-<file path=ppt/slides/slide4.xml><?xml version="1.0" encoding="utf-8"?>
-<p:sld xmlns:a="http://schemas.openxmlformats.org/drawingml/2006/main" xmlns:r="http://schemas.openxmlformats.org/officeDocument/2006/relationships" xmlns:p="http://schemas.openxmlformats.org/presentationml/2006/main">
-  <p:cSld>
-    <p:spTree>
-      <p:nvGrpSpPr>
-        <p:cNvPr id="1" name=""/>
-        <p:cNvGrpSpPr/>
-        <p:nvPr/>
-      </p:nvGrpSpPr>
-      <p:grpSpPr>
-        <a:xfrm>
-          <a:off x="0" y="0"/>
-          <a:ext cx="0" cy="0"/>
-          <a:chOff x="0" y="0"/>
-          <a:chExt cx="0" cy="0"/>
-        </a:xfrm>
-      </p:grpSpPr>
-      <p:sp>
-        <p:nvSpPr>
-          <p:cNvPr id="2" name="Title 1">
-            <a:extLst>
-              <a:ext uri="{FF2B5EF4-FFF2-40B4-BE49-F238E27FC236}">
-                <a16:creationId xmlns:a16="http://schemas.microsoft.com/office/drawing/2014/main" id="{B49C2928-3CCE-1A47-BD8F-D2F683222979}"/>
-              </a:ext>
-            </a:extLst>
-          </p:cNvPr>
-          <p:cNvSpPr>
-            <a:spLocks noGrp="1"/>
-          </p:cNvSpPr>
-          <p:nvPr>
-            <p:ph type="title"/>
-          </p:nvPr>
-        </p:nvSpPr>
-        <p:spPr/>
-        <p:txBody>
-          <a:bodyPr/>
-          <a:lstStyle/>
-          <a:p>
-            <a:r>
-              <a:rPr lang="en-US" dirty="0" err="1"/>
-              <a:t>MSstats</a:t>
-            </a:r>
-            <a:r>
-              <a:rPr lang="en-US" dirty="0"/>
-              <a:t> (Differential expression)</a:t>
-            </a:r>
-          </a:p>
-        </p:txBody>
-      </p:sp>
-      <p:graphicFrame>
-        <p:nvGraphicFramePr>
-          <p:cNvPr id="4" name="Table 4">
-            <a:extLst>
-              <a:ext uri="{FF2B5EF4-FFF2-40B4-BE49-F238E27FC236}">
-                <a16:creationId xmlns:a16="http://schemas.microsoft.com/office/drawing/2014/main" id="{A78172DF-8474-DE4F-AE74-47E190715434}"/>
-              </a:ext>
-            </a:extLst>
-          </p:cNvPr>
-          <p:cNvGraphicFramePr>
-            <a:graphicFrameLocks noGrp="1"/>
-          </p:cNvGraphicFramePr>
-          <p:nvPr>
-            <p:extLst>
-              <p:ext uri="{D42A27DB-BD31-4B8C-83A1-F6EECF244321}">
-                <p14:modId xmlns:p14="http://schemas.microsoft.com/office/powerpoint/2010/main" val="321253612"/>
-              </p:ext>
-            </p:extLst>
-          </p:nvPr>
-        </p:nvGraphicFramePr>
-        <p:xfrm>
-          <a:off x="676273" y="1676400"/>
-          <a:ext cx="8010527" cy="2026920"/>
-        </p:xfrm>
-        <a:graphic>
-          <a:graphicData uri="http://schemas.openxmlformats.org/drawingml/2006/table">
-            <a:tbl>
-              <a:tblPr firstRow="1" bandRow="1">
-                <a:tableStyleId>{F5AB1C69-6EDB-4FF4-983F-18BD219EF322}</a:tableStyleId>
-              </a:tblPr>
-              <a:tblGrid>
-                <a:gridCol w="1143541">
-                  <a:extLst>
-                    <a:ext uri="{9D8B030D-6E8A-4147-A177-3AD203B41FA5}">
-                      <a16:colId xmlns:a16="http://schemas.microsoft.com/office/drawing/2014/main" val="3638172410"/>
-                    </a:ext>
-                  </a:extLst>
-                </a:gridCol>
-                <a:gridCol w="986075">
-                  <a:extLst>
-                    <a:ext uri="{9D8B030D-6E8A-4147-A177-3AD203B41FA5}">
-                      <a16:colId xmlns:a16="http://schemas.microsoft.com/office/drawing/2014/main" val="1184124969"/>
-                    </a:ext>
-                  </a:extLst>
-                </a:gridCol>
-                <a:gridCol w="960041">
-                  <a:extLst>
-                    <a:ext uri="{9D8B030D-6E8A-4147-A177-3AD203B41FA5}">
-                      <a16:colId xmlns:a16="http://schemas.microsoft.com/office/drawing/2014/main" val="1898539357"/>
-                    </a:ext>
-                  </a:extLst>
-                </a:gridCol>
-                <a:gridCol w="1188937">
-                  <a:extLst>
-                    <a:ext uri="{9D8B030D-6E8A-4147-A177-3AD203B41FA5}">
-                      <a16:colId xmlns:a16="http://schemas.microsoft.com/office/drawing/2014/main" val="57096861"/>
-                    </a:ext>
-                  </a:extLst>
-                </a:gridCol>
-                <a:gridCol w="1433371">
-                  <a:extLst>
-                    <a:ext uri="{9D8B030D-6E8A-4147-A177-3AD203B41FA5}">
-                      <a16:colId xmlns:a16="http://schemas.microsoft.com/office/drawing/2014/main" val="347314198"/>
-                    </a:ext>
-                  </a:extLst>
-                </a:gridCol>
-                <a:gridCol w="1149281">
-                  <a:extLst>
-                    <a:ext uri="{9D8B030D-6E8A-4147-A177-3AD203B41FA5}">
-                      <a16:colId xmlns:a16="http://schemas.microsoft.com/office/drawing/2014/main" val="1154465589"/>
-                    </a:ext>
-                  </a:extLst>
-                </a:gridCol>
-                <a:gridCol w="1149281">
-                  <a:extLst>
-                    <a:ext uri="{9D8B030D-6E8A-4147-A177-3AD203B41FA5}">
-                      <a16:colId xmlns:a16="http://schemas.microsoft.com/office/drawing/2014/main" val="2256422471"/>
-                    </a:ext>
-                  </a:extLst>
-                </a:gridCol>
-              </a:tblGrid>
-              <a:tr h="204153">
-                <a:tc>
-                  <a:txBody>
-                    <a:bodyPr/>
-                    <a:lstStyle/>
-                    <a:p>
-                      <a:endParaRPr lang="en-US" dirty="0"/>
-                    </a:p>
-                  </a:txBody>
-                  <a:tcPr/>
-                </a:tc>
-                <a:tc>
-                  <a:txBody>
-                    <a:bodyPr/>
-                    <a:lstStyle/>
-                    <a:p>
-                      <a:r>
-                        <a:rPr lang="en-US" dirty="0"/>
-                        <a:t>Sample 1</a:t>
-                      </a:r>
-                    </a:p>
-                  </a:txBody>
-                  <a:tcPr/>
-                </a:tc>
-                <a:tc>
-                  <a:txBody>
-                    <a:bodyPr/>
-                    <a:lstStyle/>
-                    <a:p>
-                      <a:r>
-                        <a:rPr lang="en-US" dirty="0"/>
-                        <a:t>Sample 2</a:t>
-                      </a:r>
-                    </a:p>
-                  </a:txBody>
-                  <a:tcPr/>
-                </a:tc>
-                <a:tc>
-                  <a:txBody>
-                    <a:bodyPr/>
-                    <a:lstStyle/>
-                    <a:p>
-                      <a:r>
-                        <a:rPr lang="en-US" dirty="0"/>
-                        <a:t>Sample 3</a:t>
-                      </a:r>
-                    </a:p>
-                  </a:txBody>
-                  <a:tcPr/>
-                </a:tc>
-                <a:tc>
-                  <a:txBody>
-                    <a:bodyPr/>
-                    <a:lstStyle/>
-                    <a:p>
-                      <a:r>
-                        <a:rPr lang="en-US" dirty="0"/>
-                        <a:t>biological replicate</a:t>
-                      </a:r>
-                    </a:p>
-                  </a:txBody>
-                  <a:tcPr/>
-                </a:tc>
-                <a:tc>
-                  <a:txBody>
-                    <a:bodyPr/>
-                    <a:lstStyle/>
-                    <a:p>
-                      <a:pPr marL="0" marR="0" lvl="0" indent="0" algn="l" defTabSz="457200" rtl="0" eaLnBrk="1" fontAlgn="auto" latinLnBrk="0" hangingPunct="1">
-                        <a:lnSpc>
-                          <a:spcPct val="100000"/>
-                        </a:lnSpc>
-                        <a:spcBef>
-                          <a:spcPts val="0"/>
-                        </a:spcBef>
-                        <a:spcAft>
-                          <a:spcPts val="0"/>
-                        </a:spcAft>
-                        <a:buClrTx/>
-                        <a:buSzTx/>
-                        <a:buFontTx/>
-                        <a:buNone/>
-                        <a:tabLst/>
-                        <a:defRPr/>
-                      </a:pPr>
-                      <a:r>
-                        <a:rPr lang="en-US" dirty="0"/>
-                        <a:t>technical replicate</a:t>
-                      </a:r>
-                    </a:p>
-                    <a:p>
-                      <a:endParaRPr lang="en-US" dirty="0"/>
-                    </a:p>
-                  </a:txBody>
-                  <a:tcPr/>
-                </a:tc>
-                <a:tc>
-                  <a:txBody>
-                    <a:bodyPr/>
-                    <a:lstStyle/>
-                    <a:p>
-                      <a:r>
-                        <a:rPr lang="en-US" dirty="0"/>
-                        <a:t>Condition</a:t>
-                      </a:r>
-                    </a:p>
-                  </a:txBody>
-                  <a:tcPr/>
-                </a:tc>
-                <a:extLst>
-                  <a:ext uri="{0D108BD9-81ED-4DB2-BD59-A6C34878D82A}">
-                    <a16:rowId xmlns:a16="http://schemas.microsoft.com/office/drawing/2014/main" val="3870243517"/>
-                  </a:ext>
-                </a:extLst>
-              </a:tr>
-              <a:tr h="370840">
-                <a:tc>
-                  <a:txBody>
-                    <a:bodyPr/>
-                    <a:lstStyle/>
-                    <a:p>
-                      <a:r>
-                        <a:rPr lang="en-US" dirty="0"/>
-                        <a:t>Protein 1</a:t>
-                      </a:r>
-                    </a:p>
-                  </a:txBody>
-                  <a:tcPr/>
-                </a:tc>
-                <a:tc>
-                  <a:txBody>
-                    <a:bodyPr/>
-                    <a:lstStyle/>
-                    <a:p>
-                      <a:r>
-                        <a:rPr lang="en-US" dirty="0"/>
-                        <a:t>value1</a:t>
-                      </a:r>
-                    </a:p>
-                  </a:txBody>
-                  <a:tcPr/>
-                </a:tc>
-                <a:tc>
-                  <a:txBody>
-                    <a:bodyPr/>
-                    <a:lstStyle/>
-                    <a:p>
-                      <a:r>
-                        <a:rPr lang="en-US" dirty="0"/>
-                        <a:t>value2</a:t>
-                      </a:r>
-                    </a:p>
-                  </a:txBody>
-                  <a:tcPr/>
-                </a:tc>
-                <a:tc>
-                  <a:txBody>
-                    <a:bodyPr/>
-                    <a:lstStyle/>
-                    <a:p>
-                      <a:r>
-                        <a:rPr lang="en-US" dirty="0"/>
-                        <a:t>value3</a:t>
-                      </a:r>
-                    </a:p>
-                  </a:txBody>
-                  <a:tcPr/>
-                </a:tc>
-                <a:tc>
-                  <a:txBody>
-                    <a:bodyPr/>
-                    <a:lstStyle/>
-                    <a:p>
-                      <a:endParaRPr lang="en-US" dirty="0"/>
-                    </a:p>
-                  </a:txBody>
-                  <a:tcPr/>
-                </a:tc>
-                <a:tc>
-                  <a:txBody>
-                    <a:bodyPr/>
-                    <a:lstStyle/>
-                    <a:p>
-                      <a:endParaRPr lang="en-US" dirty="0"/>
-                    </a:p>
-                  </a:txBody>
-                  <a:tcPr/>
-                </a:tc>
-                <a:tc>
-                  <a:txBody>
-                    <a:bodyPr/>
-                    <a:lstStyle/>
-                    <a:p>
-                      <a:endParaRPr lang="en-US" dirty="0"/>
-                    </a:p>
-                  </a:txBody>
-                  <a:tcPr/>
-                </a:tc>
-                <a:extLst>
-                  <a:ext uri="{0D108BD9-81ED-4DB2-BD59-A6C34878D82A}">
-                    <a16:rowId xmlns:a16="http://schemas.microsoft.com/office/drawing/2014/main" val="3576528922"/>
-                  </a:ext>
-                </a:extLst>
-              </a:tr>
-              <a:tr h="370840">
-                <a:tc>
-                  <a:txBody>
-                    <a:bodyPr/>
-                    <a:lstStyle/>
-                    <a:p>
-                      <a:r>
-                        <a:rPr lang="en-US" dirty="0"/>
-                        <a:t>Protein 2</a:t>
-                      </a:r>
-                    </a:p>
-                  </a:txBody>
-                  <a:tcPr/>
-                </a:tc>
-                <a:tc>
-                  <a:txBody>
-                    <a:bodyPr/>
-                    <a:lstStyle/>
-                    <a:p>
-                      <a:r>
-                        <a:rPr lang="en-US" dirty="0"/>
-                        <a:t>value4</a:t>
-                      </a:r>
-                    </a:p>
-                  </a:txBody>
-                  <a:tcPr/>
-                </a:tc>
-                <a:tc>
-                  <a:txBody>
-                    <a:bodyPr/>
-                    <a:lstStyle/>
-                    <a:p>
-                      <a:r>
-                        <a:rPr lang="en-US" dirty="0"/>
-                        <a:t>value5</a:t>
-                      </a:r>
-                    </a:p>
-                  </a:txBody>
-                  <a:tcPr/>
-                </a:tc>
-                <a:tc>
-                  <a:txBody>
-                    <a:bodyPr/>
-                    <a:lstStyle/>
-                    <a:p>
-                      <a:r>
-                        <a:rPr lang="en-US" dirty="0"/>
-                        <a:t>value6</a:t>
-                      </a:r>
-                    </a:p>
-                  </a:txBody>
-                  <a:tcPr/>
-                </a:tc>
-                <a:tc>
-                  <a:txBody>
-                    <a:bodyPr/>
-                    <a:lstStyle/>
-                    <a:p>
-                      <a:endParaRPr lang="en-US" dirty="0"/>
-                    </a:p>
-                  </a:txBody>
-                  <a:tcPr/>
-                </a:tc>
-                <a:tc>
-                  <a:txBody>
-                    <a:bodyPr/>
-                    <a:lstStyle/>
-                    <a:p>
-                      <a:endParaRPr lang="en-US" dirty="0"/>
-                    </a:p>
-                  </a:txBody>
-                  <a:tcPr/>
-                </a:tc>
-                <a:tc>
-                  <a:txBody>
-                    <a:bodyPr/>
-                    <a:lstStyle/>
-                    <a:p>
-                      <a:endParaRPr lang="en-US" dirty="0"/>
-                    </a:p>
-                  </a:txBody>
-                  <a:tcPr/>
-                </a:tc>
-                <a:extLst>
-                  <a:ext uri="{0D108BD9-81ED-4DB2-BD59-A6C34878D82A}">
-                    <a16:rowId xmlns:a16="http://schemas.microsoft.com/office/drawing/2014/main" val="3717446347"/>
-                  </a:ext>
-                </a:extLst>
-              </a:tr>
-              <a:tr h="370840">
-                <a:tc>
-                  <a:txBody>
-                    <a:bodyPr/>
-                    <a:lstStyle/>
-                    <a:p>
-                      <a:r>
-                        <a:rPr lang="en-US" dirty="0"/>
-                        <a:t>…</a:t>
-                      </a:r>
-                    </a:p>
-                  </a:txBody>
-                  <a:tcPr/>
-                </a:tc>
-                <a:tc>
-                  <a:txBody>
-                    <a:bodyPr/>
-                    <a:lstStyle/>
-                    <a:p>
-                      <a:endParaRPr lang="en-US" dirty="0"/>
-                    </a:p>
-                  </a:txBody>
-                  <a:tcPr/>
-                </a:tc>
-                <a:tc>
-                  <a:txBody>
-                    <a:bodyPr/>
-                    <a:lstStyle/>
-                    <a:p>
-                      <a:endParaRPr lang="en-US" dirty="0"/>
-                    </a:p>
-                  </a:txBody>
-                  <a:tcPr/>
-                </a:tc>
-                <a:tc>
-                  <a:txBody>
-                    <a:bodyPr/>
-                    <a:lstStyle/>
-                    <a:p>
-                      <a:endParaRPr lang="en-US" dirty="0"/>
-                    </a:p>
-                  </a:txBody>
-                  <a:tcPr/>
-                </a:tc>
-                <a:tc>
-                  <a:txBody>
-                    <a:bodyPr/>
-                    <a:lstStyle/>
-                    <a:p>
-                      <a:endParaRPr lang="en-US" dirty="0"/>
-                    </a:p>
-                  </a:txBody>
-                  <a:tcPr/>
-                </a:tc>
-                <a:tc>
-                  <a:txBody>
-                    <a:bodyPr/>
-                    <a:lstStyle/>
-                    <a:p>
-                      <a:endParaRPr lang="en-US" dirty="0"/>
-                    </a:p>
-                  </a:txBody>
-                  <a:tcPr/>
-                </a:tc>
-                <a:tc>
-                  <a:txBody>
-                    <a:bodyPr/>
-                    <a:lstStyle/>
-                    <a:p>
-                      <a:endParaRPr lang="en-US" dirty="0"/>
-                    </a:p>
-                  </a:txBody>
-                  <a:tcPr/>
-                </a:tc>
-                <a:extLst>
-                  <a:ext uri="{0D108BD9-81ED-4DB2-BD59-A6C34878D82A}">
-                    <a16:rowId xmlns:a16="http://schemas.microsoft.com/office/drawing/2014/main" val="3214142944"/>
-                  </a:ext>
-                </a:extLst>
-              </a:tr>
-            </a:tbl>
-          </a:graphicData>
-        </a:graphic>
-      </p:graphicFrame>
-      <p:sp>
-        <p:nvSpPr>
-          <p:cNvPr id="5" name="Rectangle 4">
-            <a:extLst>
-              <a:ext uri="{FF2B5EF4-FFF2-40B4-BE49-F238E27FC236}">
-                <a16:creationId xmlns:a16="http://schemas.microsoft.com/office/drawing/2014/main" id="{696ED629-4838-8141-BEA8-85E01D0C8296}"/>
-              </a:ext>
-            </a:extLst>
-          </p:cNvPr>
-          <p:cNvSpPr/>
-          <p:nvPr/>
-        </p:nvSpPr>
-        <p:spPr>
-          <a:xfrm>
-            <a:off x="3888580" y="3939221"/>
-            <a:ext cx="1585912" cy="757238"/>
-          </a:xfrm>
-          <a:prstGeom prst="rect">
-            <a:avLst/>
-          </a:prstGeom>
-          <a:noFill/>
-          <a:ln>
-            <a:prstDash val="lgDash"/>
-          </a:ln>
-        </p:spPr>
-        <p:style>
-          <a:lnRef idx="1">
-            <a:schemeClr val="accent1"/>
-          </a:lnRef>
-          <a:fillRef idx="3">
-            <a:schemeClr val="accent1"/>
-          </a:fillRef>
-          <a:effectRef idx="2">
-            <a:schemeClr val="accent1"/>
-          </a:effectRef>
-          <a:fontRef idx="minor">
-            <a:schemeClr val="lt1"/>
-          </a:fontRef>
-        </p:style>
-        <p:txBody>
-          <a:bodyPr rtlCol="0" anchor="ctr"/>
-          <a:lstStyle/>
-          <a:p>
-            <a:pPr algn="ctr"/>
-            <a:r>
-              <a:rPr lang="en-US" sz="3200" dirty="0" err="1">
-                <a:solidFill>
-                  <a:schemeClr val="tx1"/>
-                </a:solidFill>
-              </a:rPr>
-              <a:t>MSsTats</a:t>
-            </a:r>
-            <a:endParaRPr lang="en-US" sz="3200" dirty="0">
-              <a:solidFill>
-                <a:schemeClr val="tx1"/>
-              </a:solidFill>
-            </a:endParaRPr>
-          </a:p>
-        </p:txBody>
-      </p:sp>
-      <p:graphicFrame>
-        <p:nvGraphicFramePr>
-          <p:cNvPr id="6" name="Table 4">
-            <a:extLst>
-              <a:ext uri="{FF2B5EF4-FFF2-40B4-BE49-F238E27FC236}">
-                <a16:creationId xmlns:a16="http://schemas.microsoft.com/office/drawing/2014/main" id="{C9E3C17E-7DB2-0E49-8F10-DDA04A01C500}"/>
-              </a:ext>
-            </a:extLst>
-          </p:cNvPr>
-          <p:cNvGraphicFramePr>
-            <a:graphicFrameLocks noGrp="1"/>
-          </p:cNvGraphicFramePr>
-          <p:nvPr>
-            <p:extLst>
-              <p:ext uri="{D42A27DB-BD31-4B8C-83A1-F6EECF244321}">
-                <p14:modId xmlns:p14="http://schemas.microsoft.com/office/powerpoint/2010/main" val="291966069"/>
-              </p:ext>
-            </p:extLst>
-          </p:nvPr>
-        </p:nvGraphicFramePr>
-        <p:xfrm>
-          <a:off x="1433511" y="4946649"/>
-          <a:ext cx="6276977" cy="1478280"/>
-        </p:xfrm>
-        <a:graphic>
-          <a:graphicData uri="http://schemas.openxmlformats.org/drawingml/2006/table">
-            <a:tbl>
-              <a:tblPr firstRow="1" bandRow="1">
-                <a:tableStyleId>{F5AB1C69-6EDB-4FF4-983F-18BD219EF322}</a:tableStyleId>
-              </a:tblPr>
-              <a:tblGrid>
-                <a:gridCol w="3370552">
-                  <a:extLst>
-                    <a:ext uri="{9D8B030D-6E8A-4147-A177-3AD203B41FA5}">
-                      <a16:colId xmlns:a16="http://schemas.microsoft.com/office/drawing/2014/main" val="3638172410"/>
-                    </a:ext>
-                  </a:extLst>
-                </a:gridCol>
-                <a:gridCol w="2906425">
-                  <a:extLst>
-                    <a:ext uri="{9D8B030D-6E8A-4147-A177-3AD203B41FA5}">
-                      <a16:colId xmlns:a16="http://schemas.microsoft.com/office/drawing/2014/main" val="1184124969"/>
-                    </a:ext>
-                  </a:extLst>
-                </a:gridCol>
-              </a:tblGrid>
-              <a:tr h="204153">
-                <a:tc>
-                  <a:txBody>
-                    <a:bodyPr/>
-                    <a:lstStyle/>
-                    <a:p>
-                      <a:endParaRPr lang="en-US" dirty="0"/>
-                    </a:p>
-                  </a:txBody>
-                  <a:tcPr/>
-                </a:tc>
-                <a:tc>
-                  <a:txBody>
-                    <a:bodyPr/>
-                    <a:lstStyle/>
-                    <a:p>
-                      <a:r>
-                        <a:rPr lang="en-US" dirty="0"/>
-                        <a:t>condition 1 vs </a:t>
-                      </a:r>
-                      <a:r>
-                        <a:rPr lang="en-US" dirty="0" err="1"/>
-                        <a:t>doncdition</a:t>
-                      </a:r>
-                      <a:r>
-                        <a:rPr lang="en-US" dirty="0"/>
-                        <a:t> 2</a:t>
-                      </a:r>
-                    </a:p>
-                  </a:txBody>
-                  <a:tcPr/>
-                </a:tc>
-                <a:extLst>
-                  <a:ext uri="{0D108BD9-81ED-4DB2-BD59-A6C34878D82A}">
-                    <a16:rowId xmlns:a16="http://schemas.microsoft.com/office/drawing/2014/main" val="3870243517"/>
-                  </a:ext>
-                </a:extLst>
-              </a:tr>
-              <a:tr h="370840">
-                <a:tc>
-                  <a:txBody>
-                    <a:bodyPr/>
-                    <a:lstStyle/>
-                    <a:p>
-                      <a:r>
-                        <a:rPr lang="en-US" dirty="0"/>
-                        <a:t>Protein 1</a:t>
-                      </a:r>
-                    </a:p>
-                  </a:txBody>
-                  <a:tcPr/>
-                </a:tc>
-                <a:tc>
-                  <a:txBody>
-                    <a:bodyPr/>
-                    <a:lstStyle/>
-                    <a:p>
-                      <a:r>
-                        <a:rPr lang="en-US" dirty="0"/>
-                        <a:t>value1</a:t>
-                      </a:r>
-                    </a:p>
-                  </a:txBody>
-                  <a:tcPr/>
-                </a:tc>
-                <a:extLst>
-                  <a:ext uri="{0D108BD9-81ED-4DB2-BD59-A6C34878D82A}">
-                    <a16:rowId xmlns:a16="http://schemas.microsoft.com/office/drawing/2014/main" val="3576528922"/>
-                  </a:ext>
-                </a:extLst>
-              </a:tr>
-              <a:tr h="370840">
-                <a:tc>
-                  <a:txBody>
-                    <a:bodyPr/>
-                    <a:lstStyle/>
-                    <a:p>
-                      <a:r>
-                        <a:rPr lang="en-US" dirty="0"/>
-                        <a:t>Protein 2</a:t>
-                      </a:r>
-                    </a:p>
-                  </a:txBody>
-                  <a:tcPr/>
-                </a:tc>
-                <a:tc>
-                  <a:txBody>
-                    <a:bodyPr/>
-                    <a:lstStyle/>
-                    <a:p>
-                      <a:r>
-                        <a:rPr lang="en-US" dirty="0"/>
-                        <a:t>value4</a:t>
-                      </a:r>
-                    </a:p>
-                  </a:txBody>
-                  <a:tcPr/>
-                </a:tc>
-                <a:extLst>
-                  <a:ext uri="{0D108BD9-81ED-4DB2-BD59-A6C34878D82A}">
-                    <a16:rowId xmlns:a16="http://schemas.microsoft.com/office/drawing/2014/main" val="3717446347"/>
-                  </a:ext>
-                </a:extLst>
-              </a:tr>
-              <a:tr h="370840">
-                <a:tc>
-                  <a:txBody>
-                    <a:bodyPr/>
-                    <a:lstStyle/>
-                    <a:p>
-                      <a:r>
-                        <a:rPr lang="en-US" dirty="0"/>
-                        <a:t>…</a:t>
-                      </a:r>
-                    </a:p>
-                  </a:txBody>
-                  <a:tcPr/>
-                </a:tc>
-                <a:tc>
-                  <a:txBody>
-                    <a:bodyPr/>
-                    <a:lstStyle/>
-                    <a:p>
-                      <a:endParaRPr lang="en-US" dirty="0"/>
-                    </a:p>
-                  </a:txBody>
-                  <a:tcPr/>
-                </a:tc>
-                <a:extLst>
-                  <a:ext uri="{0D108BD9-81ED-4DB2-BD59-A6C34878D82A}">
-                    <a16:rowId xmlns:a16="http://schemas.microsoft.com/office/drawing/2014/main" val="3214142944"/>
-                  </a:ext>
-                </a:extLst>
-              </a:tr>
-            </a:tbl>
-          </a:graphicData>
-        </a:graphic>
-      </p:graphicFrame>
-    </p:spTree>
-    <p:extLst>
-      <p:ext uri="{BB962C8B-B14F-4D97-AF65-F5344CB8AC3E}">
-        <p14:creationId xmlns:p14="http://schemas.microsoft.com/office/powerpoint/2010/main" val="1614591921"/>
-      </p:ext>
-    </p:extLst>
-  </p:cSld>
-  <p:clrMapOvr>
-    <a:masterClrMapping/>
-  </p:clrMapOvr>
-</p:sld>
-</file>
-
-<file path=ppt/slides/slide5.xml><?xml version="1.0" encoding="utf-8"?>
-<p:sld xmlns:a="http://schemas.openxmlformats.org/drawingml/2006/main" xmlns:r="http://schemas.openxmlformats.org/officeDocument/2006/relationships" xmlns:p="http://schemas.openxmlformats.org/presentationml/2006/main">
-  <p:cSld>
-    <p:spTree>
-      <p:nvGrpSpPr>
-        <p:cNvPr id="1" name=""/>
-        <p:cNvGrpSpPr/>
-        <p:nvPr/>
-      </p:nvGrpSpPr>
-      <p:grpSpPr>
-        <a:xfrm>
-          <a:off x="0" y="0"/>
-          <a:ext cx="0" cy="0"/>
-          <a:chOff x="0" y="0"/>
-          <a:chExt cx="0" cy="0"/>
-        </a:xfrm>
-      </p:grpSpPr>
-      <p:sp>
-        <p:nvSpPr>
-          <p:cNvPr id="2" name="Title 1">
-            <a:extLst>
-              <a:ext uri="{FF2B5EF4-FFF2-40B4-BE49-F238E27FC236}">
-                <a16:creationId xmlns:a16="http://schemas.microsoft.com/office/drawing/2014/main" id="{B49C2928-3CCE-1A47-BD8F-D2F683222979}"/>
-              </a:ext>
-            </a:extLst>
-          </p:cNvPr>
-          <p:cNvSpPr>
-            <a:spLocks noGrp="1"/>
-          </p:cNvSpPr>
-          <p:nvPr>
-            <p:ph type="title"/>
-          </p:nvPr>
-        </p:nvSpPr>
-        <p:spPr/>
-        <p:txBody>
-          <a:bodyPr/>
-          <a:lstStyle/>
-          <a:p>
-            <a:r>
-              <a:rPr lang="en-US" dirty="0" err="1"/>
-              <a:t>MSstats</a:t>
-            </a:r>
-            <a:r>
-              <a:rPr lang="en-US" dirty="0"/>
-              <a:t> (absolute quant)</a:t>
-            </a:r>
-          </a:p>
-        </p:txBody>
-      </p:sp>
-      <p:graphicFrame>
-        <p:nvGraphicFramePr>
-          <p:cNvPr id="4" name="Table 4">
-            <a:extLst>
-              <a:ext uri="{FF2B5EF4-FFF2-40B4-BE49-F238E27FC236}">
-                <a16:creationId xmlns:a16="http://schemas.microsoft.com/office/drawing/2014/main" id="{A78172DF-8474-DE4F-AE74-47E190715434}"/>
-              </a:ext>
-            </a:extLst>
-          </p:cNvPr>
-          <p:cNvGraphicFramePr>
-            <a:graphicFrameLocks noGrp="1"/>
-          </p:cNvGraphicFramePr>
-          <p:nvPr/>
-        </p:nvGraphicFramePr>
-        <p:xfrm>
-          <a:off x="676273" y="1676400"/>
-          <a:ext cx="8010527" cy="2026920"/>
-        </p:xfrm>
-        <a:graphic>
-          <a:graphicData uri="http://schemas.openxmlformats.org/drawingml/2006/table">
-            <a:tbl>
-              <a:tblPr firstRow="1" bandRow="1">
-                <a:tableStyleId>{F5AB1C69-6EDB-4FF4-983F-18BD219EF322}</a:tableStyleId>
-              </a:tblPr>
-              <a:tblGrid>
-                <a:gridCol w="1143541">
-                  <a:extLst>
-                    <a:ext uri="{9D8B030D-6E8A-4147-A177-3AD203B41FA5}">
-                      <a16:colId xmlns:a16="http://schemas.microsoft.com/office/drawing/2014/main" val="3638172410"/>
-                    </a:ext>
-                  </a:extLst>
-                </a:gridCol>
-                <a:gridCol w="986075">
-                  <a:extLst>
-                    <a:ext uri="{9D8B030D-6E8A-4147-A177-3AD203B41FA5}">
-                      <a16:colId xmlns:a16="http://schemas.microsoft.com/office/drawing/2014/main" val="1184124969"/>
-                    </a:ext>
-                  </a:extLst>
-                </a:gridCol>
-                <a:gridCol w="960041">
-                  <a:extLst>
-                    <a:ext uri="{9D8B030D-6E8A-4147-A177-3AD203B41FA5}">
-                      <a16:colId xmlns:a16="http://schemas.microsoft.com/office/drawing/2014/main" val="1898539357"/>
-                    </a:ext>
-                  </a:extLst>
-                </a:gridCol>
-                <a:gridCol w="1188937">
-                  <a:extLst>
-                    <a:ext uri="{9D8B030D-6E8A-4147-A177-3AD203B41FA5}">
-                      <a16:colId xmlns:a16="http://schemas.microsoft.com/office/drawing/2014/main" val="57096861"/>
-                    </a:ext>
-                  </a:extLst>
-                </a:gridCol>
-                <a:gridCol w="1433371">
-                  <a:extLst>
-                    <a:ext uri="{9D8B030D-6E8A-4147-A177-3AD203B41FA5}">
-                      <a16:colId xmlns:a16="http://schemas.microsoft.com/office/drawing/2014/main" val="347314198"/>
-                    </a:ext>
-                  </a:extLst>
-                </a:gridCol>
-                <a:gridCol w="1149281">
-                  <a:extLst>
-                    <a:ext uri="{9D8B030D-6E8A-4147-A177-3AD203B41FA5}">
-                      <a16:colId xmlns:a16="http://schemas.microsoft.com/office/drawing/2014/main" val="1154465589"/>
-                    </a:ext>
-                  </a:extLst>
-                </a:gridCol>
-                <a:gridCol w="1149281">
-                  <a:extLst>
-                    <a:ext uri="{9D8B030D-6E8A-4147-A177-3AD203B41FA5}">
-                      <a16:colId xmlns:a16="http://schemas.microsoft.com/office/drawing/2014/main" val="2256422471"/>
-                    </a:ext>
-                  </a:extLst>
-                </a:gridCol>
-              </a:tblGrid>
-              <a:tr h="204153">
-                <a:tc>
-                  <a:txBody>
-                    <a:bodyPr/>
-                    <a:lstStyle/>
-                    <a:p>
-                      <a:endParaRPr lang="en-US" dirty="0"/>
-                    </a:p>
-                  </a:txBody>
-                  <a:tcPr/>
-                </a:tc>
-                <a:tc>
-                  <a:txBody>
-                    <a:bodyPr/>
-                    <a:lstStyle/>
-                    <a:p>
-                      <a:r>
-                        <a:rPr lang="en-US" dirty="0"/>
-                        <a:t>Sample 1</a:t>
-                      </a:r>
-                    </a:p>
-                  </a:txBody>
-                  <a:tcPr/>
-                </a:tc>
-                <a:tc>
-                  <a:txBody>
-                    <a:bodyPr/>
-                    <a:lstStyle/>
-                    <a:p>
-                      <a:r>
-                        <a:rPr lang="en-US" dirty="0"/>
-                        <a:t>Sample 2</a:t>
-                      </a:r>
-                    </a:p>
-                  </a:txBody>
-                  <a:tcPr/>
-                </a:tc>
-                <a:tc>
-                  <a:txBody>
-                    <a:bodyPr/>
-                    <a:lstStyle/>
-                    <a:p>
-                      <a:r>
-                        <a:rPr lang="en-US" dirty="0"/>
-                        <a:t>Sample 3</a:t>
-                      </a:r>
-                    </a:p>
-                  </a:txBody>
-                  <a:tcPr/>
-                </a:tc>
-                <a:tc>
-                  <a:txBody>
-                    <a:bodyPr/>
-                    <a:lstStyle/>
-                    <a:p>
-                      <a:r>
-                        <a:rPr lang="en-US" dirty="0"/>
-                        <a:t>biological replicate</a:t>
-                      </a:r>
-                    </a:p>
-                  </a:txBody>
-                  <a:tcPr/>
-                </a:tc>
-                <a:tc>
-                  <a:txBody>
-                    <a:bodyPr/>
-                    <a:lstStyle/>
-                    <a:p>
-                      <a:pPr marL="0" marR="0" lvl="0" indent="0" algn="l" defTabSz="457200" rtl="0" eaLnBrk="1" fontAlgn="auto" latinLnBrk="0" hangingPunct="1">
-                        <a:lnSpc>
-                          <a:spcPct val="100000"/>
-                        </a:lnSpc>
-                        <a:spcBef>
-                          <a:spcPts val="0"/>
-                        </a:spcBef>
-                        <a:spcAft>
-                          <a:spcPts val="0"/>
-                        </a:spcAft>
-                        <a:buClrTx/>
-                        <a:buSzTx/>
-                        <a:buFontTx/>
-                        <a:buNone/>
-                        <a:tabLst/>
-                        <a:defRPr/>
-                      </a:pPr>
-                      <a:r>
-                        <a:rPr lang="en-US" dirty="0"/>
-                        <a:t>technical replicate</a:t>
-                      </a:r>
-                    </a:p>
-                    <a:p>
-                      <a:endParaRPr lang="en-US" dirty="0"/>
-                    </a:p>
-                  </a:txBody>
-                  <a:tcPr/>
-                </a:tc>
-                <a:tc>
-                  <a:txBody>
-                    <a:bodyPr/>
-                    <a:lstStyle/>
-                    <a:p>
-                      <a:r>
-                        <a:rPr lang="en-US" dirty="0"/>
-                        <a:t>Condition</a:t>
-                      </a:r>
-                    </a:p>
-                  </a:txBody>
-                  <a:tcPr/>
-                </a:tc>
-                <a:extLst>
-                  <a:ext uri="{0D108BD9-81ED-4DB2-BD59-A6C34878D82A}">
-                    <a16:rowId xmlns:a16="http://schemas.microsoft.com/office/drawing/2014/main" val="3870243517"/>
-                  </a:ext>
-                </a:extLst>
-              </a:tr>
-              <a:tr h="370840">
-                <a:tc>
-                  <a:txBody>
-                    <a:bodyPr/>
-                    <a:lstStyle/>
-                    <a:p>
-                      <a:r>
-                        <a:rPr lang="en-US" dirty="0"/>
-                        <a:t>Protein 1</a:t>
-                      </a:r>
-                    </a:p>
-                  </a:txBody>
-                  <a:tcPr/>
-                </a:tc>
-                <a:tc>
-                  <a:txBody>
-                    <a:bodyPr/>
-                    <a:lstStyle/>
-                    <a:p>
-                      <a:r>
-                        <a:rPr lang="en-US" dirty="0"/>
-                        <a:t>value1</a:t>
-                      </a:r>
-                    </a:p>
-                  </a:txBody>
-                  <a:tcPr/>
-                </a:tc>
-                <a:tc>
-                  <a:txBody>
-                    <a:bodyPr/>
-                    <a:lstStyle/>
-                    <a:p>
-                      <a:r>
-                        <a:rPr lang="en-US" dirty="0"/>
-                        <a:t>value2</a:t>
-                      </a:r>
-                    </a:p>
-                  </a:txBody>
-                  <a:tcPr/>
-                </a:tc>
-                <a:tc>
-                  <a:txBody>
-                    <a:bodyPr/>
-                    <a:lstStyle/>
-                    <a:p>
-                      <a:r>
-                        <a:rPr lang="en-US" dirty="0"/>
-                        <a:t>value3</a:t>
-                      </a:r>
-                    </a:p>
-                  </a:txBody>
-                  <a:tcPr/>
-                </a:tc>
-                <a:tc>
-                  <a:txBody>
-                    <a:bodyPr/>
-                    <a:lstStyle/>
-                    <a:p>
-                      <a:endParaRPr lang="en-US" dirty="0"/>
-                    </a:p>
-                  </a:txBody>
-                  <a:tcPr/>
-                </a:tc>
-                <a:tc>
-                  <a:txBody>
-                    <a:bodyPr/>
-                    <a:lstStyle/>
-                    <a:p>
-                      <a:endParaRPr lang="en-US" dirty="0"/>
-                    </a:p>
-                  </a:txBody>
-                  <a:tcPr/>
-                </a:tc>
-                <a:tc>
-                  <a:txBody>
-                    <a:bodyPr/>
-                    <a:lstStyle/>
-                    <a:p>
-                      <a:endParaRPr lang="en-US" dirty="0"/>
-                    </a:p>
-                  </a:txBody>
-                  <a:tcPr/>
-                </a:tc>
-                <a:extLst>
-                  <a:ext uri="{0D108BD9-81ED-4DB2-BD59-A6C34878D82A}">
-                    <a16:rowId xmlns:a16="http://schemas.microsoft.com/office/drawing/2014/main" val="3576528922"/>
-                  </a:ext>
-                </a:extLst>
-              </a:tr>
-              <a:tr h="370840">
-                <a:tc>
-                  <a:txBody>
-                    <a:bodyPr/>
-                    <a:lstStyle/>
-                    <a:p>
-                      <a:r>
-                        <a:rPr lang="en-US" dirty="0"/>
-                        <a:t>Protein 2</a:t>
-                      </a:r>
-                    </a:p>
-                  </a:txBody>
-                  <a:tcPr/>
-                </a:tc>
-                <a:tc>
-                  <a:txBody>
-                    <a:bodyPr/>
-                    <a:lstStyle/>
-                    <a:p>
-                      <a:r>
-                        <a:rPr lang="en-US" dirty="0"/>
-                        <a:t>value4</a:t>
-                      </a:r>
-                    </a:p>
-                  </a:txBody>
-                  <a:tcPr/>
-                </a:tc>
-                <a:tc>
-                  <a:txBody>
-                    <a:bodyPr/>
-                    <a:lstStyle/>
-                    <a:p>
-                      <a:r>
-                        <a:rPr lang="en-US" dirty="0"/>
-                        <a:t>value5</a:t>
-                      </a:r>
-                    </a:p>
-                  </a:txBody>
-                  <a:tcPr/>
-                </a:tc>
-                <a:tc>
-                  <a:txBody>
-                    <a:bodyPr/>
-                    <a:lstStyle/>
-                    <a:p>
-                      <a:r>
-                        <a:rPr lang="en-US" dirty="0"/>
-                        <a:t>value6</a:t>
-                      </a:r>
-                    </a:p>
-                  </a:txBody>
-                  <a:tcPr/>
-                </a:tc>
-                <a:tc>
-                  <a:txBody>
-                    <a:bodyPr/>
-                    <a:lstStyle/>
-                    <a:p>
-                      <a:endParaRPr lang="en-US" dirty="0"/>
-                    </a:p>
-                  </a:txBody>
-                  <a:tcPr/>
-                </a:tc>
-                <a:tc>
-                  <a:txBody>
-                    <a:bodyPr/>
-                    <a:lstStyle/>
-                    <a:p>
-                      <a:endParaRPr lang="en-US" dirty="0"/>
-                    </a:p>
-                  </a:txBody>
-                  <a:tcPr/>
-                </a:tc>
-                <a:tc>
-                  <a:txBody>
-                    <a:bodyPr/>
-                    <a:lstStyle/>
-                    <a:p>
-                      <a:endParaRPr lang="en-US" dirty="0"/>
-                    </a:p>
-                  </a:txBody>
-                  <a:tcPr/>
-                </a:tc>
-                <a:extLst>
-                  <a:ext uri="{0D108BD9-81ED-4DB2-BD59-A6C34878D82A}">
-                    <a16:rowId xmlns:a16="http://schemas.microsoft.com/office/drawing/2014/main" val="3717446347"/>
-                  </a:ext>
-                </a:extLst>
-              </a:tr>
-              <a:tr h="370840">
-                <a:tc>
-                  <a:txBody>
-                    <a:bodyPr/>
-                    <a:lstStyle/>
-                    <a:p>
-                      <a:r>
-                        <a:rPr lang="en-US" dirty="0"/>
-                        <a:t>…</a:t>
-                      </a:r>
-                    </a:p>
-                  </a:txBody>
-                  <a:tcPr/>
-                </a:tc>
-                <a:tc>
-                  <a:txBody>
-                    <a:bodyPr/>
-                    <a:lstStyle/>
-                    <a:p>
-                      <a:endParaRPr lang="en-US" dirty="0"/>
-                    </a:p>
-                  </a:txBody>
-                  <a:tcPr/>
-                </a:tc>
-                <a:tc>
-                  <a:txBody>
-                    <a:bodyPr/>
-                    <a:lstStyle/>
-                    <a:p>
-                      <a:endParaRPr lang="en-US" dirty="0"/>
-                    </a:p>
-                  </a:txBody>
-                  <a:tcPr/>
-                </a:tc>
-                <a:tc>
-                  <a:txBody>
-                    <a:bodyPr/>
-                    <a:lstStyle/>
-                    <a:p>
-                      <a:endParaRPr lang="en-US" dirty="0"/>
-                    </a:p>
-                  </a:txBody>
-                  <a:tcPr/>
-                </a:tc>
-                <a:tc>
-                  <a:txBody>
-                    <a:bodyPr/>
-                    <a:lstStyle/>
-                    <a:p>
-                      <a:endParaRPr lang="en-US" dirty="0"/>
-                    </a:p>
-                  </a:txBody>
-                  <a:tcPr/>
-                </a:tc>
-                <a:tc>
-                  <a:txBody>
-                    <a:bodyPr/>
-                    <a:lstStyle/>
-                    <a:p>
-                      <a:endParaRPr lang="en-US" dirty="0"/>
-                    </a:p>
-                  </a:txBody>
-                  <a:tcPr/>
-                </a:tc>
-                <a:tc>
-                  <a:txBody>
-                    <a:bodyPr/>
-                    <a:lstStyle/>
-                    <a:p>
-                      <a:endParaRPr lang="en-US" dirty="0"/>
-                    </a:p>
-                  </a:txBody>
-                  <a:tcPr/>
-                </a:tc>
-                <a:extLst>
-                  <a:ext uri="{0D108BD9-81ED-4DB2-BD59-A6C34878D82A}">
-                    <a16:rowId xmlns:a16="http://schemas.microsoft.com/office/drawing/2014/main" val="3214142944"/>
-                  </a:ext>
-                </a:extLst>
-              </a:tr>
-            </a:tbl>
-          </a:graphicData>
-        </a:graphic>
-      </p:graphicFrame>
-      <p:sp>
-        <p:nvSpPr>
-          <p:cNvPr id="5" name="Rectangle 4">
-            <a:extLst>
-              <a:ext uri="{FF2B5EF4-FFF2-40B4-BE49-F238E27FC236}">
-                <a16:creationId xmlns:a16="http://schemas.microsoft.com/office/drawing/2014/main" id="{696ED629-4838-8141-BEA8-85E01D0C8296}"/>
-              </a:ext>
-            </a:extLst>
-          </p:cNvPr>
-          <p:cNvSpPr/>
-          <p:nvPr/>
-        </p:nvSpPr>
-        <p:spPr>
-          <a:xfrm>
-            <a:off x="3888580" y="3939221"/>
-            <a:ext cx="1585912" cy="757238"/>
-          </a:xfrm>
-          <a:prstGeom prst="rect">
-            <a:avLst/>
-          </a:prstGeom>
-          <a:noFill/>
-          <a:ln>
-            <a:prstDash val="lgDash"/>
-          </a:ln>
-        </p:spPr>
-        <p:style>
-          <a:lnRef idx="1">
-            <a:schemeClr val="accent1"/>
-          </a:lnRef>
-          <a:fillRef idx="3">
-            <a:schemeClr val="accent1"/>
-          </a:fillRef>
-          <a:effectRef idx="2">
-            <a:schemeClr val="accent1"/>
-          </a:effectRef>
-          <a:fontRef idx="minor">
-            <a:schemeClr val="lt1"/>
-          </a:fontRef>
-        </p:style>
-        <p:txBody>
-          <a:bodyPr rtlCol="0" anchor="ctr"/>
-          <a:lstStyle/>
-          <a:p>
-            <a:pPr algn="ctr"/>
-            <a:r>
-              <a:rPr lang="en-US" sz="3200" dirty="0" err="1">
-                <a:solidFill>
-                  <a:schemeClr val="tx1"/>
-                </a:solidFill>
-              </a:rPr>
-              <a:t>MSsTats</a:t>
-            </a:r>
-            <a:endParaRPr lang="en-US" sz="3200" dirty="0">
-              <a:solidFill>
-                <a:schemeClr val="tx1"/>
-              </a:solidFill>
-            </a:endParaRPr>
-          </a:p>
-        </p:txBody>
-      </p:sp>
-      <p:graphicFrame>
-        <p:nvGraphicFramePr>
-          <p:cNvPr id="6" name="Table 4">
-            <a:extLst>
-              <a:ext uri="{FF2B5EF4-FFF2-40B4-BE49-F238E27FC236}">
-                <a16:creationId xmlns:a16="http://schemas.microsoft.com/office/drawing/2014/main" id="{C9E3C17E-7DB2-0E49-8F10-DDA04A01C500}"/>
-              </a:ext>
-            </a:extLst>
-          </p:cNvPr>
-          <p:cNvGraphicFramePr>
-            <a:graphicFrameLocks noGrp="1"/>
-          </p:cNvGraphicFramePr>
-          <p:nvPr>
-            <p:extLst>
-              <p:ext uri="{D42A27DB-BD31-4B8C-83A1-F6EECF244321}">
-                <p14:modId xmlns:p14="http://schemas.microsoft.com/office/powerpoint/2010/main" val="662369133"/>
-              </p:ext>
-            </p:extLst>
-          </p:nvPr>
-        </p:nvGraphicFramePr>
-        <p:xfrm>
-          <a:off x="2116930" y="5105082"/>
-          <a:ext cx="4910139" cy="1478280"/>
-        </p:xfrm>
-        <a:graphic>
-          <a:graphicData uri="http://schemas.openxmlformats.org/drawingml/2006/table">
-            <a:tbl>
-              <a:tblPr firstRow="1" bandRow="1">
-                <a:tableStyleId>{F5AB1C69-6EDB-4FF4-983F-18BD219EF322}</a:tableStyleId>
-              </a:tblPr>
-              <a:tblGrid>
-                <a:gridCol w="1802151">
-                  <a:extLst>
-                    <a:ext uri="{9D8B030D-6E8A-4147-A177-3AD203B41FA5}">
-                      <a16:colId xmlns:a16="http://schemas.microsoft.com/office/drawing/2014/main" val="3638172410"/>
-                    </a:ext>
-                  </a:extLst>
-                </a:gridCol>
-                <a:gridCol w="1553994">
-                  <a:extLst>
-                    <a:ext uri="{9D8B030D-6E8A-4147-A177-3AD203B41FA5}">
-                      <a16:colId xmlns:a16="http://schemas.microsoft.com/office/drawing/2014/main" val="1184124969"/>
-                    </a:ext>
-                  </a:extLst>
-                </a:gridCol>
-                <a:gridCol w="1553994">
-                  <a:extLst>
-                    <a:ext uri="{9D8B030D-6E8A-4147-A177-3AD203B41FA5}">
-                      <a16:colId xmlns:a16="http://schemas.microsoft.com/office/drawing/2014/main" val="167841531"/>
-                    </a:ext>
-                  </a:extLst>
-                </a:gridCol>
-              </a:tblGrid>
-              <a:tr h="204153">
-                <a:tc>
-                  <a:txBody>
-                    <a:bodyPr/>
-                    <a:lstStyle/>
-                    <a:p>
-                      <a:endParaRPr lang="en-US" dirty="0"/>
-                    </a:p>
-                  </a:txBody>
-                  <a:tcPr/>
-                </a:tc>
-                <a:tc>
-                  <a:txBody>
-                    <a:bodyPr/>
-                    <a:lstStyle/>
-                    <a:p>
-                      <a:r>
-                        <a:rPr lang="en-US" dirty="0"/>
-                        <a:t>condition 1</a:t>
-                      </a:r>
-                    </a:p>
-                  </a:txBody>
-                  <a:tcPr/>
-                </a:tc>
-                <a:tc>
-                  <a:txBody>
-                    <a:bodyPr/>
-                    <a:lstStyle/>
-                    <a:p>
-                      <a:r>
-                        <a:rPr lang="en-US" dirty="0"/>
-                        <a:t>condition 2</a:t>
-                      </a:r>
-                    </a:p>
-                  </a:txBody>
-                  <a:tcPr/>
-                </a:tc>
-                <a:extLst>
-                  <a:ext uri="{0D108BD9-81ED-4DB2-BD59-A6C34878D82A}">
-                    <a16:rowId xmlns:a16="http://schemas.microsoft.com/office/drawing/2014/main" val="3870243517"/>
-                  </a:ext>
-                </a:extLst>
-              </a:tr>
-              <a:tr h="370840">
-                <a:tc>
-                  <a:txBody>
-                    <a:bodyPr/>
-                    <a:lstStyle/>
-                    <a:p>
-                      <a:r>
-                        <a:rPr lang="en-US" dirty="0"/>
-                        <a:t>Protein 1</a:t>
-                      </a:r>
-                    </a:p>
-                  </a:txBody>
-                  <a:tcPr/>
-                </a:tc>
-                <a:tc>
-                  <a:txBody>
-                    <a:bodyPr/>
-                    <a:lstStyle/>
-                    <a:p>
-                      <a:r>
-                        <a:rPr lang="en-US" dirty="0"/>
-                        <a:t>value1</a:t>
-                      </a:r>
-                    </a:p>
-                  </a:txBody>
-                  <a:tcPr/>
-                </a:tc>
-                <a:tc>
-                  <a:txBody>
-                    <a:bodyPr/>
-                    <a:lstStyle/>
-                    <a:p>
-                      <a:r>
-                        <a:rPr lang="en-US" dirty="0"/>
-                        <a:t>value 5</a:t>
-                      </a:r>
-                    </a:p>
-                  </a:txBody>
-                  <a:tcPr/>
-                </a:tc>
-                <a:extLst>
-                  <a:ext uri="{0D108BD9-81ED-4DB2-BD59-A6C34878D82A}">
-                    <a16:rowId xmlns:a16="http://schemas.microsoft.com/office/drawing/2014/main" val="3576528922"/>
-                  </a:ext>
-                </a:extLst>
-              </a:tr>
-              <a:tr h="370840">
-                <a:tc>
-                  <a:txBody>
-                    <a:bodyPr/>
-                    <a:lstStyle/>
-                    <a:p>
-                      <a:r>
-                        <a:rPr lang="en-US" dirty="0"/>
-                        <a:t>Protein 2</a:t>
-                      </a:r>
-                    </a:p>
-                  </a:txBody>
-                  <a:tcPr/>
-                </a:tc>
-                <a:tc>
-                  <a:txBody>
-                    <a:bodyPr/>
-                    <a:lstStyle/>
-                    <a:p>
-                      <a:r>
-                        <a:rPr lang="en-US" dirty="0"/>
-                        <a:t>value4</a:t>
-                      </a:r>
-                    </a:p>
-                  </a:txBody>
-                  <a:tcPr/>
-                </a:tc>
-                <a:tc>
-                  <a:txBody>
-                    <a:bodyPr/>
-                    <a:lstStyle/>
-                    <a:p>
-                      <a:r>
-                        <a:rPr lang="en-US" dirty="0"/>
-                        <a:t>value 6</a:t>
-                      </a:r>
-                    </a:p>
-                  </a:txBody>
-                  <a:tcPr/>
-                </a:tc>
-                <a:extLst>
-                  <a:ext uri="{0D108BD9-81ED-4DB2-BD59-A6C34878D82A}">
-                    <a16:rowId xmlns:a16="http://schemas.microsoft.com/office/drawing/2014/main" val="3717446347"/>
-                  </a:ext>
-                </a:extLst>
-              </a:tr>
-              <a:tr h="370840">
-                <a:tc>
-                  <a:txBody>
-                    <a:bodyPr/>
-                    <a:lstStyle/>
-                    <a:p>
-                      <a:r>
-                        <a:rPr lang="en-US" dirty="0"/>
-                        <a:t>…</a:t>
-                      </a:r>
-                    </a:p>
-                  </a:txBody>
-                  <a:tcPr/>
-                </a:tc>
-                <a:tc>
-                  <a:txBody>
-                    <a:bodyPr/>
-                    <a:lstStyle/>
-                    <a:p>
-                      <a:endParaRPr lang="en-US" dirty="0"/>
-                    </a:p>
-                  </a:txBody>
-                  <a:tcPr/>
-                </a:tc>
-                <a:tc>
-                  <a:txBody>
-                    <a:bodyPr/>
-                    <a:lstStyle/>
-                    <a:p>
-                      <a:endParaRPr lang="en-US" dirty="0"/>
-                    </a:p>
-                  </a:txBody>
-                  <a:tcPr/>
-                </a:tc>
-                <a:extLst>
-                  <a:ext uri="{0D108BD9-81ED-4DB2-BD59-A6C34878D82A}">
-                    <a16:rowId xmlns:a16="http://schemas.microsoft.com/office/drawing/2014/main" val="3214142944"/>
-                  </a:ext>
-                </a:extLst>
-              </a:tr>
-            </a:tbl>
-          </a:graphicData>
-        </a:graphic>
-      </p:graphicFrame>
-    </p:spTree>
-    <p:extLst>
-      <p:ext uri="{BB962C8B-B14F-4D97-AF65-F5344CB8AC3E}">
-        <p14:creationId xmlns:p14="http://schemas.microsoft.com/office/powerpoint/2010/main" val="4270736769"/>
-      </p:ext>
-    </p:extLst>
-  </p:cSld>
-  <p:clrMapOvr>
-    <a:masterClrMapping/>
-  </p:clrMapOvr>
-</p:sld>
-</file>
-
 <file path=ppt/theme/theme1.xml><?xml version="1.0" encoding="utf-8"?>
 <a:theme xmlns:a="http://schemas.openxmlformats.org/drawingml/2006/main" name="Default Theme">
   <a:themeElements>

--- a/architecture/slides.pptx
+++ b/architecture/slides.pptx
@@ -299,7 +299,7 @@
           <a:p>
             <a:fld id="{97F1CE15-3475-4A4B-A4B6-6E0EFF0BADFA}" type="datetimeFigureOut">
               <a:rPr lang="en-US" smtClean="0"/>
-              <a:t>8/26/20</a:t>
+              <a:t>8/27/20</a:t>
             </a:fld>
             <a:endParaRPr lang="en-US"/>
           </a:p>
@@ -469,7 +469,7 @@
           <a:p>
             <a:fld id="{97F1CE15-3475-4A4B-A4B6-6E0EFF0BADFA}" type="datetimeFigureOut">
               <a:rPr lang="en-US" smtClean="0"/>
-              <a:t>8/26/20</a:t>
+              <a:t>8/27/20</a:t>
             </a:fld>
             <a:endParaRPr lang="en-US"/>
           </a:p>
@@ -649,7 +649,7 @@
           <a:p>
             <a:fld id="{97F1CE15-3475-4A4B-A4B6-6E0EFF0BADFA}" type="datetimeFigureOut">
               <a:rPr lang="en-US" smtClean="0"/>
-              <a:t>8/26/20</a:t>
+              <a:t>8/27/20</a:t>
             </a:fld>
             <a:endParaRPr lang="en-US"/>
           </a:p>
@@ -770,14 +770,14 @@
           </a:ln>
           <a:extLst>
             <a:ext uri="{909E8E84-426E-40dd-AFC4-6F175D3DCCD1}">
-              <a14:hiddenFill xmlns="" xmlns:a14="http://schemas.microsoft.com/office/drawing/2010/main">
+              <a14:hiddenFill xmlns:a14="http://schemas.microsoft.com/office/drawing/2010/main" xmlns="">
                 <a:solidFill>
                   <a:srgbClr val="FFFFFF"/>
                 </a:solidFill>
               </a14:hiddenFill>
             </a:ext>
             <a:ext uri="{91240B29-F687-4f45-9708-019B960494DF}">
-              <a14:hiddenLine xmlns="" xmlns:a14="http://schemas.microsoft.com/office/drawing/2010/main" w="9525">
+              <a14:hiddenLine xmlns:a14="http://schemas.microsoft.com/office/drawing/2010/main" xmlns="" w="9525">
                 <a:solidFill>
                   <a:srgbClr val="000000"/>
                 </a:solidFill>
@@ -824,14 +824,14 @@
           </a:ln>
           <a:extLst>
             <a:ext uri="{909E8E84-426E-40dd-AFC4-6F175D3DCCD1}">
-              <a14:hiddenFill xmlns="" xmlns:a14="http://schemas.microsoft.com/office/drawing/2010/main">
+              <a14:hiddenFill xmlns:a14="http://schemas.microsoft.com/office/drawing/2010/main" xmlns="">
                 <a:solidFill>
                   <a:srgbClr val="FFFFFF"/>
                 </a:solidFill>
               </a14:hiddenFill>
             </a:ext>
             <a:ext uri="{91240B29-F687-4f45-9708-019B960494DF}">
-              <a14:hiddenLine xmlns="" xmlns:a14="http://schemas.microsoft.com/office/drawing/2010/main" w="9525">
+              <a14:hiddenLine xmlns:a14="http://schemas.microsoft.com/office/drawing/2010/main" xmlns="" w="9525">
                 <a:solidFill>
                   <a:srgbClr val="000000"/>
                 </a:solidFill>
@@ -1092,7 +1092,7 @@
           <a:p>
             <a:fld id="{97F1CE15-3475-4A4B-A4B6-6E0EFF0BADFA}" type="datetimeFigureOut">
               <a:rPr lang="en-US" smtClean="0"/>
-              <a:t>8/26/20</a:t>
+              <a:t>8/27/20</a:t>
             </a:fld>
             <a:endParaRPr lang="en-US"/>
           </a:p>
@@ -1338,7 +1338,7 @@
           <a:p>
             <a:fld id="{97F1CE15-3475-4A4B-A4B6-6E0EFF0BADFA}" type="datetimeFigureOut">
               <a:rPr lang="en-US" smtClean="0"/>
-              <a:t>8/26/20</a:t>
+              <a:t>8/27/20</a:t>
             </a:fld>
             <a:endParaRPr lang="en-US"/>
           </a:p>
@@ -1626,7 +1626,7 @@
           <a:p>
             <a:fld id="{97F1CE15-3475-4A4B-A4B6-6E0EFF0BADFA}" type="datetimeFigureOut">
               <a:rPr lang="en-US" smtClean="0"/>
-              <a:t>8/26/20</a:t>
+              <a:t>8/27/20</a:t>
             </a:fld>
             <a:endParaRPr lang="en-US"/>
           </a:p>
@@ -2048,7 +2048,7 @@
           <a:p>
             <a:fld id="{97F1CE15-3475-4A4B-A4B6-6E0EFF0BADFA}" type="datetimeFigureOut">
               <a:rPr lang="en-US" smtClean="0"/>
-              <a:t>8/26/20</a:t>
+              <a:t>8/27/20</a:t>
             </a:fld>
             <a:endParaRPr lang="en-US"/>
           </a:p>
@@ -2166,7 +2166,7 @@
           <a:p>
             <a:fld id="{97F1CE15-3475-4A4B-A4B6-6E0EFF0BADFA}" type="datetimeFigureOut">
               <a:rPr lang="en-US" smtClean="0"/>
-              <a:t>8/26/20</a:t>
+              <a:t>8/27/20</a:t>
             </a:fld>
             <a:endParaRPr lang="en-US"/>
           </a:p>
@@ -2261,7 +2261,7 @@
           <a:p>
             <a:fld id="{97F1CE15-3475-4A4B-A4B6-6E0EFF0BADFA}" type="datetimeFigureOut">
               <a:rPr lang="en-US" smtClean="0"/>
-              <a:t>8/26/20</a:t>
+              <a:t>8/27/20</a:t>
             </a:fld>
             <a:endParaRPr lang="en-US"/>
           </a:p>
@@ -2538,7 +2538,7 @@
           <a:p>
             <a:fld id="{97F1CE15-3475-4A4B-A4B6-6E0EFF0BADFA}" type="datetimeFigureOut">
               <a:rPr lang="en-US" smtClean="0"/>
-              <a:t>8/26/20</a:t>
+              <a:t>8/27/20</a:t>
             </a:fld>
             <a:endParaRPr lang="en-US"/>
           </a:p>
@@ -2795,7 +2795,7 @@
           <a:p>
             <a:fld id="{97F1CE15-3475-4A4B-A4B6-6E0EFF0BADFA}" type="datetimeFigureOut">
               <a:rPr lang="en-US" smtClean="0"/>
-              <a:t>8/26/20</a:t>
+              <a:t>8/27/20</a:t>
             </a:fld>
             <a:endParaRPr lang="en-US"/>
           </a:p>
@@ -3008,7 +3008,7 @@
           <a:p>
             <a:fld id="{97F1CE15-3475-4A4B-A4B6-6E0EFF0BADFA}" type="datetimeFigureOut">
               <a:rPr lang="en-US" smtClean="0"/>
-              <a:t>8/26/20</a:t>
+              <a:t>8/27/20</a:t>
             </a:fld>
             <a:endParaRPr lang="en-US"/>
           </a:p>
